--- a/Phase_1/Phase1.pptx
+++ b/Phase_1/Phase1.pptx
@@ -6860,7 +6860,7 @@
           </a:bodyPr>
           <a:lstStyle/>
           <a:p>
-            <a:pPr indent="0" lvl="0" marL="0" rtl="0" algn="l">
+            <a:pPr indent="0" lvl="0" marL="0" rtl="0" algn="ctr">
               <a:spcBef>
                 <a:spcPts val="0"/>
               </a:spcBef>
@@ -6876,7 +6876,7 @@
             <a:endParaRPr/>
           </a:p>
           <a:p>
-            <a:pPr indent="0" lvl="0" marL="0" rtl="0" algn="l">
+            <a:pPr indent="0" lvl="0" marL="0" rtl="0" algn="ctr">
               <a:spcBef>
                 <a:spcPts val="0"/>
               </a:spcBef>
@@ -7835,7 +7835,7 @@
             </a:pPr>
             <a:r>
               <a:rPr lang="en"/>
-              <a:t>SCHEMA</a:t>
+              <a:t>Relationship SCHEMA</a:t>
             </a:r>
             <a:endParaRPr/>
           </a:p>

--- a/Phase_1/Phase1.pptx
+++ b/Phase_1/Phase1.pptx
@@ -7847,17 +7847,18 @@
           <p:cNvPicPr preferRelativeResize="0"/>
           <p:nvPr/>
         </p:nvPicPr>
-        <p:blipFill rotWithShape="1">
+        <p:blipFill>
           <a:blip r:embed="rId3">
             <a:alphaModFix/>
           </a:blip>
-          <a:srcRect b="-1853" l="0" r="0" t="0"/>
-          <a:stretch/>
+          <a:stretch>
+            <a:fillRect/>
+          </a:stretch>
         </p:blipFill>
         <p:spPr>
           <a:xfrm>
-            <a:off x="157200" y="994875"/>
-            <a:ext cx="8834401" cy="3752201"/>
+            <a:off x="333950" y="924575"/>
+            <a:ext cx="8476098" cy="3566600"/>
           </a:xfrm>
           <a:prstGeom prst="rect">
             <a:avLst/>

--- a/Phase_1/Phase1.pptx
+++ b/Phase_1/Phase1.pptx
@@ -7857,8 +7857,8 @@
         </p:blipFill>
         <p:spPr>
           <a:xfrm>
-            <a:off x="333950" y="924575"/>
-            <a:ext cx="8476098" cy="3566600"/>
+            <a:off x="152400" y="994875"/>
+            <a:ext cx="8839203" cy="3669198"/>
           </a:xfrm>
           <a:prstGeom prst="rect">
             <a:avLst/>

--- a/Phase_1/Phase1.pptx
+++ b/Phase_1/Phase1.pptx
@@ -2,33 +2,34 @@
 <file path=ppt/presentation.xml><?xml version="1.0" encoding="utf-8"?>
 <p:presentation xmlns:a="http://schemas.openxmlformats.org/drawingml/2006/main" xmlns:r="http://schemas.openxmlformats.org/officeDocument/2006/relationships" xmlns:mc="http://schemas.openxmlformats.org/markup-compatibility/2006" xmlns:mv="urn:schemas-microsoft-com:mac:vml" xmlns:p="http://schemas.openxmlformats.org/presentationml/2006/main" xmlns:c="http://schemas.openxmlformats.org/drawingml/2006/chart" xmlns:dgm="http://schemas.openxmlformats.org/drawingml/2006/diagram" xmlns:o="urn:schemas-microsoft-com:office:office" xmlns:v="urn:schemas-microsoft-com:vml" xmlns:pvml="urn:schemas-microsoft-com:office:powerpoint" xmlns:com="http://schemas.openxmlformats.org/drawingml/2006/compatibility" xmlns:p14="http://schemas.microsoft.com/office/powerpoint/2010/main" xmlns:p15="http://schemas.microsoft.com/office/powerpoint/2012/main" xmlns:ahyp="http://schemas.microsoft.com/office/drawing/2018/hyperlinkcolor" autoCompressPictures="0" embedTrueTypeFonts="1" strictFirstAndLastChars="0" saveSubsetFonts="1">
   <p:sldMasterIdLst>
-    <p:sldMasterId id="2147483659" r:id="rId4"/>
+    <p:sldMasterId id="2147483659" r:id="rId5"/>
   </p:sldMasterIdLst>
   <p:notesMasterIdLst>
-    <p:notesMasterId r:id="rId5"/>
+    <p:notesMasterId r:id="rId6"/>
   </p:notesMasterIdLst>
   <p:sldIdLst>
-    <p:sldId id="256" r:id="rId6"/>
-    <p:sldId id="257" r:id="rId7"/>
-    <p:sldId id="258" r:id="rId8"/>
-    <p:sldId id="259" r:id="rId9"/>
-    <p:sldId id="260" r:id="rId10"/>
-    <p:sldId id="261" r:id="rId11"/>
+    <p:sldId id="256" r:id="rId7"/>
+    <p:sldId id="257" r:id="rId8"/>
+    <p:sldId id="258" r:id="rId9"/>
+    <p:sldId id="259" r:id="rId10"/>
+    <p:sldId id="260" r:id="rId11"/>
+    <p:sldId id="261" r:id="rId12"/>
+    <p:sldId id="262" r:id="rId13"/>
   </p:sldIdLst>
   <p:sldSz cy="5143500" cx="9144000"/>
   <p:notesSz cx="6858000" cy="9144000"/>
   <p:embeddedFontLst>
     <p:embeddedFont>
       <p:font typeface="PT Sans Narrow"/>
-      <p:regular r:id="rId12"/>
-      <p:bold r:id="rId13"/>
+      <p:regular r:id="rId14"/>
+      <p:bold r:id="rId15"/>
     </p:embeddedFont>
     <p:embeddedFont>
       <p:font typeface="Open Sans"/>
-      <p:regular r:id="rId14"/>
-      <p:bold r:id="rId15"/>
-      <p:italic r:id="rId16"/>
-      <p:boldItalic r:id="rId17"/>
+      <p:regular r:id="rId16"/>
+      <p:bold r:id="rId17"/>
+      <p:italic r:id="rId18"/>
+      <p:boldItalic r:id="rId19"/>
     </p:embeddedFont>
   </p:embeddedFontLst>
   <p:defaultTextStyle>
@@ -277,6 +278,21 @@
     </p:ext>
   </p:extLst>
 </p:presentation>
+</file>
+
+<file path=ppt/commentAuthors.xml><?xml version="1.0" encoding="utf-8"?>
+<p:cmAuthorLst xmlns:a="http://schemas.openxmlformats.org/drawingml/2006/main" xmlns:r="http://schemas.openxmlformats.org/officeDocument/2006/relationships" xmlns:mc="http://schemas.openxmlformats.org/markup-compatibility/2006" xmlns:mv="urn:schemas-microsoft-com:mac:vml" xmlns:p="http://schemas.openxmlformats.org/presentationml/2006/main" xmlns:c="http://schemas.openxmlformats.org/drawingml/2006/chart" xmlns:dgm="http://schemas.openxmlformats.org/drawingml/2006/diagram" xmlns:o="urn:schemas-microsoft-com:office:office" xmlns:v="urn:schemas-microsoft-com:vml" xmlns:pvml="urn:schemas-microsoft-com:office:powerpoint" xmlns:com="http://schemas.openxmlformats.org/drawingml/2006/compatibility" xmlns:p14="http://schemas.microsoft.com/office/powerpoint/2010/main" xmlns:p15="http://schemas.microsoft.com/office/powerpoint/2012/main" xmlns:ahyp="http://schemas.microsoft.com/office/drawing/2018/hyperlinkcolor">
+  <p:cmAuthor clrIdx="0" id="0" initials="" lastIdx="1" name="Yoan Palacios"/>
+</p:cmAuthorLst>
+</file>
+
+<file path=ppt/comments/comment1.xml><?xml version="1.0" encoding="utf-8"?>
+<p:cmLst xmlns:a="http://schemas.openxmlformats.org/drawingml/2006/main" xmlns:r="http://schemas.openxmlformats.org/officeDocument/2006/relationships" xmlns:mc="http://schemas.openxmlformats.org/markup-compatibility/2006" xmlns:mv="urn:schemas-microsoft-com:mac:vml" xmlns:p="http://schemas.openxmlformats.org/presentationml/2006/main" xmlns:c="http://schemas.openxmlformats.org/drawingml/2006/chart" xmlns:dgm="http://schemas.openxmlformats.org/drawingml/2006/diagram" xmlns:o="urn:schemas-microsoft-com:office:office" xmlns:v="urn:schemas-microsoft-com:vml" xmlns:pvml="urn:schemas-microsoft-com:office:powerpoint" xmlns:com="http://schemas.openxmlformats.org/drawingml/2006/compatibility" xmlns:p14="http://schemas.microsoft.com/office/powerpoint/2010/main" xmlns:p15="http://schemas.microsoft.com/office/powerpoint/2012/main" xmlns:ahyp="http://schemas.microsoft.com/office/drawing/2018/hyperlinkcolor">
+  <p:cm authorId="0" idx="1" dt="2021-10-20T16:00:23.444">
+    <p:pos x="2978" y="1110"/>
+    <p:text>What does this mean?</p:text>
+  </p:cm>
+</p:cmLst>
 </file>
 
 <file path=ppt/notesMasters/notesMaster1.xml><?xml version="1.0" encoding="utf-8"?>
@@ -1219,7 +1235,7 @@
       </p:grpSpPr>
       <p:sp>
         <p:nvSpPr>
-          <p:cNvPr id="95" name="Google Shape;95;gf936e5a4da_0_25:notes"/>
+          <p:cNvPr id="95" name="Google Shape;95;gf6289801c5_0_0:notes"/>
           <p:cNvSpPr/>
           <p:nvPr>
             <p:ph idx="2" type="sldImg"/>
@@ -1254,7 +1270,106 @@
       </p:sp>
       <p:sp>
         <p:nvSpPr>
-          <p:cNvPr id="96" name="Google Shape;96;gf936e5a4da_0_25:notes"/>
+          <p:cNvPr id="96" name="Google Shape;96;gf6289801c5_0_0:notes"/>
+          <p:cNvSpPr txBox="1"/>
+          <p:nvPr>
+            <p:ph idx="1" type="body"/>
+          </p:nvPr>
+        </p:nvSpPr>
+        <p:spPr>
+          <a:xfrm>
+            <a:off x="685800" y="4343400"/>
+            <a:ext cx="5486400" cy="4114800"/>
+          </a:xfrm>
+          <a:prstGeom prst="rect">
+            <a:avLst/>
+          </a:prstGeom>
+        </p:spPr>
+        <p:txBody>
+          <a:bodyPr anchorCtr="0" anchor="t" bIns="91425" lIns="91425" spcFirstLastPara="1" rIns="91425" wrap="square" tIns="91425">
+            <a:noAutofit/>
+          </a:bodyPr>
+          <a:lstStyle/>
+          <a:p>
+            <a:pPr indent="0" lvl="0" marL="0" rtl="0" algn="l">
+              <a:spcBef>
+                <a:spcPts val="0"/>
+              </a:spcBef>
+              <a:spcAft>
+                <a:spcPts val="0"/>
+              </a:spcAft>
+              <a:buNone/>
+            </a:pPr>
+            <a:r>
+              <a:t/>
+            </a:r>
+            <a:endParaRPr/>
+          </a:p>
+        </p:txBody>
+      </p:sp>
+    </p:spTree>
+  </p:cSld>
+  <p:clrMapOvr>
+    <a:masterClrMapping/>
+  </p:clrMapOvr>
+</p:notes>
+</file>
+
+<file path=ppt/notesSlides/notesSlide7.xml><?xml version="1.0" encoding="utf-8"?>
+<p:notes xmlns:a="http://schemas.openxmlformats.org/drawingml/2006/main" xmlns:r="http://schemas.openxmlformats.org/officeDocument/2006/relationships" xmlns:mc="http://schemas.openxmlformats.org/markup-compatibility/2006" xmlns:mv="urn:schemas-microsoft-com:mac:vml" xmlns:p="http://schemas.openxmlformats.org/presentationml/2006/main" xmlns:c="http://schemas.openxmlformats.org/drawingml/2006/chart" xmlns:dgm="http://schemas.openxmlformats.org/drawingml/2006/diagram" xmlns:o="urn:schemas-microsoft-com:office:office" xmlns:v="urn:schemas-microsoft-com:vml" xmlns:pvml="urn:schemas-microsoft-com:office:powerpoint" xmlns:com="http://schemas.openxmlformats.org/drawingml/2006/compatibility" xmlns:p14="http://schemas.microsoft.com/office/powerpoint/2010/main" xmlns:p15="http://schemas.microsoft.com/office/powerpoint/2012/main" xmlns:ahyp="http://schemas.microsoft.com/office/drawing/2018/hyperlinkcolor" showMasterPhAnim="0" showMasterSp="0">
+  <p:cSld>
+    <p:spTree>
+      <p:nvGrpSpPr>
+        <p:cNvPr id="103" name="Shape 103"/>
+        <p:cNvGrpSpPr/>
+        <p:nvPr/>
+      </p:nvGrpSpPr>
+      <p:grpSpPr>
+        <a:xfrm>
+          <a:off x="0" y="0"/>
+          <a:ext cx="0" cy="0"/>
+          <a:chOff x="0" y="0"/>
+          <a:chExt cx="0" cy="0"/>
+        </a:xfrm>
+      </p:grpSpPr>
+      <p:sp>
+        <p:nvSpPr>
+          <p:cNvPr id="104" name="Google Shape;104;gf936e5a4da_0_25:notes"/>
+          <p:cNvSpPr/>
+          <p:nvPr>
+            <p:ph idx="2" type="sldImg"/>
+          </p:nvPr>
+        </p:nvSpPr>
+        <p:spPr>
+          <a:xfrm>
+            <a:off x="381300" y="685800"/>
+            <a:ext cx="6096000" cy="3429000"/>
+          </a:xfrm>
+          <a:custGeom>
+            <a:rect b="b" l="l" r="r" t="t"/>
+            <a:pathLst>
+              <a:path extrusionOk="0" h="120000" w="120000">
+                <a:moveTo>
+                  <a:pt x="0" y="0"/>
+                </a:moveTo>
+                <a:lnTo>
+                  <a:pt x="120000" y="0"/>
+                </a:lnTo>
+                <a:lnTo>
+                  <a:pt x="120000" y="120000"/>
+                </a:lnTo>
+                <a:lnTo>
+                  <a:pt x="0" y="120000"/>
+                </a:lnTo>
+                <a:close/>
+              </a:path>
+            </a:pathLst>
+          </a:custGeom>
+        </p:spPr>
+      </p:sp>
+      <p:sp>
+        <p:nvSpPr>
+          <p:cNvPr id="105" name="Google Shape;105;gf936e5a4da_0_25:notes"/>
           <p:cNvSpPr txBox="1"/>
           <p:nvPr>
             <p:ph idx="1" type="body"/>
@@ -6847,7 +6962,7 @@
         </p:nvSpPr>
         <p:spPr>
           <a:xfrm>
-            <a:off x="311700" y="445025"/>
+            <a:off x="311700" y="260900"/>
             <a:ext cx="8520600" cy="707400"/>
           </a:xfrm>
           <a:prstGeom prst="rect">
@@ -6902,7 +7017,7 @@
         </p:nvSpPr>
         <p:spPr>
           <a:xfrm>
-            <a:off x="311700" y="1722825"/>
+            <a:off x="311700" y="1762300"/>
             <a:ext cx="3999900" cy="3302700"/>
           </a:xfrm>
           <a:prstGeom prst="rect">
@@ -7255,7 +7370,7 @@
         </p:nvSpPr>
         <p:spPr>
           <a:xfrm>
-            <a:off x="4832400" y="1747925"/>
+            <a:off x="4728850" y="1762300"/>
             <a:ext cx="3999900" cy="3302700"/>
           </a:xfrm>
           <a:prstGeom prst="rect">
@@ -7383,7 +7498,19 @@
                 <a:cs typeface="Arial"/>
                 <a:sym typeface="Arial"/>
               </a:rPr>
-              <a:t>c.    Can view per Hospital</a:t>
+              <a:t>c.    </a:t>
+            </a:r>
+            <a:r>
+              <a:rPr lang="en" sz="1200">
+                <a:solidFill>
+                  <a:srgbClr val="000000"/>
+                </a:solidFill>
+                <a:latin typeface="Arial"/>
+                <a:ea typeface="Arial"/>
+                <a:cs typeface="Arial"/>
+                <a:sym typeface="Arial"/>
+              </a:rPr>
+              <a:t>Can view per Hospital</a:t>
             </a:r>
             <a:endParaRPr sz="1200">
               <a:solidFill>
@@ -7516,8 +7643,8 @@
         </p:nvSpPr>
         <p:spPr>
           <a:xfrm>
-            <a:off x="311700" y="1152425"/>
-            <a:ext cx="8334900" cy="967500"/>
+            <a:off x="311700" y="830200"/>
+            <a:ext cx="8334900" cy="932100"/>
           </a:xfrm>
           <a:prstGeom prst="rect">
             <a:avLst/>
@@ -7546,33 +7673,32 @@
               <a:buNone/>
             </a:pPr>
             <a:r>
-              <a:rPr lang="en" sz="1900"/>
-              <a:t>Our project is a simple hospital management system. </a:t>
+              <a:rPr lang="en" sz="1700"/>
+              <a:t>Our project is a simple web app hospital management system. </a:t>
             </a:r>
+            <a:endParaRPr sz="1700"/>
+          </a:p>
+          <a:p>
+            <a:pPr indent="0" lvl="0" marL="0" rtl="0" algn="l">
+              <a:lnSpc>
+                <a:spcPct val="115000"/>
+              </a:lnSpc>
+              <a:spcBef>
+                <a:spcPts val="1200"/>
+              </a:spcBef>
+              <a:spcAft>
+                <a:spcPts val="1200"/>
+              </a:spcAft>
+              <a:buNone/>
+            </a:pPr>
             <a:r>
-              <a:rPr b="1" lang="en" sz="1900"/>
+              <a:rPr b="1" lang="en" sz="1700"/>
               <a:t>Super Admin</a:t>
             </a:r>
             <a:r>
-              <a:rPr lang="en" sz="1900"/>
+              <a:rPr lang="en" sz="1700"/>
               <a:t> can:</a:t>
             </a:r>
-            <a:endParaRPr sz="1900">
-              <a:solidFill>
-                <a:schemeClr val="dk2"/>
-              </a:solidFill>
-            </a:endParaRPr>
-          </a:p>
-          <a:p>
-            <a:pPr indent="0" lvl="0" marL="0" rtl="0" algn="l">
-              <a:spcBef>
-                <a:spcPts val="1200"/>
-              </a:spcBef>
-              <a:spcAft>
-                <a:spcPts val="0"/>
-              </a:spcAft>
-              <a:buNone/>
-            </a:pPr>
             <a:r>
               <a:rPr lang="en" sz="1900">
                 <a:latin typeface="Open Sans"/>
@@ -7904,6 +8030,335 @@
         </p:nvSpPr>
         <p:spPr>
           <a:xfrm>
+            <a:off x="311700" y="445025"/>
+            <a:ext cx="8520600" cy="707400"/>
+          </a:xfrm>
+          <a:prstGeom prst="rect">
+            <a:avLst/>
+          </a:prstGeom>
+        </p:spPr>
+        <p:txBody>
+          <a:bodyPr anchorCtr="0" anchor="t" bIns="91425" lIns="91425" spcFirstLastPara="1" rIns="91425" wrap="square" tIns="91425">
+            <a:normAutofit fontScale="90000"/>
+          </a:bodyPr>
+          <a:lstStyle/>
+          <a:p>
+            <a:pPr indent="0" lvl="0" marL="0" rtl="0" algn="ctr">
+              <a:spcBef>
+                <a:spcPts val="0"/>
+              </a:spcBef>
+              <a:spcAft>
+                <a:spcPts val="0"/>
+              </a:spcAft>
+              <a:buNone/>
+            </a:pPr>
+            <a:r>
+              <a:rPr lang="en"/>
+              <a:t>TOOLS</a:t>
+            </a:r>
+            <a:endParaRPr/>
+          </a:p>
+          <a:p>
+            <a:pPr indent="0" lvl="0" marL="0" rtl="0" algn="ctr">
+              <a:spcBef>
+                <a:spcPts val="0"/>
+              </a:spcBef>
+              <a:spcAft>
+                <a:spcPts val="0"/>
+              </a:spcAft>
+              <a:buNone/>
+            </a:pPr>
+            <a:r>
+              <a:t/>
+            </a:r>
+            <a:endParaRPr/>
+          </a:p>
+        </p:txBody>
+      </p:sp>
+      <p:sp>
+        <p:nvSpPr>
+          <p:cNvPr id="99" name="Google Shape;99;p18"/>
+          <p:cNvSpPr txBox="1"/>
+          <p:nvPr/>
+        </p:nvSpPr>
+        <p:spPr>
+          <a:xfrm>
+            <a:off x="311700" y="1152425"/>
+            <a:ext cx="4624800" cy="2405700"/>
+          </a:xfrm>
+          <a:prstGeom prst="rect">
+            <a:avLst/>
+          </a:prstGeom>
+          <a:noFill/>
+          <a:ln>
+            <a:noFill/>
+          </a:ln>
+        </p:spPr>
+        <p:txBody>
+          <a:bodyPr anchorCtr="0" anchor="t" bIns="91425" lIns="91425" spcFirstLastPara="1" rIns="91425" wrap="square" tIns="91425">
+            <a:spAutoFit/>
+          </a:bodyPr>
+          <a:lstStyle/>
+          <a:p>
+            <a:pPr indent="0" lvl="0" marL="0" rtl="0" algn="l">
+              <a:lnSpc>
+                <a:spcPct val="115000"/>
+              </a:lnSpc>
+              <a:spcBef>
+                <a:spcPts val="0"/>
+              </a:spcBef>
+              <a:spcAft>
+                <a:spcPts val="0"/>
+              </a:spcAft>
+              <a:buNone/>
+            </a:pPr>
+            <a:r>
+              <a:rPr lang="en" sz="1700"/>
+              <a:t>We plan on using the following:</a:t>
+            </a:r>
+            <a:endParaRPr sz="1700"/>
+          </a:p>
+          <a:p>
+            <a:pPr indent="-336550" lvl="0" marL="457200" rtl="0" algn="l">
+              <a:lnSpc>
+                <a:spcPct val="115000"/>
+              </a:lnSpc>
+              <a:spcBef>
+                <a:spcPts val="1200"/>
+              </a:spcBef>
+              <a:spcAft>
+                <a:spcPts val="0"/>
+              </a:spcAft>
+              <a:buSzPts val="1700"/>
+              <a:buChar char="●"/>
+            </a:pPr>
+            <a:r>
+              <a:rPr lang="en" sz="1700"/>
+              <a:t>Backend:</a:t>
+            </a:r>
+            <a:endParaRPr sz="1700"/>
+          </a:p>
+          <a:p>
+            <a:pPr indent="-336550" lvl="1" marL="914400" rtl="0" algn="l">
+              <a:lnSpc>
+                <a:spcPct val="115000"/>
+              </a:lnSpc>
+              <a:spcBef>
+                <a:spcPts val="0"/>
+              </a:spcBef>
+              <a:spcAft>
+                <a:spcPts val="0"/>
+              </a:spcAft>
+              <a:buSzPts val="1700"/>
+              <a:buChar char="○"/>
+            </a:pPr>
+            <a:r>
+              <a:rPr lang="en" sz="1700"/>
+              <a:t>Python: Pandas, Numpy, Flask</a:t>
+            </a:r>
+            <a:endParaRPr sz="1700"/>
+          </a:p>
+          <a:p>
+            <a:pPr indent="-336550" lvl="1" marL="914400" rtl="0" algn="l">
+              <a:lnSpc>
+                <a:spcPct val="115000"/>
+              </a:lnSpc>
+              <a:spcBef>
+                <a:spcPts val="0"/>
+              </a:spcBef>
+              <a:spcAft>
+                <a:spcPts val="0"/>
+              </a:spcAft>
+              <a:buSzPts val="1700"/>
+              <a:buChar char="○"/>
+            </a:pPr>
+            <a:r>
+              <a:rPr lang="en" sz="1700"/>
+              <a:t>MySQL</a:t>
+            </a:r>
+            <a:endParaRPr sz="1700"/>
+          </a:p>
+          <a:p>
+            <a:pPr indent="-336550" lvl="0" marL="457200" rtl="0" algn="l">
+              <a:lnSpc>
+                <a:spcPct val="115000"/>
+              </a:lnSpc>
+              <a:spcBef>
+                <a:spcPts val="0"/>
+              </a:spcBef>
+              <a:spcAft>
+                <a:spcPts val="0"/>
+              </a:spcAft>
+              <a:buSzPts val="1700"/>
+              <a:buChar char="●"/>
+            </a:pPr>
+            <a:r>
+              <a:rPr lang="en" sz="1700"/>
+              <a:t>Frontend:</a:t>
+            </a:r>
+            <a:endParaRPr sz="1700"/>
+          </a:p>
+          <a:p>
+            <a:pPr indent="-336550" lvl="1" marL="914400" rtl="0" algn="l">
+              <a:lnSpc>
+                <a:spcPct val="115000"/>
+              </a:lnSpc>
+              <a:spcBef>
+                <a:spcPts val="0"/>
+              </a:spcBef>
+              <a:spcAft>
+                <a:spcPts val="0"/>
+              </a:spcAft>
+              <a:buSzPts val="1700"/>
+              <a:buChar char="○"/>
+            </a:pPr>
+            <a:r>
+              <a:rPr lang="en" sz="1700"/>
+              <a:t>HTML/CSS, JS</a:t>
+            </a:r>
+            <a:endParaRPr sz="1700"/>
+          </a:p>
+          <a:p>
+            <a:pPr indent="-336550" lvl="2" marL="1371600" rtl="0" algn="l">
+              <a:lnSpc>
+                <a:spcPct val="115000"/>
+              </a:lnSpc>
+              <a:spcBef>
+                <a:spcPts val="0"/>
+              </a:spcBef>
+              <a:spcAft>
+                <a:spcPts val="0"/>
+              </a:spcAft>
+              <a:buSzPts val="1700"/>
+              <a:buChar char="■"/>
+            </a:pPr>
+            <a:r>
+              <a:rPr lang="en" sz="1700"/>
+              <a:t>Bootstrap a design template</a:t>
+            </a:r>
+            <a:endParaRPr sz="1700"/>
+          </a:p>
+        </p:txBody>
+      </p:sp>
+      <p:pic>
+        <p:nvPicPr>
+          <p:cNvPr id="100" name="Google Shape;100;p18"/>
+          <p:cNvPicPr preferRelativeResize="0"/>
+          <p:nvPr/>
+        </p:nvPicPr>
+        <p:blipFill>
+          <a:blip r:embed="rId3">
+            <a:alphaModFix/>
+          </a:blip>
+          <a:stretch>
+            <a:fillRect/>
+          </a:stretch>
+        </p:blipFill>
+        <p:spPr>
+          <a:xfrm>
+            <a:off x="126575" y="3558125"/>
+            <a:ext cx="2964900" cy="1534575"/>
+          </a:xfrm>
+          <a:prstGeom prst="rect">
+            <a:avLst/>
+          </a:prstGeom>
+          <a:noFill/>
+          <a:ln>
+            <a:noFill/>
+          </a:ln>
+        </p:spPr>
+      </p:pic>
+      <p:pic>
+        <p:nvPicPr>
+          <p:cNvPr id="101" name="Google Shape;101;p18"/>
+          <p:cNvPicPr preferRelativeResize="0"/>
+          <p:nvPr/>
+        </p:nvPicPr>
+        <p:blipFill>
+          <a:blip r:embed="rId4">
+            <a:alphaModFix/>
+          </a:blip>
+          <a:stretch>
+            <a:fillRect/>
+          </a:stretch>
+        </p:blipFill>
+        <p:spPr>
+          <a:xfrm>
+            <a:off x="6035275" y="1313525"/>
+            <a:ext cx="1715400" cy="1715400"/>
+          </a:xfrm>
+          <a:prstGeom prst="rect">
+            <a:avLst/>
+          </a:prstGeom>
+          <a:noFill/>
+          <a:ln>
+            <a:noFill/>
+          </a:ln>
+        </p:spPr>
+      </p:pic>
+      <p:pic>
+        <p:nvPicPr>
+          <p:cNvPr id="102" name="Google Shape;102;p18"/>
+          <p:cNvPicPr preferRelativeResize="0"/>
+          <p:nvPr/>
+        </p:nvPicPr>
+        <p:blipFill>
+          <a:blip r:embed="rId5">
+            <a:alphaModFix/>
+          </a:blip>
+          <a:stretch>
+            <a:fillRect/>
+          </a:stretch>
+        </p:blipFill>
+        <p:spPr>
+          <a:xfrm>
+            <a:off x="4642850" y="3372650"/>
+            <a:ext cx="4189450" cy="1583950"/>
+          </a:xfrm>
+          <a:prstGeom prst="rect">
+            <a:avLst/>
+          </a:prstGeom>
+          <a:noFill/>
+          <a:ln>
+            <a:noFill/>
+          </a:ln>
+        </p:spPr>
+      </p:pic>
+    </p:spTree>
+  </p:cSld>
+  <p:clrMapOvr>
+    <a:masterClrMapping/>
+  </p:clrMapOvr>
+</p:sld>
+</file>
+
+<file path=ppt/slides/slide7.xml><?xml version="1.0" encoding="utf-8"?>
+<p:sld xmlns:a="http://schemas.openxmlformats.org/drawingml/2006/main" xmlns:r="http://schemas.openxmlformats.org/officeDocument/2006/relationships" xmlns:mc="http://schemas.openxmlformats.org/markup-compatibility/2006" xmlns:mv="urn:schemas-microsoft-com:mac:vml" xmlns:p="http://schemas.openxmlformats.org/presentationml/2006/main" xmlns:c="http://schemas.openxmlformats.org/drawingml/2006/chart" xmlns:dgm="http://schemas.openxmlformats.org/drawingml/2006/diagram" xmlns:o="urn:schemas-microsoft-com:office:office" xmlns:v="urn:schemas-microsoft-com:vml" xmlns:pvml="urn:schemas-microsoft-com:office:powerpoint" xmlns:com="http://schemas.openxmlformats.org/drawingml/2006/compatibility" xmlns:p14="http://schemas.microsoft.com/office/powerpoint/2010/main" xmlns:p15="http://schemas.microsoft.com/office/powerpoint/2012/main" xmlns:ahyp="http://schemas.microsoft.com/office/drawing/2018/hyperlinkcolor">
+  <p:cSld>
+    <p:spTree>
+      <p:nvGrpSpPr>
+        <p:cNvPr id="106" name="Shape 106"/>
+        <p:cNvGrpSpPr/>
+        <p:nvPr/>
+      </p:nvGrpSpPr>
+      <p:grpSpPr>
+        <a:xfrm>
+          <a:off x="0" y="0"/>
+          <a:ext cx="0" cy="0"/>
+          <a:chOff x="0" y="0"/>
+          <a:chExt cx="0" cy="0"/>
+        </a:xfrm>
+      </p:grpSpPr>
+      <p:sp>
+        <p:nvSpPr>
+          <p:cNvPr id="107" name="Google Shape;107;p19"/>
+          <p:cNvSpPr txBox="1"/>
+          <p:nvPr>
+            <p:ph type="title"/>
+          </p:nvPr>
+        </p:nvSpPr>
+        <p:spPr>
+          <a:xfrm>
             <a:off x="311700" y="223650"/>
             <a:ext cx="8520600" cy="707400"/>
           </a:xfrm>
@@ -7937,7 +8392,7 @@
       </p:sp>
       <p:sp>
         <p:nvSpPr>
-          <p:cNvPr id="99" name="Google Shape;99;p18"/>
+          <p:cNvPr id="108" name="Google Shape;108;p19"/>
           <p:cNvSpPr txBox="1"/>
           <p:nvPr>
             <p:ph idx="1" type="body"/>
@@ -7984,6 +8439,285 @@
 </file>
 
 <file path=ppt/theme/theme1.xml><?xml version="1.0" encoding="utf-8"?>
+<a:theme xmlns:a="http://schemas.openxmlformats.org/drawingml/2006/main" xmlns:r="http://schemas.openxmlformats.org/officeDocument/2006/relationships">
+  <a:themeElements>
+    <a:clrScheme name="Default">
+      <a:dk1>
+        <a:srgbClr val="000000"/>
+      </a:dk1>
+      <a:lt1>
+        <a:srgbClr val="FFFFFF"/>
+      </a:lt1>
+      <a:dk2>
+        <a:srgbClr val="158158"/>
+      </a:dk2>
+      <a:lt2>
+        <a:srgbClr val="F3F3F3"/>
+      </a:lt2>
+      <a:accent1>
+        <a:srgbClr val="058DC7"/>
+      </a:accent1>
+      <a:accent2>
+        <a:srgbClr val="50B432"/>
+      </a:accent2>
+      <a:accent3>
+        <a:srgbClr val="ED561B"/>
+      </a:accent3>
+      <a:accent4>
+        <a:srgbClr val="EDEF00"/>
+      </a:accent4>
+      <a:accent5>
+        <a:srgbClr val="24CBE5"/>
+      </a:accent5>
+      <a:accent6>
+        <a:srgbClr val="64E572"/>
+      </a:accent6>
+      <a:hlink>
+        <a:srgbClr val="2200CC"/>
+      </a:hlink>
+      <a:folHlink>
+        <a:srgbClr val="551A8B"/>
+      </a:folHlink>
+    </a:clrScheme>
+    <a:fontScheme name="Office">
+      <a:majorFont>
+        <a:latin typeface="Arial"/>
+        <a:ea typeface=""/>
+        <a:cs typeface=""/>
+        <a:font script="Jpan" typeface="ＭＳ Ｐゴシック"/>
+        <a:font script="Hang" typeface="맑은 고딕"/>
+        <a:font script="Hans" typeface="宋体"/>
+        <a:font script="Hant" typeface="新細明體"/>
+        <a:font script="Arab" typeface="Times New Roman"/>
+        <a:font script="Hebr" typeface="Times New Roman"/>
+        <a:font script="Thai" typeface="Angsana New"/>
+        <a:font script="Ethi" typeface="Nyala"/>
+        <a:font script="Beng" typeface="Vrinda"/>
+        <a:font script="Gujr" typeface="Shruti"/>
+        <a:font script="Khmr" typeface="MoolBoran"/>
+        <a:font script="Knda" typeface="Tunga"/>
+        <a:font script="Guru" typeface="Raavi"/>
+        <a:font script="Cans" typeface="Euphemia"/>
+        <a:font script="Cher" typeface="Plantagenet Cherokee"/>
+        <a:font script="Yiii" typeface="Microsoft Yi Baiti"/>
+        <a:font script="Tibt" typeface="Microsoft Himalaya"/>
+        <a:font script="Thaa" typeface="MV Boli"/>
+        <a:font script="Deva" typeface="Mangal"/>
+        <a:font script="Telu" typeface="Gautami"/>
+        <a:font script="Taml" typeface="Latha"/>
+        <a:font script="Syrc" typeface="Estrangelo Edessa"/>
+        <a:font script="Orya" typeface="Kalinga"/>
+        <a:font script="Mlym" typeface="Kartika"/>
+        <a:font script="Laoo" typeface="DokChampa"/>
+        <a:font script="Sinh" typeface="Iskoola Pota"/>
+        <a:font script="Mong" typeface="Mongolian Baiti"/>
+        <a:font script="Viet" typeface="Times New Roman"/>
+        <a:font script="Uigh" typeface="Microsoft Uighur"/>
+        <a:font script="Geor" typeface="Sylfaen"/>
+      </a:majorFont>
+      <a:minorFont>
+        <a:latin typeface="Arial"/>
+        <a:ea typeface=""/>
+        <a:cs typeface=""/>
+        <a:font script="Jpan" typeface="ＭＳ Ｐゴシック"/>
+        <a:font script="Hang" typeface="맑은 고딕"/>
+        <a:font script="Hans" typeface="宋体"/>
+        <a:font script="Hant" typeface="新細明體"/>
+        <a:font script="Arab" typeface="Arial"/>
+        <a:font script="Hebr" typeface="Arial"/>
+        <a:font script="Thai" typeface="Cordia New"/>
+        <a:font script="Ethi" typeface="Nyala"/>
+        <a:font script="Beng" typeface="Vrinda"/>
+        <a:font script="Gujr" typeface="Shruti"/>
+        <a:font script="Khmr" typeface="DaunPenh"/>
+        <a:font script="Knda" typeface="Tunga"/>
+        <a:font script="Guru" typeface="Raavi"/>
+        <a:font script="Cans" typeface="Euphemia"/>
+        <a:font script="Cher" typeface="Plantagenet Cherokee"/>
+        <a:font script="Yiii" typeface="Microsoft Yi Baiti"/>
+        <a:font script="Tibt" typeface="Microsoft Himalaya"/>
+        <a:font script="Thaa" typeface="MV Boli"/>
+        <a:font script="Deva" typeface="Mangal"/>
+        <a:font script="Telu" typeface="Gautami"/>
+        <a:font script="Taml" typeface="Latha"/>
+        <a:font script="Syrc" typeface="Estrangelo Edessa"/>
+        <a:font script="Orya" typeface="Kalinga"/>
+        <a:font script="Mlym" typeface="Kartika"/>
+        <a:font script="Laoo" typeface="DokChampa"/>
+        <a:font script="Sinh" typeface="Iskoola Pota"/>
+        <a:font script="Mong" typeface="Mongolian Baiti"/>
+        <a:font script="Viet" typeface="Arial"/>
+        <a:font script="Uigh" typeface="Microsoft Uighur"/>
+        <a:font script="Geor" typeface="Sylfaen"/>
+      </a:minorFont>
+    </a:fontScheme>
+    <a:fmtScheme name="Office">
+      <a:fillStyleLst>
+        <a:solidFill>
+          <a:schemeClr val="phClr"/>
+        </a:solidFill>
+        <a:gradFill rotWithShape="1">
+          <a:gsLst>
+            <a:gs pos="0">
+              <a:schemeClr val="phClr">
+                <a:tint val="50000"/>
+                <a:satMod val="300000"/>
+              </a:schemeClr>
+            </a:gs>
+            <a:gs pos="35000">
+              <a:schemeClr val="phClr">
+                <a:tint val="37000"/>
+                <a:satMod val="300000"/>
+              </a:schemeClr>
+            </a:gs>
+            <a:gs pos="100000">
+              <a:schemeClr val="phClr">
+                <a:tint val="15000"/>
+                <a:satMod val="350000"/>
+              </a:schemeClr>
+            </a:gs>
+          </a:gsLst>
+          <a:lin ang="16200000" scaled="1"/>
+        </a:gradFill>
+        <a:gradFill rotWithShape="1">
+          <a:gsLst>
+            <a:gs pos="0">
+              <a:schemeClr val="phClr">
+                <a:tint val="100000"/>
+                <a:shade val="100000"/>
+                <a:satMod val="130000"/>
+              </a:schemeClr>
+            </a:gs>
+            <a:gs pos="100000">
+              <a:schemeClr val="phClr">
+                <a:tint val="50000"/>
+                <a:shade val="100000"/>
+                <a:satMod val="350000"/>
+              </a:schemeClr>
+            </a:gs>
+          </a:gsLst>
+          <a:lin ang="16200000" scaled="0"/>
+        </a:gradFill>
+      </a:fillStyleLst>
+      <a:lnStyleLst>
+        <a:ln w="9525" cap="flat" cmpd="sng" algn="ctr">
+          <a:solidFill>
+            <a:schemeClr val="phClr">
+              <a:shade val="95000"/>
+              <a:satMod val="105000"/>
+            </a:schemeClr>
+          </a:solidFill>
+          <a:prstDash val="solid"/>
+        </a:ln>
+        <a:ln w="25400" cap="flat" cmpd="sng" algn="ctr">
+          <a:solidFill>
+            <a:schemeClr val="phClr"/>
+          </a:solidFill>
+          <a:prstDash val="solid"/>
+        </a:ln>
+        <a:ln w="38100" cap="flat" cmpd="sng" algn="ctr">
+          <a:solidFill>
+            <a:schemeClr val="phClr"/>
+          </a:solidFill>
+          <a:prstDash val="solid"/>
+        </a:ln>
+      </a:lnStyleLst>
+      <a:effectStyleLst>
+        <a:effectStyle>
+          <a:effectLst>
+            <a:outerShdw blurRad="40000" dist="20000" dir="5400000" rotWithShape="0">
+              <a:srgbClr val="000000">
+                <a:alpha val="38000"/>
+              </a:srgbClr>
+            </a:outerShdw>
+          </a:effectLst>
+        </a:effectStyle>
+        <a:effectStyle>
+          <a:effectLst>
+            <a:outerShdw blurRad="40000" dist="23000" dir="5400000" rotWithShape="0">
+              <a:srgbClr val="000000">
+                <a:alpha val="35000"/>
+              </a:srgbClr>
+            </a:outerShdw>
+          </a:effectLst>
+        </a:effectStyle>
+        <a:effectStyle>
+          <a:effectLst>
+            <a:outerShdw blurRad="40000" dist="23000" dir="5400000" rotWithShape="0">
+              <a:srgbClr val="000000">
+                <a:alpha val="35000"/>
+              </a:srgbClr>
+            </a:outerShdw>
+          </a:effectLst>
+          <a:scene3d>
+            <a:camera prst="orthographicFront">
+              <a:rot lat="0" lon="0" rev="0"/>
+            </a:camera>
+            <a:lightRig rig="threePt" dir="t">
+              <a:rot lat="0" lon="0" rev="1200000"/>
+            </a:lightRig>
+          </a:scene3d>
+          <a:sp3d>
+            <a:bevelT w="63500" h="25400"/>
+          </a:sp3d>
+        </a:effectStyle>
+      </a:effectStyleLst>
+      <a:bgFillStyleLst>
+        <a:solidFill>
+          <a:schemeClr val="phClr"/>
+        </a:solidFill>
+        <a:gradFill rotWithShape="1">
+          <a:gsLst>
+            <a:gs pos="0">
+              <a:schemeClr val="phClr">
+                <a:tint val="40000"/>
+                <a:satMod val="350000"/>
+              </a:schemeClr>
+            </a:gs>
+            <a:gs pos="40000">
+              <a:schemeClr val="phClr">
+                <a:tint val="45000"/>
+                <a:shade val="99000"/>
+                <a:satMod val="350000"/>
+              </a:schemeClr>
+            </a:gs>
+            <a:gs pos="100000">
+              <a:schemeClr val="phClr">
+                <a:shade val="20000"/>
+                <a:satMod val="255000"/>
+              </a:schemeClr>
+            </a:gs>
+          </a:gsLst>
+          <a:path path="circle">
+            <a:fillToRect l="50000" t="-80000" r="50000" b="180000"/>
+          </a:path>
+        </a:gradFill>
+        <a:gradFill rotWithShape="1">
+          <a:gsLst>
+            <a:gs pos="0">
+              <a:schemeClr val="phClr">
+                <a:tint val="80000"/>
+                <a:satMod val="300000"/>
+              </a:schemeClr>
+            </a:gs>
+            <a:gs pos="100000">
+              <a:schemeClr val="phClr">
+                <a:shade val="30000"/>
+                <a:satMod val="200000"/>
+              </a:schemeClr>
+            </a:gs>
+          </a:gsLst>
+          <a:path path="circle">
+            <a:fillToRect l="50000" t="50000" r="50000" b="50000"/>
+          </a:path>
+        </a:gradFill>
+      </a:bgFillStyleLst>
+    </a:fmtScheme>
+  </a:themeElements>
+</a:theme>
+</file>
+
+<file path=ppt/theme/theme2.xml><?xml version="1.0" encoding="utf-8"?>
 <a:theme xmlns:a="http://schemas.openxmlformats.org/drawingml/2006/main" xmlns:r="http://schemas.openxmlformats.org/officeDocument/2006/relationships" name="Tropic">
   <a:themeElements>
     <a:clrScheme name="Tropic">
@@ -8260,283 +8994,4 @@
     </a:fmtScheme>
   </a:themeElements>
 </a:theme>
-</file>
-
-<file path=ppt/theme/theme2.xml><?xml version="1.0" encoding="utf-8"?>
-<a:theme xmlns:a="http://schemas.openxmlformats.org/drawingml/2006/main" xmlns:r="http://schemas.openxmlformats.org/officeDocument/2006/relationships">
-  <a:themeElements>
-    <a:clrScheme name="Default">
-      <a:dk1>
-        <a:srgbClr val="000000"/>
-      </a:dk1>
-      <a:lt1>
-        <a:srgbClr val="FFFFFF"/>
-      </a:lt1>
-      <a:dk2>
-        <a:srgbClr val="158158"/>
-      </a:dk2>
-      <a:lt2>
-        <a:srgbClr val="F3F3F3"/>
-      </a:lt2>
-      <a:accent1>
-        <a:srgbClr val="058DC7"/>
-      </a:accent1>
-      <a:accent2>
-        <a:srgbClr val="50B432"/>
-      </a:accent2>
-      <a:accent3>
-        <a:srgbClr val="ED561B"/>
-      </a:accent3>
-      <a:accent4>
-        <a:srgbClr val="EDEF00"/>
-      </a:accent4>
-      <a:accent5>
-        <a:srgbClr val="24CBE5"/>
-      </a:accent5>
-      <a:accent6>
-        <a:srgbClr val="64E572"/>
-      </a:accent6>
-      <a:hlink>
-        <a:srgbClr val="2200CC"/>
-      </a:hlink>
-      <a:folHlink>
-        <a:srgbClr val="551A8B"/>
-      </a:folHlink>
-    </a:clrScheme>
-    <a:fontScheme name="Office">
-      <a:majorFont>
-        <a:latin typeface="Arial"/>
-        <a:ea typeface=""/>
-        <a:cs typeface=""/>
-        <a:font script="Jpan" typeface="ＭＳ Ｐゴシック"/>
-        <a:font script="Hang" typeface="맑은 고딕"/>
-        <a:font script="Hans" typeface="宋体"/>
-        <a:font script="Hant" typeface="新細明體"/>
-        <a:font script="Arab" typeface="Times New Roman"/>
-        <a:font script="Hebr" typeface="Times New Roman"/>
-        <a:font script="Thai" typeface="Angsana New"/>
-        <a:font script="Ethi" typeface="Nyala"/>
-        <a:font script="Beng" typeface="Vrinda"/>
-        <a:font script="Gujr" typeface="Shruti"/>
-        <a:font script="Khmr" typeface="MoolBoran"/>
-        <a:font script="Knda" typeface="Tunga"/>
-        <a:font script="Guru" typeface="Raavi"/>
-        <a:font script="Cans" typeface="Euphemia"/>
-        <a:font script="Cher" typeface="Plantagenet Cherokee"/>
-        <a:font script="Yiii" typeface="Microsoft Yi Baiti"/>
-        <a:font script="Tibt" typeface="Microsoft Himalaya"/>
-        <a:font script="Thaa" typeface="MV Boli"/>
-        <a:font script="Deva" typeface="Mangal"/>
-        <a:font script="Telu" typeface="Gautami"/>
-        <a:font script="Taml" typeface="Latha"/>
-        <a:font script="Syrc" typeface="Estrangelo Edessa"/>
-        <a:font script="Orya" typeface="Kalinga"/>
-        <a:font script="Mlym" typeface="Kartika"/>
-        <a:font script="Laoo" typeface="DokChampa"/>
-        <a:font script="Sinh" typeface="Iskoola Pota"/>
-        <a:font script="Mong" typeface="Mongolian Baiti"/>
-        <a:font script="Viet" typeface="Times New Roman"/>
-        <a:font script="Uigh" typeface="Microsoft Uighur"/>
-        <a:font script="Geor" typeface="Sylfaen"/>
-      </a:majorFont>
-      <a:minorFont>
-        <a:latin typeface="Arial"/>
-        <a:ea typeface=""/>
-        <a:cs typeface=""/>
-        <a:font script="Jpan" typeface="ＭＳ Ｐゴシック"/>
-        <a:font script="Hang" typeface="맑은 고딕"/>
-        <a:font script="Hans" typeface="宋体"/>
-        <a:font script="Hant" typeface="新細明體"/>
-        <a:font script="Arab" typeface="Arial"/>
-        <a:font script="Hebr" typeface="Arial"/>
-        <a:font script="Thai" typeface="Cordia New"/>
-        <a:font script="Ethi" typeface="Nyala"/>
-        <a:font script="Beng" typeface="Vrinda"/>
-        <a:font script="Gujr" typeface="Shruti"/>
-        <a:font script="Khmr" typeface="DaunPenh"/>
-        <a:font script="Knda" typeface="Tunga"/>
-        <a:font script="Guru" typeface="Raavi"/>
-        <a:font script="Cans" typeface="Euphemia"/>
-        <a:font script="Cher" typeface="Plantagenet Cherokee"/>
-        <a:font script="Yiii" typeface="Microsoft Yi Baiti"/>
-        <a:font script="Tibt" typeface="Microsoft Himalaya"/>
-        <a:font script="Thaa" typeface="MV Boli"/>
-        <a:font script="Deva" typeface="Mangal"/>
-        <a:font script="Telu" typeface="Gautami"/>
-        <a:font script="Taml" typeface="Latha"/>
-        <a:font script="Syrc" typeface="Estrangelo Edessa"/>
-        <a:font script="Orya" typeface="Kalinga"/>
-        <a:font script="Mlym" typeface="Kartika"/>
-        <a:font script="Laoo" typeface="DokChampa"/>
-        <a:font script="Sinh" typeface="Iskoola Pota"/>
-        <a:font script="Mong" typeface="Mongolian Baiti"/>
-        <a:font script="Viet" typeface="Arial"/>
-        <a:font script="Uigh" typeface="Microsoft Uighur"/>
-        <a:font script="Geor" typeface="Sylfaen"/>
-      </a:minorFont>
-    </a:fontScheme>
-    <a:fmtScheme name="Office">
-      <a:fillStyleLst>
-        <a:solidFill>
-          <a:schemeClr val="phClr"/>
-        </a:solidFill>
-        <a:gradFill rotWithShape="1">
-          <a:gsLst>
-            <a:gs pos="0">
-              <a:schemeClr val="phClr">
-                <a:tint val="50000"/>
-                <a:satMod val="300000"/>
-              </a:schemeClr>
-            </a:gs>
-            <a:gs pos="35000">
-              <a:schemeClr val="phClr">
-                <a:tint val="37000"/>
-                <a:satMod val="300000"/>
-              </a:schemeClr>
-            </a:gs>
-            <a:gs pos="100000">
-              <a:schemeClr val="phClr">
-                <a:tint val="15000"/>
-                <a:satMod val="350000"/>
-              </a:schemeClr>
-            </a:gs>
-          </a:gsLst>
-          <a:lin ang="16200000" scaled="1"/>
-        </a:gradFill>
-        <a:gradFill rotWithShape="1">
-          <a:gsLst>
-            <a:gs pos="0">
-              <a:schemeClr val="phClr">
-                <a:tint val="100000"/>
-                <a:shade val="100000"/>
-                <a:satMod val="130000"/>
-              </a:schemeClr>
-            </a:gs>
-            <a:gs pos="100000">
-              <a:schemeClr val="phClr">
-                <a:tint val="50000"/>
-                <a:shade val="100000"/>
-                <a:satMod val="350000"/>
-              </a:schemeClr>
-            </a:gs>
-          </a:gsLst>
-          <a:lin ang="16200000" scaled="0"/>
-        </a:gradFill>
-      </a:fillStyleLst>
-      <a:lnStyleLst>
-        <a:ln w="9525" cap="flat" cmpd="sng" algn="ctr">
-          <a:solidFill>
-            <a:schemeClr val="phClr">
-              <a:shade val="95000"/>
-              <a:satMod val="105000"/>
-            </a:schemeClr>
-          </a:solidFill>
-          <a:prstDash val="solid"/>
-        </a:ln>
-        <a:ln w="25400" cap="flat" cmpd="sng" algn="ctr">
-          <a:solidFill>
-            <a:schemeClr val="phClr"/>
-          </a:solidFill>
-          <a:prstDash val="solid"/>
-        </a:ln>
-        <a:ln w="38100" cap="flat" cmpd="sng" algn="ctr">
-          <a:solidFill>
-            <a:schemeClr val="phClr"/>
-          </a:solidFill>
-          <a:prstDash val="solid"/>
-        </a:ln>
-      </a:lnStyleLst>
-      <a:effectStyleLst>
-        <a:effectStyle>
-          <a:effectLst>
-            <a:outerShdw blurRad="40000" dist="20000" dir="5400000" rotWithShape="0">
-              <a:srgbClr val="000000">
-                <a:alpha val="38000"/>
-              </a:srgbClr>
-            </a:outerShdw>
-          </a:effectLst>
-        </a:effectStyle>
-        <a:effectStyle>
-          <a:effectLst>
-            <a:outerShdw blurRad="40000" dist="23000" dir="5400000" rotWithShape="0">
-              <a:srgbClr val="000000">
-                <a:alpha val="35000"/>
-              </a:srgbClr>
-            </a:outerShdw>
-          </a:effectLst>
-        </a:effectStyle>
-        <a:effectStyle>
-          <a:effectLst>
-            <a:outerShdw blurRad="40000" dist="23000" dir="5400000" rotWithShape="0">
-              <a:srgbClr val="000000">
-                <a:alpha val="35000"/>
-              </a:srgbClr>
-            </a:outerShdw>
-          </a:effectLst>
-          <a:scene3d>
-            <a:camera prst="orthographicFront">
-              <a:rot lat="0" lon="0" rev="0"/>
-            </a:camera>
-            <a:lightRig rig="threePt" dir="t">
-              <a:rot lat="0" lon="0" rev="1200000"/>
-            </a:lightRig>
-          </a:scene3d>
-          <a:sp3d>
-            <a:bevelT w="63500" h="25400"/>
-          </a:sp3d>
-        </a:effectStyle>
-      </a:effectStyleLst>
-      <a:bgFillStyleLst>
-        <a:solidFill>
-          <a:schemeClr val="phClr"/>
-        </a:solidFill>
-        <a:gradFill rotWithShape="1">
-          <a:gsLst>
-            <a:gs pos="0">
-              <a:schemeClr val="phClr">
-                <a:tint val="40000"/>
-                <a:satMod val="350000"/>
-              </a:schemeClr>
-            </a:gs>
-            <a:gs pos="40000">
-              <a:schemeClr val="phClr">
-                <a:tint val="45000"/>
-                <a:shade val="99000"/>
-                <a:satMod val="350000"/>
-              </a:schemeClr>
-            </a:gs>
-            <a:gs pos="100000">
-              <a:schemeClr val="phClr">
-                <a:shade val="20000"/>
-                <a:satMod val="255000"/>
-              </a:schemeClr>
-            </a:gs>
-          </a:gsLst>
-          <a:path path="circle">
-            <a:fillToRect l="50000" t="-80000" r="50000" b="180000"/>
-          </a:path>
-        </a:gradFill>
-        <a:gradFill rotWithShape="1">
-          <a:gsLst>
-            <a:gs pos="0">
-              <a:schemeClr val="phClr">
-                <a:tint val="80000"/>
-                <a:satMod val="300000"/>
-              </a:schemeClr>
-            </a:gs>
-            <a:gs pos="100000">
-              <a:schemeClr val="phClr">
-                <a:shade val="30000"/>
-                <a:satMod val="200000"/>
-              </a:schemeClr>
-            </a:gs>
-          </a:gsLst>
-          <a:path path="circle">
-            <a:fillToRect l="50000" t="50000" r="50000" b="50000"/>
-          </a:path>
-        </a:gradFill>
-      </a:bgFillStyleLst>
-    </a:fmtScheme>
-  </a:themeElements>
-</a:theme>
 </file>
--- a/Phase_1/Phase1.pptx
+++ b/Phase_1/Phase1.pptx
@@ -2,34 +2,34 @@
 <file path=ppt/presentation.xml><?xml version="1.0" encoding="utf-8"?>
 <p:presentation xmlns:a="http://schemas.openxmlformats.org/drawingml/2006/main" xmlns:r="http://schemas.openxmlformats.org/officeDocument/2006/relationships" xmlns:mc="http://schemas.openxmlformats.org/markup-compatibility/2006" xmlns:mv="urn:schemas-microsoft-com:mac:vml" xmlns:p="http://schemas.openxmlformats.org/presentationml/2006/main" xmlns:c="http://schemas.openxmlformats.org/drawingml/2006/chart" xmlns:dgm="http://schemas.openxmlformats.org/drawingml/2006/diagram" xmlns:o="urn:schemas-microsoft-com:office:office" xmlns:v="urn:schemas-microsoft-com:vml" xmlns:pvml="urn:schemas-microsoft-com:office:powerpoint" xmlns:com="http://schemas.openxmlformats.org/drawingml/2006/compatibility" xmlns:p14="http://schemas.microsoft.com/office/powerpoint/2010/main" xmlns:p15="http://schemas.microsoft.com/office/powerpoint/2012/main" xmlns:ahyp="http://schemas.microsoft.com/office/drawing/2018/hyperlinkcolor" autoCompressPictures="0" embedTrueTypeFonts="1" strictFirstAndLastChars="0" saveSubsetFonts="1">
   <p:sldMasterIdLst>
-    <p:sldMasterId id="2147483659" r:id="rId5"/>
+    <p:sldMasterId id="2147483659" r:id="rId4"/>
   </p:sldMasterIdLst>
   <p:notesMasterIdLst>
-    <p:notesMasterId r:id="rId6"/>
+    <p:notesMasterId r:id="rId5"/>
   </p:notesMasterIdLst>
   <p:sldIdLst>
-    <p:sldId id="256" r:id="rId7"/>
-    <p:sldId id="257" r:id="rId8"/>
-    <p:sldId id="258" r:id="rId9"/>
-    <p:sldId id="259" r:id="rId10"/>
-    <p:sldId id="260" r:id="rId11"/>
-    <p:sldId id="261" r:id="rId12"/>
-    <p:sldId id="262" r:id="rId13"/>
+    <p:sldId id="256" r:id="rId6"/>
+    <p:sldId id="257" r:id="rId7"/>
+    <p:sldId id="258" r:id="rId8"/>
+    <p:sldId id="259" r:id="rId9"/>
+    <p:sldId id="260" r:id="rId10"/>
+    <p:sldId id="261" r:id="rId11"/>
+    <p:sldId id="262" r:id="rId12"/>
   </p:sldIdLst>
   <p:sldSz cy="5143500" cx="9144000"/>
   <p:notesSz cx="6858000" cy="9144000"/>
   <p:embeddedFontLst>
     <p:embeddedFont>
       <p:font typeface="PT Sans Narrow"/>
-      <p:regular r:id="rId14"/>
-      <p:bold r:id="rId15"/>
+      <p:regular r:id="rId13"/>
+      <p:bold r:id="rId14"/>
     </p:embeddedFont>
     <p:embeddedFont>
       <p:font typeface="Open Sans"/>
-      <p:regular r:id="rId16"/>
-      <p:bold r:id="rId17"/>
-      <p:italic r:id="rId18"/>
-      <p:boldItalic r:id="rId19"/>
+      <p:regular r:id="rId15"/>
+      <p:bold r:id="rId16"/>
+      <p:italic r:id="rId17"/>
+      <p:boldItalic r:id="rId18"/>
     </p:embeddedFont>
   </p:embeddedFontLst>
   <p:defaultTextStyle>
@@ -278,21 +278,6 @@
     </p:ext>
   </p:extLst>
 </p:presentation>
-</file>
-
-<file path=ppt/commentAuthors.xml><?xml version="1.0" encoding="utf-8"?>
-<p:cmAuthorLst xmlns:a="http://schemas.openxmlformats.org/drawingml/2006/main" xmlns:r="http://schemas.openxmlformats.org/officeDocument/2006/relationships" xmlns:mc="http://schemas.openxmlformats.org/markup-compatibility/2006" xmlns:mv="urn:schemas-microsoft-com:mac:vml" xmlns:p="http://schemas.openxmlformats.org/presentationml/2006/main" xmlns:c="http://schemas.openxmlformats.org/drawingml/2006/chart" xmlns:dgm="http://schemas.openxmlformats.org/drawingml/2006/diagram" xmlns:o="urn:schemas-microsoft-com:office:office" xmlns:v="urn:schemas-microsoft-com:vml" xmlns:pvml="urn:schemas-microsoft-com:office:powerpoint" xmlns:com="http://schemas.openxmlformats.org/drawingml/2006/compatibility" xmlns:p14="http://schemas.microsoft.com/office/powerpoint/2010/main" xmlns:p15="http://schemas.microsoft.com/office/powerpoint/2012/main" xmlns:ahyp="http://schemas.microsoft.com/office/drawing/2018/hyperlinkcolor">
-  <p:cmAuthor clrIdx="0" id="0" initials="" lastIdx="1" name="Yoan Palacios"/>
-</p:cmAuthorLst>
-</file>
-
-<file path=ppt/comments/comment1.xml><?xml version="1.0" encoding="utf-8"?>
-<p:cmLst xmlns:a="http://schemas.openxmlformats.org/drawingml/2006/main" xmlns:r="http://schemas.openxmlformats.org/officeDocument/2006/relationships" xmlns:mc="http://schemas.openxmlformats.org/markup-compatibility/2006" xmlns:mv="urn:schemas-microsoft-com:mac:vml" xmlns:p="http://schemas.openxmlformats.org/presentationml/2006/main" xmlns:c="http://schemas.openxmlformats.org/drawingml/2006/chart" xmlns:dgm="http://schemas.openxmlformats.org/drawingml/2006/diagram" xmlns:o="urn:schemas-microsoft-com:office:office" xmlns:v="urn:schemas-microsoft-com:vml" xmlns:pvml="urn:schemas-microsoft-com:office:powerpoint" xmlns:com="http://schemas.openxmlformats.org/drawingml/2006/compatibility" xmlns:p14="http://schemas.microsoft.com/office/powerpoint/2010/main" xmlns:p15="http://schemas.microsoft.com/office/powerpoint/2012/main" xmlns:ahyp="http://schemas.microsoft.com/office/drawing/2018/hyperlinkcolor">
-  <p:cm authorId="0" idx="1" dt="2021-10-20T16:00:23.444">
-    <p:pos x="2978" y="1110"/>
-    <p:text>What does this mean?</p:text>
-  </p:cm>
-</p:cmLst>
 </file>
 
 <file path=ppt/notesMasters/notesMaster1.xml><?xml version="1.0" encoding="utf-8"?>
@@ -7498,19 +7483,7 @@
                 <a:cs typeface="Arial"/>
                 <a:sym typeface="Arial"/>
               </a:rPr>
-              <a:t>c.    </a:t>
-            </a:r>
-            <a:r>
-              <a:rPr lang="en" sz="1200">
-                <a:solidFill>
-                  <a:srgbClr val="000000"/>
-                </a:solidFill>
-                <a:latin typeface="Arial"/>
-                <a:ea typeface="Arial"/>
-                <a:cs typeface="Arial"/>
-                <a:sym typeface="Arial"/>
-              </a:rPr>
-              <a:t>Can view per Hospital</a:t>
+              <a:t>c.    Number of Nurses per Hospital</a:t>
             </a:r>
             <a:endParaRPr sz="1200">
               <a:solidFill>
@@ -7542,39 +7515,7 @@
                 <a:cs typeface="Arial"/>
                 <a:sym typeface="Arial"/>
               </a:rPr>
-              <a:t>d.    Number of Nurses per Hospital</a:t>
-            </a:r>
-            <a:endParaRPr sz="1200">
-              <a:solidFill>
-                <a:srgbClr val="000000"/>
-              </a:solidFill>
-              <a:latin typeface="Arial"/>
-              <a:ea typeface="Arial"/>
-              <a:cs typeface="Arial"/>
-              <a:sym typeface="Arial"/>
-            </a:endParaRPr>
-          </a:p>
-          <a:p>
-            <a:pPr indent="457200" lvl="0" marL="0" rtl="0" algn="l">
-              <a:spcBef>
-                <a:spcPts val="1200"/>
-              </a:spcBef>
-              <a:spcAft>
-                <a:spcPts val="0"/>
-              </a:spcAft>
-              <a:buNone/>
-            </a:pPr>
-            <a:r>
-              <a:rPr lang="en" sz="1200">
-                <a:solidFill>
-                  <a:srgbClr val="000000"/>
-                </a:solidFill>
-                <a:latin typeface="Arial"/>
-                <a:ea typeface="Arial"/>
-                <a:cs typeface="Arial"/>
-                <a:sym typeface="Arial"/>
-              </a:rPr>
-              <a:t>e.    Number of Doctors per Hospital</a:t>
+              <a:t>d.    Number of Doctors per Hospital</a:t>
             </a:r>
             <a:endParaRPr sz="1200">
               <a:solidFill>
@@ -7606,7 +7547,7 @@
                 <a:cs typeface="Arial"/>
                 <a:sym typeface="Arial"/>
               </a:rPr>
-              <a:t>	f.     Most used medication per Hospital</a:t>
+              <a:t>	e.     Most used medication per Hospital</a:t>
             </a:r>
             <a:endParaRPr sz="1200">
               <a:solidFill>
@@ -7984,7 +7925,7 @@
         <p:spPr>
           <a:xfrm>
             <a:off x="152400" y="994875"/>
-            <a:ext cx="8839203" cy="3669198"/>
+            <a:ext cx="8578903" cy="3996227"/>
           </a:xfrm>
           <a:prstGeom prst="rect">
             <a:avLst/>
@@ -8084,7 +8025,7 @@
         <p:spPr>
           <a:xfrm>
             <a:off x="311700" y="1152425"/>
-            <a:ext cx="4624800" cy="2405700"/>
+            <a:ext cx="5304000" cy="2104800"/>
           </a:xfrm>
           <a:prstGeom prst="rect">
             <a:avLst/>
@@ -8154,7 +8095,7 @@
             </a:pPr>
             <a:r>
               <a:rPr lang="en" sz="1700"/>
-              <a:t>Python: Pandas, Numpy, Flask</a:t>
+              <a:t>Python: Pandas, Numpy, Flask, flask_resful</a:t>
             </a:r>
             <a:endParaRPr sz="1700"/>
           </a:p>
@@ -8214,27 +8155,7 @@
             </a:pPr>
             <a:r>
               <a:rPr lang="en" sz="1700"/>
-              <a:t>HTML/CSS, JS</a:t>
-            </a:r>
-            <a:endParaRPr sz="1700"/>
-          </a:p>
-          <a:p>
-            <a:pPr indent="-336550" lvl="2" marL="1371600" rtl="0" algn="l">
-              <a:lnSpc>
-                <a:spcPct val="115000"/>
-              </a:lnSpc>
-              <a:spcBef>
-                <a:spcPts val="0"/>
-              </a:spcBef>
-              <a:spcAft>
-                <a:spcPts val="0"/>
-              </a:spcAft>
-              <a:buSzPts val="1700"/>
-              <a:buChar char="■"/>
-            </a:pPr>
-            <a:r>
-              <a:rPr lang="en" sz="1700"/>
-              <a:t>Bootstrap a design template</a:t>
+              <a:t>React (HTML/CSS)</a:t>
             </a:r>
             <a:endParaRPr sz="1700"/>
           </a:p>
@@ -8312,8 +8233,8 @@
         </p:blipFill>
         <p:spPr>
           <a:xfrm>
-            <a:off x="4642850" y="3372650"/>
-            <a:ext cx="4189450" cy="1583950"/>
+            <a:off x="4693325" y="3190025"/>
+            <a:ext cx="1879626" cy="1879626"/>
           </a:xfrm>
           <a:prstGeom prst="rect">
             <a:avLst/>

--- a/Phase_1/Phase1.pptx
+++ b/Phase_1/Phase1.pptx
@@ -7831,8 +7831,8 @@
         </p:blipFill>
         <p:spPr>
           <a:xfrm>
-            <a:off x="152400" y="921100"/>
-            <a:ext cx="8720584" cy="4070001"/>
+            <a:off x="211288" y="768700"/>
+            <a:ext cx="8721430" cy="4070000"/>
           </a:xfrm>
           <a:prstGeom prst="rect">
             <a:avLst/>
@@ -8360,6 +8360,285 @@
 </file>
 
 <file path=ppt/theme/theme1.xml><?xml version="1.0" encoding="utf-8"?>
+<a:theme xmlns:a="http://schemas.openxmlformats.org/drawingml/2006/main" xmlns:r="http://schemas.openxmlformats.org/officeDocument/2006/relationships" name="Tropic">
+  <a:themeElements>
+    <a:clrScheme name="Tropic">
+      <a:dk1>
+        <a:srgbClr val="A1E8D9"/>
+      </a:dk1>
+      <a:lt1>
+        <a:srgbClr val="FFFFFF"/>
+      </a:lt1>
+      <a:dk2>
+        <a:srgbClr val="695D46"/>
+      </a:dk2>
+      <a:lt2>
+        <a:srgbClr val="B3A77D"/>
+      </a:lt2>
+      <a:accent1>
+        <a:srgbClr val="EF6C00"/>
+      </a:accent1>
+      <a:accent2>
+        <a:srgbClr val="CE93D8"/>
+      </a:accent2>
+      <a:accent3>
+        <a:srgbClr val="4DB6AC"/>
+      </a:accent3>
+      <a:accent4>
+        <a:srgbClr val="FF9800"/>
+      </a:accent4>
+      <a:accent5>
+        <a:srgbClr val="009668"/>
+      </a:accent5>
+      <a:accent6>
+        <a:srgbClr val="EEFF41"/>
+      </a:accent6>
+      <a:hlink>
+        <a:srgbClr val="009668"/>
+      </a:hlink>
+      <a:folHlink>
+        <a:srgbClr val="009668"/>
+      </a:folHlink>
+    </a:clrScheme>
+    <a:fontScheme name="Office">
+      <a:majorFont>
+        <a:latin typeface="Arial"/>
+        <a:ea typeface=""/>
+        <a:cs typeface=""/>
+        <a:font script="Jpan" typeface="ＭＳ Ｐゴシック"/>
+        <a:font script="Hang" typeface="맑은 고딕"/>
+        <a:font script="Hans" typeface="宋体"/>
+        <a:font script="Hant" typeface="新細明體"/>
+        <a:font script="Arab" typeface="Times New Roman"/>
+        <a:font script="Hebr" typeface="Times New Roman"/>
+        <a:font script="Thai" typeface="Angsana New"/>
+        <a:font script="Ethi" typeface="Nyala"/>
+        <a:font script="Beng" typeface="Vrinda"/>
+        <a:font script="Gujr" typeface="Shruti"/>
+        <a:font script="Khmr" typeface="MoolBoran"/>
+        <a:font script="Knda" typeface="Tunga"/>
+        <a:font script="Guru" typeface="Raavi"/>
+        <a:font script="Cans" typeface="Euphemia"/>
+        <a:font script="Cher" typeface="Plantagenet Cherokee"/>
+        <a:font script="Yiii" typeface="Microsoft Yi Baiti"/>
+        <a:font script="Tibt" typeface="Microsoft Himalaya"/>
+        <a:font script="Thaa" typeface="MV Boli"/>
+        <a:font script="Deva" typeface="Mangal"/>
+        <a:font script="Telu" typeface="Gautami"/>
+        <a:font script="Taml" typeface="Latha"/>
+        <a:font script="Syrc" typeface="Estrangelo Edessa"/>
+        <a:font script="Orya" typeface="Kalinga"/>
+        <a:font script="Mlym" typeface="Kartika"/>
+        <a:font script="Laoo" typeface="DokChampa"/>
+        <a:font script="Sinh" typeface="Iskoola Pota"/>
+        <a:font script="Mong" typeface="Mongolian Baiti"/>
+        <a:font script="Viet" typeface="Times New Roman"/>
+        <a:font script="Uigh" typeface="Microsoft Uighur"/>
+        <a:font script="Geor" typeface="Sylfaen"/>
+      </a:majorFont>
+      <a:minorFont>
+        <a:latin typeface="Arial"/>
+        <a:ea typeface=""/>
+        <a:cs typeface=""/>
+        <a:font script="Jpan" typeface="ＭＳ Ｐゴシック"/>
+        <a:font script="Hang" typeface="맑은 고딕"/>
+        <a:font script="Hans" typeface="宋体"/>
+        <a:font script="Hant" typeface="新細明體"/>
+        <a:font script="Arab" typeface="Arial"/>
+        <a:font script="Hebr" typeface="Arial"/>
+        <a:font script="Thai" typeface="Cordia New"/>
+        <a:font script="Ethi" typeface="Nyala"/>
+        <a:font script="Beng" typeface="Vrinda"/>
+        <a:font script="Gujr" typeface="Shruti"/>
+        <a:font script="Khmr" typeface="DaunPenh"/>
+        <a:font script="Knda" typeface="Tunga"/>
+        <a:font script="Guru" typeface="Raavi"/>
+        <a:font script="Cans" typeface="Euphemia"/>
+        <a:font script="Cher" typeface="Plantagenet Cherokee"/>
+        <a:font script="Yiii" typeface="Microsoft Yi Baiti"/>
+        <a:font script="Tibt" typeface="Microsoft Himalaya"/>
+        <a:font script="Thaa" typeface="MV Boli"/>
+        <a:font script="Deva" typeface="Mangal"/>
+        <a:font script="Telu" typeface="Gautami"/>
+        <a:font script="Taml" typeface="Latha"/>
+        <a:font script="Syrc" typeface="Estrangelo Edessa"/>
+        <a:font script="Orya" typeface="Kalinga"/>
+        <a:font script="Mlym" typeface="Kartika"/>
+        <a:font script="Laoo" typeface="DokChampa"/>
+        <a:font script="Sinh" typeface="Iskoola Pota"/>
+        <a:font script="Mong" typeface="Mongolian Baiti"/>
+        <a:font script="Viet" typeface="Arial"/>
+        <a:font script="Uigh" typeface="Microsoft Uighur"/>
+        <a:font script="Geor" typeface="Sylfaen"/>
+      </a:minorFont>
+    </a:fontScheme>
+    <a:fmtScheme name="Office">
+      <a:fillStyleLst>
+        <a:solidFill>
+          <a:schemeClr val="phClr"/>
+        </a:solidFill>
+        <a:gradFill rotWithShape="1">
+          <a:gsLst>
+            <a:gs pos="0">
+              <a:schemeClr val="phClr">
+                <a:tint val="50000"/>
+                <a:satMod val="300000"/>
+              </a:schemeClr>
+            </a:gs>
+            <a:gs pos="35000">
+              <a:schemeClr val="phClr">
+                <a:tint val="37000"/>
+                <a:satMod val="300000"/>
+              </a:schemeClr>
+            </a:gs>
+            <a:gs pos="100000">
+              <a:schemeClr val="phClr">
+                <a:tint val="15000"/>
+                <a:satMod val="350000"/>
+              </a:schemeClr>
+            </a:gs>
+          </a:gsLst>
+          <a:lin ang="16200000" scaled="1"/>
+        </a:gradFill>
+        <a:gradFill rotWithShape="1">
+          <a:gsLst>
+            <a:gs pos="0">
+              <a:schemeClr val="phClr">
+                <a:tint val="100000"/>
+                <a:shade val="100000"/>
+                <a:satMod val="130000"/>
+              </a:schemeClr>
+            </a:gs>
+            <a:gs pos="100000">
+              <a:schemeClr val="phClr">
+                <a:tint val="50000"/>
+                <a:shade val="100000"/>
+                <a:satMod val="350000"/>
+              </a:schemeClr>
+            </a:gs>
+          </a:gsLst>
+          <a:lin ang="16200000" scaled="0"/>
+        </a:gradFill>
+      </a:fillStyleLst>
+      <a:lnStyleLst>
+        <a:ln w="9525" cap="flat" cmpd="sng" algn="ctr">
+          <a:solidFill>
+            <a:schemeClr val="phClr">
+              <a:shade val="95000"/>
+              <a:satMod val="105000"/>
+            </a:schemeClr>
+          </a:solidFill>
+          <a:prstDash val="solid"/>
+        </a:ln>
+        <a:ln w="25400" cap="flat" cmpd="sng" algn="ctr">
+          <a:solidFill>
+            <a:schemeClr val="phClr"/>
+          </a:solidFill>
+          <a:prstDash val="solid"/>
+        </a:ln>
+        <a:ln w="38100" cap="flat" cmpd="sng" algn="ctr">
+          <a:solidFill>
+            <a:schemeClr val="phClr"/>
+          </a:solidFill>
+          <a:prstDash val="solid"/>
+        </a:ln>
+      </a:lnStyleLst>
+      <a:effectStyleLst>
+        <a:effectStyle>
+          <a:effectLst>
+            <a:outerShdw blurRad="40000" dist="20000" dir="5400000" rotWithShape="0">
+              <a:srgbClr val="000000">
+                <a:alpha val="38000"/>
+              </a:srgbClr>
+            </a:outerShdw>
+          </a:effectLst>
+        </a:effectStyle>
+        <a:effectStyle>
+          <a:effectLst>
+            <a:outerShdw blurRad="40000" dist="23000" dir="5400000" rotWithShape="0">
+              <a:srgbClr val="000000">
+                <a:alpha val="35000"/>
+              </a:srgbClr>
+            </a:outerShdw>
+          </a:effectLst>
+        </a:effectStyle>
+        <a:effectStyle>
+          <a:effectLst>
+            <a:outerShdw blurRad="40000" dist="23000" dir="5400000" rotWithShape="0">
+              <a:srgbClr val="000000">
+                <a:alpha val="35000"/>
+              </a:srgbClr>
+            </a:outerShdw>
+          </a:effectLst>
+          <a:scene3d>
+            <a:camera prst="orthographicFront">
+              <a:rot lat="0" lon="0" rev="0"/>
+            </a:camera>
+            <a:lightRig rig="threePt" dir="t">
+              <a:rot lat="0" lon="0" rev="1200000"/>
+            </a:lightRig>
+          </a:scene3d>
+          <a:sp3d>
+            <a:bevelT w="63500" h="25400"/>
+          </a:sp3d>
+        </a:effectStyle>
+      </a:effectStyleLst>
+      <a:bgFillStyleLst>
+        <a:solidFill>
+          <a:schemeClr val="phClr"/>
+        </a:solidFill>
+        <a:gradFill rotWithShape="1">
+          <a:gsLst>
+            <a:gs pos="0">
+              <a:schemeClr val="phClr">
+                <a:tint val="40000"/>
+                <a:satMod val="350000"/>
+              </a:schemeClr>
+            </a:gs>
+            <a:gs pos="40000">
+              <a:schemeClr val="phClr">
+                <a:tint val="45000"/>
+                <a:shade val="99000"/>
+                <a:satMod val="350000"/>
+              </a:schemeClr>
+            </a:gs>
+            <a:gs pos="100000">
+              <a:schemeClr val="phClr">
+                <a:shade val="20000"/>
+                <a:satMod val="255000"/>
+              </a:schemeClr>
+            </a:gs>
+          </a:gsLst>
+          <a:path path="circle">
+            <a:fillToRect l="50000" t="-80000" r="50000" b="180000"/>
+          </a:path>
+        </a:gradFill>
+        <a:gradFill rotWithShape="1">
+          <a:gsLst>
+            <a:gs pos="0">
+              <a:schemeClr val="phClr">
+                <a:tint val="80000"/>
+                <a:satMod val="300000"/>
+              </a:schemeClr>
+            </a:gs>
+            <a:gs pos="100000">
+              <a:schemeClr val="phClr">
+                <a:shade val="30000"/>
+                <a:satMod val="200000"/>
+              </a:schemeClr>
+            </a:gs>
+          </a:gsLst>
+          <a:path path="circle">
+            <a:fillToRect l="50000" t="50000" r="50000" b="50000"/>
+          </a:path>
+        </a:gradFill>
+      </a:bgFillStyleLst>
+    </a:fmtScheme>
+  </a:themeElements>
+</a:theme>
+</file>
+
+<file path=ppt/theme/theme2.xml><?xml version="1.0" encoding="utf-8"?>
 <a:theme xmlns:a="http://schemas.openxmlformats.org/drawingml/2006/main" xmlns:r="http://schemas.openxmlformats.org/officeDocument/2006/relationships">
   <a:themeElements>
     <a:clrScheme name="Default">
@@ -8636,283 +8915,4 @@
     </a:fmtScheme>
   </a:themeElements>
 </a:theme>
-</file>
-
-<file path=ppt/theme/theme2.xml><?xml version="1.0" encoding="utf-8"?>
-<a:theme xmlns:a="http://schemas.openxmlformats.org/drawingml/2006/main" xmlns:r="http://schemas.openxmlformats.org/officeDocument/2006/relationships" name="Tropic">
-  <a:themeElements>
-    <a:clrScheme name="Tropic">
-      <a:dk1>
-        <a:srgbClr val="A1E8D9"/>
-      </a:dk1>
-      <a:lt1>
-        <a:srgbClr val="FFFFFF"/>
-      </a:lt1>
-      <a:dk2>
-        <a:srgbClr val="695D46"/>
-      </a:dk2>
-      <a:lt2>
-        <a:srgbClr val="B3A77D"/>
-      </a:lt2>
-      <a:accent1>
-        <a:srgbClr val="EF6C00"/>
-      </a:accent1>
-      <a:accent2>
-        <a:srgbClr val="CE93D8"/>
-      </a:accent2>
-      <a:accent3>
-        <a:srgbClr val="4DB6AC"/>
-      </a:accent3>
-      <a:accent4>
-        <a:srgbClr val="FF9800"/>
-      </a:accent4>
-      <a:accent5>
-        <a:srgbClr val="009668"/>
-      </a:accent5>
-      <a:accent6>
-        <a:srgbClr val="EEFF41"/>
-      </a:accent6>
-      <a:hlink>
-        <a:srgbClr val="009668"/>
-      </a:hlink>
-      <a:folHlink>
-        <a:srgbClr val="009668"/>
-      </a:folHlink>
-    </a:clrScheme>
-    <a:fontScheme name="Office">
-      <a:majorFont>
-        <a:latin typeface="Arial"/>
-        <a:ea typeface=""/>
-        <a:cs typeface=""/>
-        <a:font script="Jpan" typeface="ＭＳ Ｐゴシック"/>
-        <a:font script="Hang" typeface="맑은 고딕"/>
-        <a:font script="Hans" typeface="宋体"/>
-        <a:font script="Hant" typeface="新細明體"/>
-        <a:font script="Arab" typeface="Times New Roman"/>
-        <a:font script="Hebr" typeface="Times New Roman"/>
-        <a:font script="Thai" typeface="Angsana New"/>
-        <a:font script="Ethi" typeface="Nyala"/>
-        <a:font script="Beng" typeface="Vrinda"/>
-        <a:font script="Gujr" typeface="Shruti"/>
-        <a:font script="Khmr" typeface="MoolBoran"/>
-        <a:font script="Knda" typeface="Tunga"/>
-        <a:font script="Guru" typeface="Raavi"/>
-        <a:font script="Cans" typeface="Euphemia"/>
-        <a:font script="Cher" typeface="Plantagenet Cherokee"/>
-        <a:font script="Yiii" typeface="Microsoft Yi Baiti"/>
-        <a:font script="Tibt" typeface="Microsoft Himalaya"/>
-        <a:font script="Thaa" typeface="MV Boli"/>
-        <a:font script="Deva" typeface="Mangal"/>
-        <a:font script="Telu" typeface="Gautami"/>
-        <a:font script="Taml" typeface="Latha"/>
-        <a:font script="Syrc" typeface="Estrangelo Edessa"/>
-        <a:font script="Orya" typeface="Kalinga"/>
-        <a:font script="Mlym" typeface="Kartika"/>
-        <a:font script="Laoo" typeface="DokChampa"/>
-        <a:font script="Sinh" typeface="Iskoola Pota"/>
-        <a:font script="Mong" typeface="Mongolian Baiti"/>
-        <a:font script="Viet" typeface="Times New Roman"/>
-        <a:font script="Uigh" typeface="Microsoft Uighur"/>
-        <a:font script="Geor" typeface="Sylfaen"/>
-      </a:majorFont>
-      <a:minorFont>
-        <a:latin typeface="Arial"/>
-        <a:ea typeface=""/>
-        <a:cs typeface=""/>
-        <a:font script="Jpan" typeface="ＭＳ Ｐゴシック"/>
-        <a:font script="Hang" typeface="맑은 고딕"/>
-        <a:font script="Hans" typeface="宋体"/>
-        <a:font script="Hant" typeface="新細明體"/>
-        <a:font script="Arab" typeface="Arial"/>
-        <a:font script="Hebr" typeface="Arial"/>
-        <a:font script="Thai" typeface="Cordia New"/>
-        <a:font script="Ethi" typeface="Nyala"/>
-        <a:font script="Beng" typeface="Vrinda"/>
-        <a:font script="Gujr" typeface="Shruti"/>
-        <a:font script="Khmr" typeface="DaunPenh"/>
-        <a:font script="Knda" typeface="Tunga"/>
-        <a:font script="Guru" typeface="Raavi"/>
-        <a:font script="Cans" typeface="Euphemia"/>
-        <a:font script="Cher" typeface="Plantagenet Cherokee"/>
-        <a:font script="Yiii" typeface="Microsoft Yi Baiti"/>
-        <a:font script="Tibt" typeface="Microsoft Himalaya"/>
-        <a:font script="Thaa" typeface="MV Boli"/>
-        <a:font script="Deva" typeface="Mangal"/>
-        <a:font script="Telu" typeface="Gautami"/>
-        <a:font script="Taml" typeface="Latha"/>
-        <a:font script="Syrc" typeface="Estrangelo Edessa"/>
-        <a:font script="Orya" typeface="Kalinga"/>
-        <a:font script="Mlym" typeface="Kartika"/>
-        <a:font script="Laoo" typeface="DokChampa"/>
-        <a:font script="Sinh" typeface="Iskoola Pota"/>
-        <a:font script="Mong" typeface="Mongolian Baiti"/>
-        <a:font script="Viet" typeface="Arial"/>
-        <a:font script="Uigh" typeface="Microsoft Uighur"/>
-        <a:font script="Geor" typeface="Sylfaen"/>
-      </a:minorFont>
-    </a:fontScheme>
-    <a:fmtScheme name="Office">
-      <a:fillStyleLst>
-        <a:solidFill>
-          <a:schemeClr val="phClr"/>
-        </a:solidFill>
-        <a:gradFill rotWithShape="1">
-          <a:gsLst>
-            <a:gs pos="0">
-              <a:schemeClr val="phClr">
-                <a:tint val="50000"/>
-                <a:satMod val="300000"/>
-              </a:schemeClr>
-            </a:gs>
-            <a:gs pos="35000">
-              <a:schemeClr val="phClr">
-                <a:tint val="37000"/>
-                <a:satMod val="300000"/>
-              </a:schemeClr>
-            </a:gs>
-            <a:gs pos="100000">
-              <a:schemeClr val="phClr">
-                <a:tint val="15000"/>
-                <a:satMod val="350000"/>
-              </a:schemeClr>
-            </a:gs>
-          </a:gsLst>
-          <a:lin ang="16200000" scaled="1"/>
-        </a:gradFill>
-        <a:gradFill rotWithShape="1">
-          <a:gsLst>
-            <a:gs pos="0">
-              <a:schemeClr val="phClr">
-                <a:tint val="100000"/>
-                <a:shade val="100000"/>
-                <a:satMod val="130000"/>
-              </a:schemeClr>
-            </a:gs>
-            <a:gs pos="100000">
-              <a:schemeClr val="phClr">
-                <a:tint val="50000"/>
-                <a:shade val="100000"/>
-                <a:satMod val="350000"/>
-              </a:schemeClr>
-            </a:gs>
-          </a:gsLst>
-          <a:lin ang="16200000" scaled="0"/>
-        </a:gradFill>
-      </a:fillStyleLst>
-      <a:lnStyleLst>
-        <a:ln w="9525" cap="flat" cmpd="sng" algn="ctr">
-          <a:solidFill>
-            <a:schemeClr val="phClr">
-              <a:shade val="95000"/>
-              <a:satMod val="105000"/>
-            </a:schemeClr>
-          </a:solidFill>
-          <a:prstDash val="solid"/>
-        </a:ln>
-        <a:ln w="25400" cap="flat" cmpd="sng" algn="ctr">
-          <a:solidFill>
-            <a:schemeClr val="phClr"/>
-          </a:solidFill>
-          <a:prstDash val="solid"/>
-        </a:ln>
-        <a:ln w="38100" cap="flat" cmpd="sng" algn="ctr">
-          <a:solidFill>
-            <a:schemeClr val="phClr"/>
-          </a:solidFill>
-          <a:prstDash val="solid"/>
-        </a:ln>
-      </a:lnStyleLst>
-      <a:effectStyleLst>
-        <a:effectStyle>
-          <a:effectLst>
-            <a:outerShdw blurRad="40000" dist="20000" dir="5400000" rotWithShape="0">
-              <a:srgbClr val="000000">
-                <a:alpha val="38000"/>
-              </a:srgbClr>
-            </a:outerShdw>
-          </a:effectLst>
-        </a:effectStyle>
-        <a:effectStyle>
-          <a:effectLst>
-            <a:outerShdw blurRad="40000" dist="23000" dir="5400000" rotWithShape="0">
-              <a:srgbClr val="000000">
-                <a:alpha val="35000"/>
-              </a:srgbClr>
-            </a:outerShdw>
-          </a:effectLst>
-        </a:effectStyle>
-        <a:effectStyle>
-          <a:effectLst>
-            <a:outerShdw blurRad="40000" dist="23000" dir="5400000" rotWithShape="0">
-              <a:srgbClr val="000000">
-                <a:alpha val="35000"/>
-              </a:srgbClr>
-            </a:outerShdw>
-          </a:effectLst>
-          <a:scene3d>
-            <a:camera prst="orthographicFront">
-              <a:rot lat="0" lon="0" rev="0"/>
-            </a:camera>
-            <a:lightRig rig="threePt" dir="t">
-              <a:rot lat="0" lon="0" rev="1200000"/>
-            </a:lightRig>
-          </a:scene3d>
-          <a:sp3d>
-            <a:bevelT w="63500" h="25400"/>
-          </a:sp3d>
-        </a:effectStyle>
-      </a:effectStyleLst>
-      <a:bgFillStyleLst>
-        <a:solidFill>
-          <a:schemeClr val="phClr"/>
-        </a:solidFill>
-        <a:gradFill rotWithShape="1">
-          <a:gsLst>
-            <a:gs pos="0">
-              <a:schemeClr val="phClr">
-                <a:tint val="40000"/>
-                <a:satMod val="350000"/>
-              </a:schemeClr>
-            </a:gs>
-            <a:gs pos="40000">
-              <a:schemeClr val="phClr">
-                <a:tint val="45000"/>
-                <a:shade val="99000"/>
-                <a:satMod val="350000"/>
-              </a:schemeClr>
-            </a:gs>
-            <a:gs pos="100000">
-              <a:schemeClr val="phClr">
-                <a:shade val="20000"/>
-                <a:satMod val="255000"/>
-              </a:schemeClr>
-            </a:gs>
-          </a:gsLst>
-          <a:path path="circle">
-            <a:fillToRect l="50000" t="-80000" r="50000" b="180000"/>
-          </a:path>
-        </a:gradFill>
-        <a:gradFill rotWithShape="1">
-          <a:gsLst>
-            <a:gs pos="0">
-              <a:schemeClr val="phClr">
-                <a:tint val="80000"/>
-                <a:satMod val="300000"/>
-              </a:schemeClr>
-            </a:gs>
-            <a:gs pos="100000">
-              <a:schemeClr val="phClr">
-                <a:shade val="30000"/>
-                <a:satMod val="200000"/>
-              </a:schemeClr>
-            </a:gs>
-          </a:gsLst>
-          <a:path path="circle">
-            <a:fillToRect l="50000" t="50000" r="50000" b="50000"/>
-          </a:path>
-        </a:gradFill>
-      </a:bgFillStyleLst>
-    </a:fmtScheme>
-  </a:themeElements>
-</a:theme>
 </file>
--- a/Phase_1/Phase1.pptx
+++ b/Phase_1/Phase1.pptx
@@ -1,39 +1,38 @@
 
 <file path=ppt/presentation.xml><?xml version="1.0" encoding="utf-8"?>
-<p:presentation xmlns:a="http://schemas.openxmlformats.org/drawingml/2006/main" xmlns:r="http://schemas.openxmlformats.org/officeDocument/2006/relationships" xmlns:mc="http://schemas.openxmlformats.org/markup-compatibility/2006" xmlns:mv="urn:schemas-microsoft-com:mac:vml" xmlns:p="http://schemas.openxmlformats.org/presentationml/2006/main" xmlns:c="http://schemas.openxmlformats.org/drawingml/2006/chart" xmlns:dgm="http://schemas.openxmlformats.org/drawingml/2006/diagram" xmlns:o="urn:schemas-microsoft-com:office:office" xmlns:v="urn:schemas-microsoft-com:vml" xmlns:pvml="urn:schemas-microsoft-com:office:powerpoint" xmlns:com="http://schemas.openxmlformats.org/drawingml/2006/compatibility" xmlns:p14="http://schemas.microsoft.com/office/powerpoint/2010/main" xmlns:p15="http://schemas.microsoft.com/office/powerpoint/2012/main" xmlns:ahyp="http://schemas.microsoft.com/office/drawing/2018/hyperlinkcolor" autoCompressPictures="0" embedTrueTypeFonts="1" strictFirstAndLastChars="0" saveSubsetFonts="1">
+<p:presentation xmlns:a="http://schemas.openxmlformats.org/drawingml/2006/main" xmlns:r="http://schemas.openxmlformats.org/officeDocument/2006/relationships" xmlns:p="http://schemas.openxmlformats.org/presentationml/2006/main" strictFirstAndLastChars="0" embedTrueTypeFonts="1" saveSubsetFonts="1" autoCompressPictures="0">
   <p:sldMasterIdLst>
-    <p:sldMasterId id="2147483659" r:id="rId4"/>
+    <p:sldMasterId id="2147483659" r:id="rId1"/>
   </p:sldMasterIdLst>
   <p:notesMasterIdLst>
-    <p:notesMasterId r:id="rId5"/>
+    <p:notesMasterId r:id="rId8"/>
   </p:notesMasterIdLst>
   <p:sldIdLst>
-    <p:sldId id="256" r:id="rId6"/>
-    <p:sldId id="257" r:id="rId7"/>
-    <p:sldId id="258" r:id="rId8"/>
-    <p:sldId id="259" r:id="rId9"/>
-    <p:sldId id="260" r:id="rId10"/>
-    <p:sldId id="261" r:id="rId11"/>
-    <p:sldId id="262" r:id="rId12"/>
+    <p:sldId id="256" r:id="rId2"/>
+    <p:sldId id="257" r:id="rId3"/>
+    <p:sldId id="258" r:id="rId4"/>
+    <p:sldId id="259" r:id="rId5"/>
+    <p:sldId id="260" r:id="rId6"/>
+    <p:sldId id="261" r:id="rId7"/>
   </p:sldIdLst>
-  <p:sldSz cy="5143500" cx="9144000"/>
+  <p:sldSz cx="9144000" cy="5143500" type="screen16x9"/>
   <p:notesSz cx="6858000" cy="9144000"/>
   <p:embeddedFontLst>
     <p:embeddedFont>
-      <p:font typeface="PT Sans Narrow"/>
+      <p:font typeface="Open Sans" panose="020B0606030504020204" pitchFamily="34" charset="0"/>
+      <p:regular r:id="rId9"/>
+      <p:bold r:id="rId10"/>
+      <p:italic r:id="rId11"/>
+      <p:boldItalic r:id="rId12"/>
+    </p:embeddedFont>
+    <p:embeddedFont>
+      <p:font typeface="PT Sans Narrow" panose="020B0506020203020204" pitchFamily="34" charset="0"/>
       <p:regular r:id="rId13"/>
       <p:bold r:id="rId14"/>
     </p:embeddedFont>
-    <p:embeddedFont>
-      <p:font typeface="Open Sans"/>
-      <p:regular r:id="rId15"/>
-      <p:bold r:id="rId16"/>
-      <p:italic r:id="rId17"/>
-      <p:boldItalic r:id="rId18"/>
-    </p:embeddedFont>
   </p:embeddedFontLst>
   <p:defaultTextStyle>
-    <a:defPPr lvl="0" marR="0" rtl="0" algn="l">
+    <a:defPPr marR="0" lvl="0" algn="l" rtl="0">
       <a:lnSpc>
         <a:spcPct val="100000"/>
       </a:lnSpc>
@@ -44,7 +43,7 @@
         <a:spcPts val="0"/>
       </a:spcAft>
     </a:defPPr>
-    <a:lvl1pPr lvl="0" marR="0" rtl="0" algn="l">
+    <a:lvl1pPr marR="0" lvl="0" algn="l" rtl="0">
       <a:lnSpc>
         <a:spcPct val="100000"/>
       </a:lnSpc>
@@ -58,7 +57,7 @@
         <a:srgbClr val="000000"/>
       </a:buClr>
       <a:buFont typeface="Arial"/>
-      <a:defRPr b="0" i="0" sz="1400" u="none" cap="none" strike="noStrike">
+      <a:defRPr sz="1400" b="0" i="0" u="none" strike="noStrike" cap="none">
         <a:solidFill>
           <a:srgbClr val="000000"/>
         </a:solidFill>
@@ -68,7 +67,7 @@
         <a:sym typeface="Arial"/>
       </a:defRPr>
     </a:lvl1pPr>
-    <a:lvl2pPr lvl="1" marR="0" rtl="0" algn="l">
+    <a:lvl2pPr marR="0" lvl="1" algn="l" rtl="0">
       <a:lnSpc>
         <a:spcPct val="100000"/>
       </a:lnSpc>
@@ -82,7 +81,7 @@
         <a:srgbClr val="000000"/>
       </a:buClr>
       <a:buFont typeface="Arial"/>
-      <a:defRPr b="0" i="0" sz="1400" u="none" cap="none" strike="noStrike">
+      <a:defRPr sz="1400" b="0" i="0" u="none" strike="noStrike" cap="none">
         <a:solidFill>
           <a:srgbClr val="000000"/>
         </a:solidFill>
@@ -92,7 +91,7 @@
         <a:sym typeface="Arial"/>
       </a:defRPr>
     </a:lvl2pPr>
-    <a:lvl3pPr lvl="2" marR="0" rtl="0" algn="l">
+    <a:lvl3pPr marR="0" lvl="2" algn="l" rtl="0">
       <a:lnSpc>
         <a:spcPct val="100000"/>
       </a:lnSpc>
@@ -106,7 +105,7 @@
         <a:srgbClr val="000000"/>
       </a:buClr>
       <a:buFont typeface="Arial"/>
-      <a:defRPr b="0" i="0" sz="1400" u="none" cap="none" strike="noStrike">
+      <a:defRPr sz="1400" b="0" i="0" u="none" strike="noStrike" cap="none">
         <a:solidFill>
           <a:srgbClr val="000000"/>
         </a:solidFill>
@@ -116,7 +115,7 @@
         <a:sym typeface="Arial"/>
       </a:defRPr>
     </a:lvl3pPr>
-    <a:lvl4pPr lvl="3" marR="0" rtl="0" algn="l">
+    <a:lvl4pPr marR="0" lvl="3" algn="l" rtl="0">
       <a:lnSpc>
         <a:spcPct val="100000"/>
       </a:lnSpc>
@@ -130,7 +129,7 @@
         <a:srgbClr val="000000"/>
       </a:buClr>
       <a:buFont typeface="Arial"/>
-      <a:defRPr b="0" i="0" sz="1400" u="none" cap="none" strike="noStrike">
+      <a:defRPr sz="1400" b="0" i="0" u="none" strike="noStrike" cap="none">
         <a:solidFill>
           <a:srgbClr val="000000"/>
         </a:solidFill>
@@ -140,7 +139,7 @@
         <a:sym typeface="Arial"/>
       </a:defRPr>
     </a:lvl4pPr>
-    <a:lvl5pPr lvl="4" marR="0" rtl="0" algn="l">
+    <a:lvl5pPr marR="0" lvl="4" algn="l" rtl="0">
       <a:lnSpc>
         <a:spcPct val="100000"/>
       </a:lnSpc>
@@ -154,7 +153,7 @@
         <a:srgbClr val="000000"/>
       </a:buClr>
       <a:buFont typeface="Arial"/>
-      <a:defRPr b="0" i="0" sz="1400" u="none" cap="none" strike="noStrike">
+      <a:defRPr sz="1400" b="0" i="0" u="none" strike="noStrike" cap="none">
         <a:solidFill>
           <a:srgbClr val="000000"/>
         </a:solidFill>
@@ -164,7 +163,7 @@
         <a:sym typeface="Arial"/>
       </a:defRPr>
     </a:lvl5pPr>
-    <a:lvl6pPr lvl="5" marR="0" rtl="0" algn="l">
+    <a:lvl6pPr marR="0" lvl="5" algn="l" rtl="0">
       <a:lnSpc>
         <a:spcPct val="100000"/>
       </a:lnSpc>
@@ -178,7 +177,7 @@
         <a:srgbClr val="000000"/>
       </a:buClr>
       <a:buFont typeface="Arial"/>
-      <a:defRPr b="0" i="0" sz="1400" u="none" cap="none" strike="noStrike">
+      <a:defRPr sz="1400" b="0" i="0" u="none" strike="noStrike" cap="none">
         <a:solidFill>
           <a:srgbClr val="000000"/>
         </a:solidFill>
@@ -188,7 +187,7 @@
         <a:sym typeface="Arial"/>
       </a:defRPr>
     </a:lvl6pPr>
-    <a:lvl7pPr lvl="6" marR="0" rtl="0" algn="l">
+    <a:lvl7pPr marR="0" lvl="6" algn="l" rtl="0">
       <a:lnSpc>
         <a:spcPct val="100000"/>
       </a:lnSpc>
@@ -202,7 +201,7 @@
         <a:srgbClr val="000000"/>
       </a:buClr>
       <a:buFont typeface="Arial"/>
-      <a:defRPr b="0" i="0" sz="1400" u="none" cap="none" strike="noStrike">
+      <a:defRPr sz="1400" b="0" i="0" u="none" strike="noStrike" cap="none">
         <a:solidFill>
           <a:srgbClr val="000000"/>
         </a:solidFill>
@@ -212,7 +211,7 @@
         <a:sym typeface="Arial"/>
       </a:defRPr>
     </a:lvl7pPr>
-    <a:lvl8pPr lvl="7" marR="0" rtl="0" algn="l">
+    <a:lvl8pPr marR="0" lvl="7" algn="l" rtl="0">
       <a:lnSpc>
         <a:spcPct val="100000"/>
       </a:lnSpc>
@@ -226,7 +225,7 @@
         <a:srgbClr val="000000"/>
       </a:buClr>
       <a:buFont typeface="Arial"/>
-      <a:defRPr b="0" i="0" sz="1400" u="none" cap="none" strike="noStrike">
+      <a:defRPr sz="1400" b="0" i="0" u="none" strike="noStrike" cap="none">
         <a:solidFill>
           <a:srgbClr val="000000"/>
         </a:solidFill>
@@ -236,7 +235,7 @@
         <a:sym typeface="Arial"/>
       </a:defRPr>
     </a:lvl8pPr>
-    <a:lvl9pPr lvl="8" marR="0" rtl="0" algn="l">
+    <a:lvl9pPr marR="0" lvl="8" algn="l" rtl="0">
       <a:lnSpc>
         <a:spcPct val="100000"/>
       </a:lnSpc>
@@ -250,7 +249,7 @@
         <a:srgbClr val="000000"/>
       </a:buClr>
       <a:buFont typeface="Arial"/>
-      <a:defRPr b="0" i="0" sz="1400" u="none" cap="none" strike="noStrike">
+      <a:defRPr sz="1400" b="0" i="0" u="none" strike="noStrike" cap="none">
         <a:solidFill>
           <a:srgbClr val="000000"/>
         </a:solidFill>
@@ -263,7 +262,7 @@
   </p:defaultTextStyle>
   <p:extLst>
     <p:ext uri="{EFAFB233-063F-42B5-8137-9DF3F51BA10A}">
-      <p15:sldGuideLst>
+      <p15:sldGuideLst xmlns:p15="http://schemas.microsoft.com/office/powerpoint/2012/main">
         <p15:guide id="1" orient="horz" pos="1620">
           <p15:clr>
             <a:srgbClr val="A4A3A4"/>
@@ -281,11 +280,16 @@
 </file>
 
 <file path=ppt/notesMasters/notesMaster1.xml><?xml version="1.0" encoding="utf-8"?>
-<p:notesMaster xmlns:a="http://schemas.openxmlformats.org/drawingml/2006/main" xmlns:r="http://schemas.openxmlformats.org/officeDocument/2006/relationships" xmlns:mc="http://schemas.openxmlformats.org/markup-compatibility/2006" xmlns:mv="urn:schemas-microsoft-com:mac:vml" xmlns:p="http://schemas.openxmlformats.org/presentationml/2006/main" xmlns:c="http://schemas.openxmlformats.org/drawingml/2006/chart" xmlns:dgm="http://schemas.openxmlformats.org/drawingml/2006/diagram" xmlns:o="urn:schemas-microsoft-com:office:office" xmlns:v="urn:schemas-microsoft-com:vml" xmlns:pvml="urn:schemas-microsoft-com:office:powerpoint" xmlns:com="http://schemas.openxmlformats.org/drawingml/2006/compatibility" xmlns:p14="http://schemas.microsoft.com/office/powerpoint/2010/main" xmlns:p15="http://schemas.microsoft.com/office/powerpoint/2012/main" xmlns:ahyp="http://schemas.microsoft.com/office/drawing/2018/hyperlinkcolor">
+<p:notesMaster xmlns:a="http://schemas.openxmlformats.org/drawingml/2006/main" xmlns:r="http://schemas.openxmlformats.org/officeDocument/2006/relationships" xmlns:p="http://schemas.openxmlformats.org/presentationml/2006/main">
   <p:cSld>
+    <p:bg>
+      <p:bgRef idx="1001">
+        <a:schemeClr val="bg1"/>
+      </p:bgRef>
+    </p:bg>
     <p:spTree>
       <p:nvGrpSpPr>
-        <p:cNvPr id="2" name="Shape 2"/>
+        <p:cNvPr id="1" name="Shape 2"/>
         <p:cNvGrpSpPr/>
         <p:nvPr/>
       </p:nvGrpSpPr>
@@ -300,9 +304,11 @@
       <p:sp>
         <p:nvSpPr>
           <p:cNvPr id="3" name="Google Shape;3;n"/>
-          <p:cNvSpPr/>
+          <p:cNvSpPr>
+            <a:spLocks noGrp="1" noRot="1" noChangeAspect="1"/>
+          </p:cNvSpPr>
           <p:nvPr>
-            <p:ph idx="2" type="sldImg"/>
+            <p:ph type="sldImg" idx="2"/>
           </p:nvPr>
         </p:nvSpPr>
         <p:spPr>
@@ -311,9 +317,13 @@
             <a:ext cx="6096075" cy="3429000"/>
           </a:xfrm>
           <a:custGeom>
-            <a:rect b="b" l="l" r="r" t="t"/>
+            <a:avLst/>
+            <a:gdLst/>
+            <a:ahLst/>
+            <a:cxnLst/>
+            <a:rect l="l" t="t" r="r" b="b"/>
             <a:pathLst>
-              <a:path extrusionOk="0" h="120000" w="120000">
+              <a:path w="120000" h="120000" extrusionOk="0">
                 <a:moveTo>
                   <a:pt x="0" y="0"/>
                 </a:moveTo>
@@ -331,23 +341,25 @@
             </a:pathLst>
           </a:custGeom>
           <a:noFill/>
-          <a:ln cap="flat" cmpd="sng" w="9525">
+          <a:ln w="9525" cap="flat" cmpd="sng">
             <a:solidFill>
               <a:srgbClr val="000000"/>
             </a:solidFill>
             <a:prstDash val="solid"/>
             <a:round/>
-            <a:headEnd len="sm" w="sm" type="none"/>
-            <a:tailEnd len="sm" w="sm" type="none"/>
+            <a:headEnd type="none" w="sm" len="sm"/>
+            <a:tailEnd type="none" w="sm" len="sm"/>
           </a:ln>
         </p:spPr>
       </p:sp>
       <p:sp>
         <p:nvSpPr>
           <p:cNvPr id="4" name="Google Shape;4;n"/>
-          <p:cNvSpPr txBox="1"/>
+          <p:cNvSpPr txBox="1">
+            <a:spLocks noGrp="1"/>
+          </p:cNvSpPr>
           <p:nvPr>
-            <p:ph idx="1" type="body"/>
+            <p:ph type="body" idx="1"/>
           </p:nvPr>
         </p:nvSpPr>
         <p:spPr>
@@ -364,11 +376,11 @@
           </a:ln>
         </p:spPr>
         <p:txBody>
-          <a:bodyPr anchorCtr="0" anchor="t" bIns="91425" lIns="91425" spcFirstLastPara="1" rIns="91425" wrap="square" tIns="91425">
+          <a:bodyPr spcFirstLastPara="1" wrap="square" lIns="91425" tIns="91425" rIns="91425" bIns="91425" anchor="t" anchorCtr="0">
             <a:noAutofit/>
           </a:bodyPr>
           <a:lstStyle>
-            <a:lvl1pPr indent="-298450" lvl="0" marL="457200">
+            <a:lvl1pPr marL="457200" lvl="0" indent="-298450">
               <a:spcBef>
                 <a:spcPts val="0"/>
               </a:spcBef>
@@ -379,7 +391,7 @@
               <a:buChar char="●"/>
               <a:defRPr sz="1100"/>
             </a:lvl1pPr>
-            <a:lvl2pPr indent="-298450" lvl="1" marL="914400">
+            <a:lvl2pPr marL="914400" lvl="1" indent="-298450">
               <a:spcBef>
                 <a:spcPts val="0"/>
               </a:spcBef>
@@ -390,7 +402,7 @@
               <a:buChar char="○"/>
               <a:defRPr sz="1100"/>
             </a:lvl2pPr>
-            <a:lvl3pPr indent="-298450" lvl="2" marL="1371600">
+            <a:lvl3pPr marL="1371600" lvl="2" indent="-298450">
               <a:spcBef>
                 <a:spcPts val="0"/>
               </a:spcBef>
@@ -401,7 +413,7 @@
               <a:buChar char="■"/>
               <a:defRPr sz="1100"/>
             </a:lvl3pPr>
-            <a:lvl4pPr indent="-298450" lvl="3" marL="1828800">
+            <a:lvl4pPr marL="1828800" lvl="3" indent="-298450">
               <a:spcBef>
                 <a:spcPts val="0"/>
               </a:spcBef>
@@ -412,7 +424,7 @@
               <a:buChar char="●"/>
               <a:defRPr sz="1100"/>
             </a:lvl4pPr>
-            <a:lvl5pPr indent="-298450" lvl="4" marL="2286000">
+            <a:lvl5pPr marL="2286000" lvl="4" indent="-298450">
               <a:spcBef>
                 <a:spcPts val="0"/>
               </a:spcBef>
@@ -423,7 +435,7 @@
               <a:buChar char="○"/>
               <a:defRPr sz="1100"/>
             </a:lvl5pPr>
-            <a:lvl6pPr indent="-298450" lvl="5" marL="2743200">
+            <a:lvl6pPr marL="2743200" lvl="5" indent="-298450">
               <a:spcBef>
                 <a:spcPts val="0"/>
               </a:spcBef>
@@ -434,7 +446,7 @@
               <a:buChar char="■"/>
               <a:defRPr sz="1100"/>
             </a:lvl6pPr>
-            <a:lvl7pPr indent="-298450" lvl="6" marL="3200400">
+            <a:lvl7pPr marL="3200400" lvl="6" indent="-298450">
               <a:spcBef>
                 <a:spcPts val="0"/>
               </a:spcBef>
@@ -445,7 +457,7 @@
               <a:buChar char="●"/>
               <a:defRPr sz="1100"/>
             </a:lvl7pPr>
-            <a:lvl8pPr indent="-298450" lvl="7" marL="3657600">
+            <a:lvl8pPr marL="3657600" lvl="7" indent="-298450">
               <a:spcBef>
                 <a:spcPts val="0"/>
               </a:spcBef>
@@ -456,7 +468,7 @@
               <a:buChar char="○"/>
               <a:defRPr sz="1100"/>
             </a:lvl8pPr>
-            <a:lvl9pPr indent="-298450" lvl="8" marL="4114800">
+            <a:lvl9pPr marL="4114800" lvl="8" indent="-298450">
               <a:spcBef>
                 <a:spcPts val="0"/>
               </a:spcBef>
@@ -468,14 +480,16 @@
               <a:defRPr sz="1100"/>
             </a:lvl9pPr>
           </a:lstStyle>
-          <a:p/>
+          <a:p>
+            <a:endParaRPr/>
+          </a:p>
         </p:txBody>
       </p:sp>
     </p:spTree>
   </p:cSld>
-  <p:clrMap accent1="accent1" accent2="accent2" accent3="accent3" accent4="accent4" accent5="accent5" accent6="accent6" bg1="lt1" bg2="dk2" tx1="dk1" tx2="lt2" folHlink="folHlink" hlink="hlink"/>
+  <p:clrMap bg1="lt1" tx1="dk1" bg2="dk2" tx2="lt2" accent1="accent1" accent2="accent2" accent3="accent3" accent4="accent4" accent5="accent5" accent6="accent6" hlink="hlink" folHlink="folHlink"/>
   <p:notesStyle>
-    <a:defPPr lvl="0" marR="0" rtl="0" algn="l">
+    <a:defPPr marR="0" lvl="0" algn="l" rtl="0">
       <a:lnSpc>
         <a:spcPct val="100000"/>
       </a:lnSpc>
@@ -486,7 +500,7 @@
         <a:spcPts val="0"/>
       </a:spcAft>
     </a:defPPr>
-    <a:lvl1pPr lvl="0" marR="0" rtl="0" algn="l">
+    <a:lvl1pPr marR="0" lvl="0" algn="l" rtl="0">
       <a:lnSpc>
         <a:spcPct val="100000"/>
       </a:lnSpc>
@@ -500,7 +514,7 @@
         <a:srgbClr val="000000"/>
       </a:buClr>
       <a:buFont typeface="Arial"/>
-      <a:defRPr b="0" i="0" sz="1400" u="none" cap="none" strike="noStrike">
+      <a:defRPr sz="1400" b="0" i="0" u="none" strike="noStrike" cap="none">
         <a:solidFill>
           <a:srgbClr val="000000"/>
         </a:solidFill>
@@ -510,7 +524,7 @@
         <a:sym typeface="Arial"/>
       </a:defRPr>
     </a:lvl1pPr>
-    <a:lvl2pPr lvl="1" marR="0" rtl="0" algn="l">
+    <a:lvl2pPr marR="0" lvl="1" algn="l" rtl="0">
       <a:lnSpc>
         <a:spcPct val="100000"/>
       </a:lnSpc>
@@ -524,7 +538,7 @@
         <a:srgbClr val="000000"/>
       </a:buClr>
       <a:buFont typeface="Arial"/>
-      <a:defRPr b="0" i="0" sz="1400" u="none" cap="none" strike="noStrike">
+      <a:defRPr sz="1400" b="0" i="0" u="none" strike="noStrike" cap="none">
         <a:solidFill>
           <a:srgbClr val="000000"/>
         </a:solidFill>
@@ -534,7 +548,7 @@
         <a:sym typeface="Arial"/>
       </a:defRPr>
     </a:lvl2pPr>
-    <a:lvl3pPr lvl="2" marR="0" rtl="0" algn="l">
+    <a:lvl3pPr marR="0" lvl="2" algn="l" rtl="0">
       <a:lnSpc>
         <a:spcPct val="100000"/>
       </a:lnSpc>
@@ -548,7 +562,7 @@
         <a:srgbClr val="000000"/>
       </a:buClr>
       <a:buFont typeface="Arial"/>
-      <a:defRPr b="0" i="0" sz="1400" u="none" cap="none" strike="noStrike">
+      <a:defRPr sz="1400" b="0" i="0" u="none" strike="noStrike" cap="none">
         <a:solidFill>
           <a:srgbClr val="000000"/>
         </a:solidFill>
@@ -558,7 +572,7 @@
         <a:sym typeface="Arial"/>
       </a:defRPr>
     </a:lvl3pPr>
-    <a:lvl4pPr lvl="3" marR="0" rtl="0" algn="l">
+    <a:lvl4pPr marR="0" lvl="3" algn="l" rtl="0">
       <a:lnSpc>
         <a:spcPct val="100000"/>
       </a:lnSpc>
@@ -572,7 +586,7 @@
         <a:srgbClr val="000000"/>
       </a:buClr>
       <a:buFont typeface="Arial"/>
-      <a:defRPr b="0" i="0" sz="1400" u="none" cap="none" strike="noStrike">
+      <a:defRPr sz="1400" b="0" i="0" u="none" strike="noStrike" cap="none">
         <a:solidFill>
           <a:srgbClr val="000000"/>
         </a:solidFill>
@@ -582,7 +596,7 @@
         <a:sym typeface="Arial"/>
       </a:defRPr>
     </a:lvl4pPr>
-    <a:lvl5pPr lvl="4" marR="0" rtl="0" algn="l">
+    <a:lvl5pPr marR="0" lvl="4" algn="l" rtl="0">
       <a:lnSpc>
         <a:spcPct val="100000"/>
       </a:lnSpc>
@@ -596,7 +610,7 @@
         <a:srgbClr val="000000"/>
       </a:buClr>
       <a:buFont typeface="Arial"/>
-      <a:defRPr b="0" i="0" sz="1400" u="none" cap="none" strike="noStrike">
+      <a:defRPr sz="1400" b="0" i="0" u="none" strike="noStrike" cap="none">
         <a:solidFill>
           <a:srgbClr val="000000"/>
         </a:solidFill>
@@ -606,7 +620,7 @@
         <a:sym typeface="Arial"/>
       </a:defRPr>
     </a:lvl5pPr>
-    <a:lvl6pPr lvl="5" marR="0" rtl="0" algn="l">
+    <a:lvl6pPr marR="0" lvl="5" algn="l" rtl="0">
       <a:lnSpc>
         <a:spcPct val="100000"/>
       </a:lnSpc>
@@ -620,7 +634,7 @@
         <a:srgbClr val="000000"/>
       </a:buClr>
       <a:buFont typeface="Arial"/>
-      <a:defRPr b="0" i="0" sz="1400" u="none" cap="none" strike="noStrike">
+      <a:defRPr sz="1400" b="0" i="0" u="none" strike="noStrike" cap="none">
         <a:solidFill>
           <a:srgbClr val="000000"/>
         </a:solidFill>
@@ -630,7 +644,7 @@
         <a:sym typeface="Arial"/>
       </a:defRPr>
     </a:lvl6pPr>
-    <a:lvl7pPr lvl="6" marR="0" rtl="0" algn="l">
+    <a:lvl7pPr marR="0" lvl="6" algn="l" rtl="0">
       <a:lnSpc>
         <a:spcPct val="100000"/>
       </a:lnSpc>
@@ -644,7 +658,7 @@
         <a:srgbClr val="000000"/>
       </a:buClr>
       <a:buFont typeface="Arial"/>
-      <a:defRPr b="0" i="0" sz="1400" u="none" cap="none" strike="noStrike">
+      <a:defRPr sz="1400" b="0" i="0" u="none" strike="noStrike" cap="none">
         <a:solidFill>
           <a:srgbClr val="000000"/>
         </a:solidFill>
@@ -654,7 +668,7 @@
         <a:sym typeface="Arial"/>
       </a:defRPr>
     </a:lvl7pPr>
-    <a:lvl8pPr lvl="7" marR="0" rtl="0" algn="l">
+    <a:lvl8pPr marR="0" lvl="7" algn="l" rtl="0">
       <a:lnSpc>
         <a:spcPct val="100000"/>
       </a:lnSpc>
@@ -668,7 +682,7 @@
         <a:srgbClr val="000000"/>
       </a:buClr>
       <a:buFont typeface="Arial"/>
-      <a:defRPr b="0" i="0" sz="1400" u="none" cap="none" strike="noStrike">
+      <a:defRPr sz="1400" b="0" i="0" u="none" strike="noStrike" cap="none">
         <a:solidFill>
           <a:srgbClr val="000000"/>
         </a:solidFill>
@@ -678,7 +692,7 @@
         <a:sym typeface="Arial"/>
       </a:defRPr>
     </a:lvl8pPr>
-    <a:lvl9pPr lvl="8" marR="0" rtl="0" algn="l">
+    <a:lvl9pPr marR="0" lvl="8" algn="l" rtl="0">
       <a:lnSpc>
         <a:spcPct val="100000"/>
       </a:lnSpc>
@@ -692,7 +706,7 @@
         <a:srgbClr val="000000"/>
       </a:buClr>
       <a:buFont typeface="Arial"/>
-      <a:defRPr b="0" i="0" sz="1400" u="none" cap="none" strike="noStrike">
+      <a:defRPr sz="1400" b="0" i="0" u="none" strike="noStrike" cap="none">
         <a:solidFill>
           <a:srgbClr val="000000"/>
         </a:solidFill>
@@ -707,11 +721,11 @@
 </file>
 
 <file path=ppt/notesSlides/notesSlide1.xml><?xml version="1.0" encoding="utf-8"?>
-<p:notes xmlns:a="http://schemas.openxmlformats.org/drawingml/2006/main" xmlns:r="http://schemas.openxmlformats.org/officeDocument/2006/relationships" xmlns:mc="http://schemas.openxmlformats.org/markup-compatibility/2006" xmlns:mv="urn:schemas-microsoft-com:mac:vml" xmlns:p="http://schemas.openxmlformats.org/presentationml/2006/main" xmlns:c="http://schemas.openxmlformats.org/drawingml/2006/chart" xmlns:dgm="http://schemas.openxmlformats.org/drawingml/2006/diagram" xmlns:o="urn:schemas-microsoft-com:office:office" xmlns:v="urn:schemas-microsoft-com:vml" xmlns:pvml="urn:schemas-microsoft-com:office:powerpoint" xmlns:com="http://schemas.openxmlformats.org/drawingml/2006/compatibility" xmlns:p14="http://schemas.microsoft.com/office/powerpoint/2010/main" xmlns:p15="http://schemas.microsoft.com/office/powerpoint/2012/main" xmlns:ahyp="http://schemas.microsoft.com/office/drawing/2018/hyperlinkcolor" showMasterPhAnim="0" showMasterSp="0">
+<p:notes xmlns:a="http://schemas.openxmlformats.org/drawingml/2006/main" xmlns:r="http://schemas.openxmlformats.org/officeDocument/2006/relationships" xmlns:p="http://schemas.openxmlformats.org/presentationml/2006/main" showMasterSp="0" showMasterPhAnim="0">
   <p:cSld>
     <p:spTree>
       <p:nvGrpSpPr>
-        <p:cNvPr id="62" name="Shape 62"/>
+        <p:cNvPr id="1" name="Shape 62"/>
         <p:cNvGrpSpPr/>
         <p:nvPr/>
       </p:nvGrpSpPr>
@@ -726,9 +740,11 @@
       <p:sp>
         <p:nvSpPr>
           <p:cNvPr id="63" name="Google Shape;63;p:notes"/>
-          <p:cNvSpPr/>
+          <p:cNvSpPr>
+            <a:spLocks noGrp="1" noRot="1" noChangeAspect="1"/>
+          </p:cNvSpPr>
           <p:nvPr>
-            <p:ph idx="2" type="sldImg"/>
+            <p:ph type="sldImg" idx="2"/>
           </p:nvPr>
         </p:nvSpPr>
         <p:spPr>
@@ -737,9 +753,13 @@
             <a:ext cx="6096075" cy="3429000"/>
           </a:xfrm>
           <a:custGeom>
-            <a:rect b="b" l="l" r="r" t="t"/>
+            <a:avLst/>
+            <a:gdLst/>
+            <a:ahLst/>
+            <a:cxnLst/>
+            <a:rect l="l" t="t" r="r" b="b"/>
             <a:pathLst>
-              <a:path extrusionOk="0" h="120000" w="120000">
+              <a:path w="120000" h="120000" extrusionOk="0">
                 <a:moveTo>
                   <a:pt x="0" y="0"/>
                 </a:moveTo>
@@ -761,9 +781,11 @@
       <p:sp>
         <p:nvSpPr>
           <p:cNvPr id="64" name="Google Shape;64;p:notes"/>
-          <p:cNvSpPr txBox="1"/>
+          <p:cNvSpPr txBox="1">
+            <a:spLocks noGrp="1"/>
+          </p:cNvSpPr>
           <p:nvPr>
-            <p:ph idx="1" type="body"/>
+            <p:ph type="body" idx="1"/>
           </p:nvPr>
         </p:nvSpPr>
         <p:spPr>
@@ -776,12 +798,12 @@
           </a:prstGeom>
         </p:spPr>
         <p:txBody>
-          <a:bodyPr anchorCtr="0" anchor="t" bIns="91425" lIns="91425" spcFirstLastPara="1" rIns="91425" wrap="square" tIns="91425">
+          <a:bodyPr spcFirstLastPara="1" wrap="square" lIns="91425" tIns="91425" rIns="91425" bIns="91425" anchor="t" anchorCtr="0">
             <a:noAutofit/>
           </a:bodyPr>
           <a:lstStyle/>
           <a:p>
-            <a:pPr indent="0" lvl="0" marL="0" rtl="0" algn="l">
+            <a:pPr marL="0" lvl="0" indent="0" algn="l" rtl="0">
               <a:spcBef>
                 <a:spcPts val="0"/>
               </a:spcBef>
@@ -790,9 +812,6 @@
               </a:spcAft>
               <a:buNone/>
             </a:pPr>
-            <a:r>
-              <a:t/>
-            </a:r>
             <a:endParaRPr/>
           </a:p>
         </p:txBody>
@@ -806,11 +825,11 @@
 </file>
 
 <file path=ppt/notesSlides/notesSlide2.xml><?xml version="1.0" encoding="utf-8"?>
-<p:notes xmlns:a="http://schemas.openxmlformats.org/drawingml/2006/main" xmlns:r="http://schemas.openxmlformats.org/officeDocument/2006/relationships" xmlns:mc="http://schemas.openxmlformats.org/markup-compatibility/2006" xmlns:mv="urn:schemas-microsoft-com:mac:vml" xmlns:p="http://schemas.openxmlformats.org/presentationml/2006/main" xmlns:c="http://schemas.openxmlformats.org/drawingml/2006/chart" xmlns:dgm="http://schemas.openxmlformats.org/drawingml/2006/diagram" xmlns:o="urn:schemas-microsoft-com:office:office" xmlns:v="urn:schemas-microsoft-com:vml" xmlns:pvml="urn:schemas-microsoft-com:office:powerpoint" xmlns:com="http://schemas.openxmlformats.org/drawingml/2006/compatibility" xmlns:p14="http://schemas.microsoft.com/office/powerpoint/2010/main" xmlns:p15="http://schemas.microsoft.com/office/powerpoint/2012/main" xmlns:ahyp="http://schemas.microsoft.com/office/drawing/2018/hyperlinkcolor" showMasterPhAnim="0" showMasterSp="0">
+<p:notes xmlns:a="http://schemas.openxmlformats.org/drawingml/2006/main" xmlns:r="http://schemas.openxmlformats.org/officeDocument/2006/relationships" xmlns:p="http://schemas.openxmlformats.org/presentationml/2006/main" showMasterSp="0" showMasterPhAnim="0">
   <p:cSld>
     <p:spTree>
       <p:nvGrpSpPr>
-        <p:cNvPr id="68" name="Shape 68"/>
+        <p:cNvPr id="1" name="Shape 68"/>
         <p:cNvGrpSpPr/>
         <p:nvPr/>
       </p:nvGrpSpPr>
@@ -825,20 +844,26 @@
       <p:sp>
         <p:nvSpPr>
           <p:cNvPr id="69" name="Google Shape;69;gf936e5a4da_1_118:notes"/>
-          <p:cNvSpPr/>
+          <p:cNvSpPr>
+            <a:spLocks noGrp="1" noRot="1" noChangeAspect="1"/>
+          </p:cNvSpPr>
           <p:nvPr>
-            <p:ph idx="2" type="sldImg"/>
+            <p:ph type="sldImg" idx="2"/>
           </p:nvPr>
         </p:nvSpPr>
         <p:spPr>
           <a:xfrm>
-            <a:off x="381300" y="685800"/>
+            <a:off x="381000" y="685800"/>
             <a:ext cx="6096000" cy="3429000"/>
           </a:xfrm>
           <a:custGeom>
-            <a:rect b="b" l="l" r="r" t="t"/>
+            <a:avLst/>
+            <a:gdLst/>
+            <a:ahLst/>
+            <a:cxnLst/>
+            <a:rect l="l" t="t" r="r" b="b"/>
             <a:pathLst>
-              <a:path extrusionOk="0" h="120000" w="120000">
+              <a:path w="120000" h="120000" extrusionOk="0">
                 <a:moveTo>
                   <a:pt x="0" y="0"/>
                 </a:moveTo>
@@ -860,9 +885,11 @@
       <p:sp>
         <p:nvSpPr>
           <p:cNvPr id="70" name="Google Shape;70;gf936e5a4da_1_118:notes"/>
-          <p:cNvSpPr txBox="1"/>
+          <p:cNvSpPr txBox="1">
+            <a:spLocks noGrp="1"/>
+          </p:cNvSpPr>
           <p:nvPr>
-            <p:ph idx="1" type="body"/>
+            <p:ph type="body" idx="1"/>
           </p:nvPr>
         </p:nvSpPr>
         <p:spPr>
@@ -875,12 +902,12 @@
           </a:prstGeom>
         </p:spPr>
         <p:txBody>
-          <a:bodyPr anchorCtr="0" anchor="t" bIns="91425" lIns="91425" spcFirstLastPara="1" rIns="91425" wrap="square" tIns="91425">
+          <a:bodyPr spcFirstLastPara="1" wrap="square" lIns="91425" tIns="91425" rIns="91425" bIns="91425" anchor="t" anchorCtr="0">
             <a:noAutofit/>
           </a:bodyPr>
           <a:lstStyle/>
           <a:p>
-            <a:pPr indent="0" lvl="0" marL="0" rtl="0" algn="l">
+            <a:pPr marL="0" lvl="0" indent="0" algn="l" rtl="0">
               <a:spcBef>
                 <a:spcPts val="0"/>
               </a:spcBef>
@@ -889,9 +916,6 @@
               </a:spcAft>
               <a:buNone/>
             </a:pPr>
-            <a:r>
-              <a:t/>
-            </a:r>
             <a:endParaRPr/>
           </a:p>
         </p:txBody>
@@ -905,11 +929,11 @@
 </file>
 
 <file path=ppt/notesSlides/notesSlide3.xml><?xml version="1.0" encoding="utf-8"?>
-<p:notes xmlns:a="http://schemas.openxmlformats.org/drawingml/2006/main" xmlns:r="http://schemas.openxmlformats.org/officeDocument/2006/relationships" xmlns:mc="http://schemas.openxmlformats.org/markup-compatibility/2006" xmlns:mv="urn:schemas-microsoft-com:mac:vml" xmlns:p="http://schemas.openxmlformats.org/presentationml/2006/main" xmlns:c="http://schemas.openxmlformats.org/drawingml/2006/chart" xmlns:dgm="http://schemas.openxmlformats.org/drawingml/2006/diagram" xmlns:o="urn:schemas-microsoft-com:office:office" xmlns:v="urn:schemas-microsoft-com:vml" xmlns:pvml="urn:schemas-microsoft-com:office:powerpoint" xmlns:com="http://schemas.openxmlformats.org/drawingml/2006/compatibility" xmlns:p14="http://schemas.microsoft.com/office/powerpoint/2010/main" xmlns:p15="http://schemas.microsoft.com/office/powerpoint/2012/main" xmlns:ahyp="http://schemas.microsoft.com/office/drawing/2018/hyperlinkcolor" showMasterPhAnim="0" showMasterSp="0">
+<p:notes xmlns:a="http://schemas.openxmlformats.org/drawingml/2006/main" xmlns:r="http://schemas.openxmlformats.org/officeDocument/2006/relationships" xmlns:p="http://schemas.openxmlformats.org/presentationml/2006/main" showMasterSp="0" showMasterPhAnim="0">
   <p:cSld>
     <p:spTree>
       <p:nvGrpSpPr>
-        <p:cNvPr id="76" name="Shape 76"/>
+        <p:cNvPr id="1" name="Shape 76"/>
         <p:cNvGrpSpPr/>
         <p:nvPr/>
       </p:nvGrpSpPr>
@@ -924,9 +948,11 @@
       <p:sp>
         <p:nvSpPr>
           <p:cNvPr id="77" name="Google Shape;77;gf936e5a4da_0_5:notes"/>
-          <p:cNvSpPr/>
+          <p:cNvSpPr>
+            <a:spLocks noGrp="1" noRot="1" noChangeAspect="1"/>
+          </p:cNvSpPr>
           <p:nvPr>
-            <p:ph idx="2" type="sldImg"/>
+            <p:ph type="sldImg" idx="2"/>
           </p:nvPr>
         </p:nvSpPr>
         <p:spPr>
@@ -935,9 +961,13 @@
             <a:ext cx="6096000" cy="3429000"/>
           </a:xfrm>
           <a:custGeom>
-            <a:rect b="b" l="l" r="r" t="t"/>
+            <a:avLst/>
+            <a:gdLst/>
+            <a:ahLst/>
+            <a:cxnLst/>
+            <a:rect l="l" t="t" r="r" b="b"/>
             <a:pathLst>
-              <a:path extrusionOk="0" h="120000" w="120000">
+              <a:path w="120000" h="120000" extrusionOk="0">
                 <a:moveTo>
                   <a:pt x="0" y="0"/>
                 </a:moveTo>
@@ -959,9 +989,11 @@
       <p:sp>
         <p:nvSpPr>
           <p:cNvPr id="78" name="Google Shape;78;gf936e5a4da_0_5:notes"/>
-          <p:cNvSpPr txBox="1"/>
+          <p:cNvSpPr txBox="1">
+            <a:spLocks noGrp="1"/>
+          </p:cNvSpPr>
           <p:nvPr>
-            <p:ph idx="1" type="body"/>
+            <p:ph type="body" idx="1"/>
           </p:nvPr>
         </p:nvSpPr>
         <p:spPr>
@@ -974,12 +1006,12 @@
           </a:prstGeom>
         </p:spPr>
         <p:txBody>
-          <a:bodyPr anchorCtr="0" anchor="t" bIns="91425" lIns="91425" spcFirstLastPara="1" rIns="91425" wrap="square" tIns="91425">
+          <a:bodyPr spcFirstLastPara="1" wrap="square" lIns="91425" tIns="91425" rIns="91425" bIns="91425" anchor="t" anchorCtr="0">
             <a:noAutofit/>
           </a:bodyPr>
           <a:lstStyle/>
           <a:p>
-            <a:pPr indent="0" lvl="0" marL="0" rtl="0" algn="l">
+            <a:pPr marL="0" lvl="0" indent="0" algn="l" rtl="0">
               <a:spcBef>
                 <a:spcPts val="0"/>
               </a:spcBef>
@@ -988,9 +1020,6 @@
               </a:spcAft>
               <a:buNone/>
             </a:pPr>
-            <a:r>
-              <a:t/>
-            </a:r>
             <a:endParaRPr/>
           </a:p>
         </p:txBody>
@@ -1004,11 +1033,11 @@
 </file>
 
 <file path=ppt/notesSlides/notesSlide4.xml><?xml version="1.0" encoding="utf-8"?>
-<p:notes xmlns:a="http://schemas.openxmlformats.org/drawingml/2006/main" xmlns:r="http://schemas.openxmlformats.org/officeDocument/2006/relationships" xmlns:mc="http://schemas.openxmlformats.org/markup-compatibility/2006" xmlns:mv="urn:schemas-microsoft-com:mac:vml" xmlns:p="http://schemas.openxmlformats.org/presentationml/2006/main" xmlns:c="http://schemas.openxmlformats.org/drawingml/2006/chart" xmlns:dgm="http://schemas.openxmlformats.org/drawingml/2006/diagram" xmlns:o="urn:schemas-microsoft-com:office:office" xmlns:v="urn:schemas-microsoft-com:vml" xmlns:pvml="urn:schemas-microsoft-com:office:powerpoint" xmlns:com="http://schemas.openxmlformats.org/drawingml/2006/compatibility" xmlns:p14="http://schemas.microsoft.com/office/powerpoint/2010/main" xmlns:p15="http://schemas.microsoft.com/office/powerpoint/2012/main" xmlns:ahyp="http://schemas.microsoft.com/office/drawing/2018/hyperlinkcolor" showMasterPhAnim="0" showMasterSp="0">
+<p:notes xmlns:a="http://schemas.openxmlformats.org/drawingml/2006/main" xmlns:r="http://schemas.openxmlformats.org/officeDocument/2006/relationships" xmlns:p="http://schemas.openxmlformats.org/presentationml/2006/main" showMasterSp="0" showMasterPhAnim="0">
   <p:cSld>
     <p:spTree>
       <p:nvGrpSpPr>
-        <p:cNvPr id="82" name="Shape 82"/>
+        <p:cNvPr id="1" name="Shape 82"/>
         <p:cNvGrpSpPr/>
         <p:nvPr/>
       </p:nvGrpSpPr>
@@ -1023,9 +1052,11 @@
       <p:sp>
         <p:nvSpPr>
           <p:cNvPr id="83" name="Google Shape;83;gf936e5a4da_0_11:notes"/>
-          <p:cNvSpPr/>
+          <p:cNvSpPr>
+            <a:spLocks noGrp="1" noRot="1" noChangeAspect="1"/>
+          </p:cNvSpPr>
           <p:nvPr>
-            <p:ph idx="2" type="sldImg"/>
+            <p:ph type="sldImg" idx="2"/>
           </p:nvPr>
         </p:nvSpPr>
         <p:spPr>
@@ -1034,9 +1065,13 @@
             <a:ext cx="6096000" cy="3429000"/>
           </a:xfrm>
           <a:custGeom>
-            <a:rect b="b" l="l" r="r" t="t"/>
+            <a:avLst/>
+            <a:gdLst/>
+            <a:ahLst/>
+            <a:cxnLst/>
+            <a:rect l="l" t="t" r="r" b="b"/>
             <a:pathLst>
-              <a:path extrusionOk="0" h="120000" w="120000">
+              <a:path w="120000" h="120000" extrusionOk="0">
                 <a:moveTo>
                   <a:pt x="0" y="0"/>
                 </a:moveTo>
@@ -1058,9 +1093,11 @@
       <p:sp>
         <p:nvSpPr>
           <p:cNvPr id="84" name="Google Shape;84;gf936e5a4da_0_11:notes"/>
-          <p:cNvSpPr txBox="1"/>
+          <p:cNvSpPr txBox="1">
+            <a:spLocks noGrp="1"/>
+          </p:cNvSpPr>
           <p:nvPr>
-            <p:ph idx="1" type="body"/>
+            <p:ph type="body" idx="1"/>
           </p:nvPr>
         </p:nvSpPr>
         <p:spPr>
@@ -1073,12 +1110,12 @@
           </a:prstGeom>
         </p:spPr>
         <p:txBody>
-          <a:bodyPr anchorCtr="0" anchor="t" bIns="91425" lIns="91425" spcFirstLastPara="1" rIns="91425" wrap="square" tIns="91425">
+          <a:bodyPr spcFirstLastPara="1" wrap="square" lIns="91425" tIns="91425" rIns="91425" bIns="91425" anchor="t" anchorCtr="0">
             <a:noAutofit/>
           </a:bodyPr>
           <a:lstStyle/>
           <a:p>
-            <a:pPr indent="0" lvl="0" marL="0" rtl="0" algn="l">
+            <a:pPr marL="0" lvl="0" indent="0" algn="l" rtl="0">
               <a:spcBef>
                 <a:spcPts val="0"/>
               </a:spcBef>
@@ -1087,9 +1124,6 @@
               </a:spcAft>
               <a:buNone/>
             </a:pPr>
-            <a:r>
-              <a:t/>
-            </a:r>
             <a:endParaRPr/>
           </a:p>
         </p:txBody>
@@ -1103,11 +1137,11 @@
 </file>
 
 <file path=ppt/notesSlides/notesSlide5.xml><?xml version="1.0" encoding="utf-8"?>
-<p:notes xmlns:a="http://schemas.openxmlformats.org/drawingml/2006/main" xmlns:r="http://schemas.openxmlformats.org/officeDocument/2006/relationships" xmlns:mc="http://schemas.openxmlformats.org/markup-compatibility/2006" xmlns:mv="urn:schemas-microsoft-com:mac:vml" xmlns:p="http://schemas.openxmlformats.org/presentationml/2006/main" xmlns:c="http://schemas.openxmlformats.org/drawingml/2006/chart" xmlns:dgm="http://schemas.openxmlformats.org/drawingml/2006/diagram" xmlns:o="urn:schemas-microsoft-com:office:office" xmlns:v="urn:schemas-microsoft-com:vml" xmlns:pvml="urn:schemas-microsoft-com:office:powerpoint" xmlns:com="http://schemas.openxmlformats.org/drawingml/2006/compatibility" xmlns:p14="http://schemas.microsoft.com/office/powerpoint/2010/main" xmlns:p15="http://schemas.microsoft.com/office/powerpoint/2012/main" xmlns:ahyp="http://schemas.microsoft.com/office/drawing/2018/hyperlinkcolor" showMasterPhAnim="0" showMasterSp="0">
+<p:notes xmlns:a="http://schemas.openxmlformats.org/drawingml/2006/main" xmlns:r="http://schemas.openxmlformats.org/officeDocument/2006/relationships" xmlns:p="http://schemas.openxmlformats.org/presentationml/2006/main" showMasterSp="0" showMasterPhAnim="0">
   <p:cSld>
     <p:spTree>
       <p:nvGrpSpPr>
-        <p:cNvPr id="88" name="Shape 88"/>
+        <p:cNvPr id="1" name="Shape 88"/>
         <p:cNvGrpSpPr/>
         <p:nvPr/>
       </p:nvGrpSpPr>
@@ -1122,20 +1156,26 @@
       <p:sp>
         <p:nvSpPr>
           <p:cNvPr id="89" name="Google Shape;89;gf936e5a4da_0_19:notes"/>
-          <p:cNvSpPr/>
+          <p:cNvSpPr>
+            <a:spLocks noGrp="1" noRot="1" noChangeAspect="1"/>
+          </p:cNvSpPr>
           <p:nvPr>
-            <p:ph idx="2" type="sldImg"/>
+            <p:ph type="sldImg" idx="2"/>
           </p:nvPr>
         </p:nvSpPr>
         <p:spPr>
           <a:xfrm>
-            <a:off x="381300" y="685800"/>
+            <a:off x="381000" y="685800"/>
             <a:ext cx="6096000" cy="3429000"/>
           </a:xfrm>
           <a:custGeom>
-            <a:rect b="b" l="l" r="r" t="t"/>
+            <a:avLst/>
+            <a:gdLst/>
+            <a:ahLst/>
+            <a:cxnLst/>
+            <a:rect l="l" t="t" r="r" b="b"/>
             <a:pathLst>
-              <a:path extrusionOk="0" h="120000" w="120000">
+              <a:path w="120000" h="120000" extrusionOk="0">
                 <a:moveTo>
                   <a:pt x="0" y="0"/>
                 </a:moveTo>
@@ -1157,9 +1197,11 @@
       <p:sp>
         <p:nvSpPr>
           <p:cNvPr id="90" name="Google Shape;90;gf936e5a4da_0_19:notes"/>
-          <p:cNvSpPr txBox="1"/>
+          <p:cNvSpPr txBox="1">
+            <a:spLocks noGrp="1"/>
+          </p:cNvSpPr>
           <p:nvPr>
-            <p:ph idx="1" type="body"/>
+            <p:ph type="body" idx="1"/>
           </p:nvPr>
         </p:nvSpPr>
         <p:spPr>
@@ -1172,12 +1214,12 @@
           </a:prstGeom>
         </p:spPr>
         <p:txBody>
-          <a:bodyPr anchorCtr="0" anchor="t" bIns="91425" lIns="91425" spcFirstLastPara="1" rIns="91425" wrap="square" tIns="91425">
+          <a:bodyPr spcFirstLastPara="1" wrap="square" lIns="91425" tIns="91425" rIns="91425" bIns="91425" anchor="t" anchorCtr="0">
             <a:noAutofit/>
           </a:bodyPr>
           <a:lstStyle/>
           <a:p>
-            <a:pPr indent="0" lvl="0" marL="0" rtl="0" algn="l">
+            <a:pPr marL="0" lvl="0" indent="0" algn="l" rtl="0">
               <a:spcBef>
                 <a:spcPts val="0"/>
               </a:spcBef>
@@ -1186,9 +1228,6 @@
               </a:spcAft>
               <a:buNone/>
             </a:pPr>
-            <a:r>
-              <a:t/>
-            </a:r>
             <a:endParaRPr/>
           </a:p>
         </p:txBody>
@@ -1202,11 +1241,11 @@
 </file>
 
 <file path=ppt/notesSlides/notesSlide6.xml><?xml version="1.0" encoding="utf-8"?>
-<p:notes xmlns:a="http://schemas.openxmlformats.org/drawingml/2006/main" xmlns:r="http://schemas.openxmlformats.org/officeDocument/2006/relationships" xmlns:mc="http://schemas.openxmlformats.org/markup-compatibility/2006" xmlns:mv="urn:schemas-microsoft-com:mac:vml" xmlns:p="http://schemas.openxmlformats.org/presentationml/2006/main" xmlns:c="http://schemas.openxmlformats.org/drawingml/2006/chart" xmlns:dgm="http://schemas.openxmlformats.org/drawingml/2006/diagram" xmlns:o="urn:schemas-microsoft-com:office:office" xmlns:v="urn:schemas-microsoft-com:vml" xmlns:pvml="urn:schemas-microsoft-com:office:powerpoint" xmlns:com="http://schemas.openxmlformats.org/drawingml/2006/compatibility" xmlns:p14="http://schemas.microsoft.com/office/powerpoint/2010/main" xmlns:p15="http://schemas.microsoft.com/office/powerpoint/2012/main" xmlns:ahyp="http://schemas.microsoft.com/office/drawing/2018/hyperlinkcolor" showMasterPhAnim="0" showMasterSp="0">
+<p:notes xmlns:a="http://schemas.openxmlformats.org/drawingml/2006/main" xmlns:r="http://schemas.openxmlformats.org/officeDocument/2006/relationships" xmlns:p="http://schemas.openxmlformats.org/presentationml/2006/main" showMasterSp="0" showMasterPhAnim="0">
   <p:cSld>
     <p:spTree>
       <p:nvGrpSpPr>
-        <p:cNvPr id="94" name="Shape 94"/>
+        <p:cNvPr id="1" name="Shape 94"/>
         <p:cNvGrpSpPr/>
         <p:nvPr/>
       </p:nvGrpSpPr>
@@ -1221,20 +1260,26 @@
       <p:sp>
         <p:nvSpPr>
           <p:cNvPr id="95" name="Google Shape;95;gf6289801c5_0_0:notes"/>
-          <p:cNvSpPr/>
+          <p:cNvSpPr>
+            <a:spLocks noGrp="1" noRot="1" noChangeAspect="1"/>
+          </p:cNvSpPr>
           <p:nvPr>
-            <p:ph idx="2" type="sldImg"/>
+            <p:ph type="sldImg" idx="2"/>
           </p:nvPr>
         </p:nvSpPr>
         <p:spPr>
           <a:xfrm>
-            <a:off x="381300" y="685800"/>
+            <a:off x="381000" y="685800"/>
             <a:ext cx="6096000" cy="3429000"/>
           </a:xfrm>
           <a:custGeom>
-            <a:rect b="b" l="l" r="r" t="t"/>
+            <a:avLst/>
+            <a:gdLst/>
+            <a:ahLst/>
+            <a:cxnLst/>
+            <a:rect l="l" t="t" r="r" b="b"/>
             <a:pathLst>
-              <a:path extrusionOk="0" h="120000" w="120000">
+              <a:path w="120000" h="120000" extrusionOk="0">
                 <a:moveTo>
                   <a:pt x="0" y="0"/>
                 </a:moveTo>
@@ -1256,9 +1301,11 @@
       <p:sp>
         <p:nvSpPr>
           <p:cNvPr id="96" name="Google Shape;96;gf6289801c5_0_0:notes"/>
-          <p:cNvSpPr txBox="1"/>
+          <p:cNvSpPr txBox="1">
+            <a:spLocks noGrp="1"/>
+          </p:cNvSpPr>
           <p:nvPr>
-            <p:ph idx="1" type="body"/>
+            <p:ph type="body" idx="1"/>
           </p:nvPr>
         </p:nvSpPr>
         <p:spPr>
@@ -1271,12 +1318,12 @@
           </a:prstGeom>
         </p:spPr>
         <p:txBody>
-          <a:bodyPr anchorCtr="0" anchor="t" bIns="91425" lIns="91425" spcFirstLastPara="1" rIns="91425" wrap="square" tIns="91425">
+          <a:bodyPr spcFirstLastPara="1" wrap="square" lIns="91425" tIns="91425" rIns="91425" bIns="91425" anchor="t" anchorCtr="0">
             <a:noAutofit/>
           </a:bodyPr>
           <a:lstStyle/>
           <a:p>
-            <a:pPr indent="0" lvl="0" marL="0" rtl="0" algn="l">
+            <a:pPr marL="0" lvl="0" indent="0" algn="l" rtl="0">
               <a:spcBef>
                 <a:spcPts val="0"/>
               </a:spcBef>
@@ -1285,108 +1332,6 @@
               </a:spcAft>
               <a:buNone/>
             </a:pPr>
-            <a:r>
-              <a:t/>
-            </a:r>
-            <a:endParaRPr/>
-          </a:p>
-        </p:txBody>
-      </p:sp>
-    </p:spTree>
-  </p:cSld>
-  <p:clrMapOvr>
-    <a:masterClrMapping/>
-  </p:clrMapOvr>
-</p:notes>
-</file>
-
-<file path=ppt/notesSlides/notesSlide7.xml><?xml version="1.0" encoding="utf-8"?>
-<p:notes xmlns:a="http://schemas.openxmlformats.org/drawingml/2006/main" xmlns:r="http://schemas.openxmlformats.org/officeDocument/2006/relationships" xmlns:mc="http://schemas.openxmlformats.org/markup-compatibility/2006" xmlns:mv="urn:schemas-microsoft-com:mac:vml" xmlns:p="http://schemas.openxmlformats.org/presentationml/2006/main" xmlns:c="http://schemas.openxmlformats.org/drawingml/2006/chart" xmlns:dgm="http://schemas.openxmlformats.org/drawingml/2006/diagram" xmlns:o="urn:schemas-microsoft-com:office:office" xmlns:v="urn:schemas-microsoft-com:vml" xmlns:pvml="urn:schemas-microsoft-com:office:powerpoint" xmlns:com="http://schemas.openxmlformats.org/drawingml/2006/compatibility" xmlns:p14="http://schemas.microsoft.com/office/powerpoint/2010/main" xmlns:p15="http://schemas.microsoft.com/office/powerpoint/2012/main" xmlns:ahyp="http://schemas.microsoft.com/office/drawing/2018/hyperlinkcolor" showMasterPhAnim="0" showMasterSp="0">
-  <p:cSld>
-    <p:spTree>
-      <p:nvGrpSpPr>
-        <p:cNvPr id="103" name="Shape 103"/>
-        <p:cNvGrpSpPr/>
-        <p:nvPr/>
-      </p:nvGrpSpPr>
-      <p:grpSpPr>
-        <a:xfrm>
-          <a:off x="0" y="0"/>
-          <a:ext cx="0" cy="0"/>
-          <a:chOff x="0" y="0"/>
-          <a:chExt cx="0" cy="0"/>
-        </a:xfrm>
-      </p:grpSpPr>
-      <p:sp>
-        <p:nvSpPr>
-          <p:cNvPr id="104" name="Google Shape;104;gf936e5a4da_0_25:notes"/>
-          <p:cNvSpPr/>
-          <p:nvPr>
-            <p:ph idx="2" type="sldImg"/>
-          </p:nvPr>
-        </p:nvSpPr>
-        <p:spPr>
-          <a:xfrm>
-            <a:off x="381300" y="685800"/>
-            <a:ext cx="6096000" cy="3429000"/>
-          </a:xfrm>
-          <a:custGeom>
-            <a:rect b="b" l="l" r="r" t="t"/>
-            <a:pathLst>
-              <a:path extrusionOk="0" h="120000" w="120000">
-                <a:moveTo>
-                  <a:pt x="0" y="0"/>
-                </a:moveTo>
-                <a:lnTo>
-                  <a:pt x="120000" y="0"/>
-                </a:lnTo>
-                <a:lnTo>
-                  <a:pt x="120000" y="120000"/>
-                </a:lnTo>
-                <a:lnTo>
-                  <a:pt x="0" y="120000"/>
-                </a:lnTo>
-                <a:close/>
-              </a:path>
-            </a:pathLst>
-          </a:custGeom>
-        </p:spPr>
-      </p:sp>
-      <p:sp>
-        <p:nvSpPr>
-          <p:cNvPr id="105" name="Google Shape;105;gf936e5a4da_0_25:notes"/>
-          <p:cNvSpPr txBox="1"/>
-          <p:nvPr>
-            <p:ph idx="1" type="body"/>
-          </p:nvPr>
-        </p:nvSpPr>
-        <p:spPr>
-          <a:xfrm>
-            <a:off x="685800" y="4343400"/>
-            <a:ext cx="5486400" cy="4114800"/>
-          </a:xfrm>
-          <a:prstGeom prst="rect">
-            <a:avLst/>
-          </a:prstGeom>
-        </p:spPr>
-        <p:txBody>
-          <a:bodyPr anchorCtr="0" anchor="t" bIns="91425" lIns="91425" spcFirstLastPara="1" rIns="91425" wrap="square" tIns="91425">
-            <a:noAutofit/>
-          </a:bodyPr>
-          <a:lstStyle/>
-          <a:p>
-            <a:pPr indent="0" lvl="0" marL="0" rtl="0" algn="l">
-              <a:spcBef>
-                <a:spcPts val="0"/>
-              </a:spcBef>
-              <a:spcAft>
-                <a:spcPts val="0"/>
-              </a:spcAft>
-              <a:buNone/>
-            </a:pPr>
-            <a:r>
-              <a:t/>
-            </a:r>
             <a:endParaRPr/>
           </a:p>
         </p:txBody>
@@ -1400,11 +1345,11 @@
 </file>
 
 <file path=ppt/slideLayouts/slideLayout1.xml><?xml version="1.0" encoding="utf-8"?>
-<p:sldLayout xmlns:a="http://schemas.openxmlformats.org/drawingml/2006/main" xmlns:r="http://schemas.openxmlformats.org/officeDocument/2006/relationships" xmlns:mc="http://schemas.openxmlformats.org/markup-compatibility/2006" xmlns:mv="urn:schemas-microsoft-com:mac:vml" xmlns:p="http://schemas.openxmlformats.org/presentationml/2006/main" xmlns:c="http://schemas.openxmlformats.org/drawingml/2006/chart" xmlns:dgm="http://schemas.openxmlformats.org/drawingml/2006/diagram" xmlns:o="urn:schemas-microsoft-com:office:office" xmlns:v="urn:schemas-microsoft-com:vml" xmlns:pvml="urn:schemas-microsoft-com:office:powerpoint" xmlns:com="http://schemas.openxmlformats.org/drawingml/2006/compatibility" xmlns:p14="http://schemas.microsoft.com/office/powerpoint/2010/main" xmlns:p15="http://schemas.microsoft.com/office/powerpoint/2012/main" xmlns:ahyp="http://schemas.microsoft.com/office/drawing/2018/hyperlinkcolor" matchingName="Title slide" type="title">
+<p:sldLayout xmlns:a="http://schemas.openxmlformats.org/drawingml/2006/main" xmlns:r="http://schemas.openxmlformats.org/officeDocument/2006/relationships" xmlns:p="http://schemas.openxmlformats.org/presentationml/2006/main" matchingName="Title slide" type="title">
   <p:cSld name="TITLE">
     <p:spTree>
       <p:nvGrpSpPr>
-        <p:cNvPr id="9" name="Shape 9"/>
+        <p:cNvPr id="1" name="Shape 9"/>
         <p:cNvGrpSpPr/>
         <p:nvPr/>
       </p:nvGrpSpPr>
@@ -1431,14 +1376,14 @@
             <a:avLst/>
           </a:prstGeom>
           <a:noFill/>
-          <a:ln cap="flat" cmpd="sng" w="76200">
+          <a:ln w="76200" cap="flat" cmpd="sng">
             <a:solidFill>
               <a:schemeClr val="lt2"/>
             </a:solidFill>
             <a:prstDash val="solid"/>
             <a:round/>
-            <a:headEnd len="sm" w="sm" type="none"/>
-            <a:tailEnd len="sm" w="sm" type="none"/>
+            <a:headEnd type="none" w="sm" len="sm"/>
+            <a:tailEnd type="none" w="sm" len="sm"/>
           </a:ln>
         </p:spPr>
       </p:cxnSp>
@@ -1457,14 +1402,14 @@
             <a:avLst/>
           </a:prstGeom>
           <a:noFill/>
-          <a:ln cap="flat" cmpd="sng" w="76200">
+          <a:ln w="76200" cap="flat" cmpd="sng">
             <a:solidFill>
               <a:schemeClr val="lt2"/>
             </a:solidFill>
             <a:prstDash val="solid"/>
             <a:round/>
-            <a:headEnd len="sm" w="sm" type="none"/>
-            <a:tailEnd len="sm" w="sm" type="none"/>
+            <a:headEnd type="none" w="sm" len="sm"/>
+            <a:tailEnd type="none" w="sm" len="sm"/>
           </a:ln>
         </p:spPr>
       </p:cxnSp>
@@ -1497,14 +1442,14 @@
               <a:avLst/>
             </a:prstGeom>
             <a:noFill/>
-            <a:ln cap="flat" cmpd="sng" w="76200">
+            <a:ln w="76200" cap="flat" cmpd="sng">
               <a:solidFill>
                 <a:schemeClr val="accent3"/>
               </a:solidFill>
               <a:prstDash val="solid"/>
               <a:round/>
-              <a:headEnd len="sm" w="sm" type="none"/>
-              <a:tailEnd len="sm" w="sm" type="none"/>
+              <a:headEnd type="none" w="sm" len="sm"/>
+              <a:tailEnd type="none" w="sm" len="sm"/>
             </a:ln>
           </p:spPr>
         </p:cxnSp>
@@ -1523,14 +1468,14 @@
               <a:avLst/>
             </a:prstGeom>
             <a:noFill/>
-            <a:ln cap="flat" cmpd="sng" w="9525">
+            <a:ln w="9525" cap="flat" cmpd="sng">
               <a:solidFill>
                 <a:schemeClr val="accent3"/>
               </a:solidFill>
               <a:prstDash val="solid"/>
               <a:round/>
-              <a:headEnd len="sm" w="sm" type="none"/>
-              <a:tailEnd len="sm" w="sm" type="none"/>
+              <a:headEnd type="none" w="sm" len="sm"/>
+              <a:tailEnd type="none" w="sm" len="sm"/>
             </a:ln>
           </p:spPr>
         </p:cxnSp>
@@ -1564,14 +1509,14 @@
               <a:avLst/>
             </a:prstGeom>
             <a:noFill/>
-            <a:ln cap="flat" cmpd="sng" w="76200">
+            <a:ln w="76200" cap="flat" cmpd="sng">
               <a:solidFill>
                 <a:schemeClr val="accent3"/>
               </a:solidFill>
               <a:prstDash val="solid"/>
               <a:round/>
-              <a:headEnd len="sm" w="sm" type="none"/>
-              <a:tailEnd len="sm" w="sm" type="none"/>
+              <a:headEnd type="none" w="sm" len="sm"/>
+              <a:tailEnd type="none" w="sm" len="sm"/>
             </a:ln>
           </p:spPr>
         </p:cxnSp>
@@ -1590,14 +1535,14 @@
               <a:avLst/>
             </a:prstGeom>
             <a:noFill/>
-            <a:ln cap="flat" cmpd="sng" w="9525">
+            <a:ln w="9525" cap="flat" cmpd="sng">
               <a:solidFill>
                 <a:schemeClr val="accent3"/>
               </a:solidFill>
               <a:prstDash val="solid"/>
               <a:round/>
-              <a:headEnd len="sm" w="sm" type="none"/>
-              <a:tailEnd len="sm" w="sm" type="none"/>
+              <a:headEnd type="none" w="sm" len="sm"/>
+              <a:tailEnd type="none" w="sm" len="sm"/>
             </a:ln>
           </p:spPr>
         </p:cxnSp>
@@ -1605,7 +1550,9 @@
       <p:sp>
         <p:nvSpPr>
           <p:cNvPr id="18" name="Google Shape;18;p2"/>
-          <p:cNvSpPr txBox="1"/>
+          <p:cNvSpPr txBox="1">
+            <a:spLocks noGrp="1"/>
+          </p:cNvSpPr>
           <p:nvPr>
             <p:ph type="ctrTitle"/>
           </p:nvPr>
@@ -1620,7 +1567,7 @@
           </a:prstGeom>
         </p:spPr>
         <p:txBody>
-          <a:bodyPr anchorCtr="0" anchor="b" bIns="91425" lIns="91425" spcFirstLastPara="1" rIns="91425" wrap="square" tIns="91425">
+          <a:bodyPr spcFirstLastPara="1" wrap="square" lIns="91425" tIns="91425" rIns="91425" bIns="91425" anchor="b" anchorCtr="0">
             <a:normAutofit/>
           </a:bodyPr>
           <a:lstStyle>
@@ -1724,15 +1671,19 @@
               <a:defRPr sz="5400"/>
             </a:lvl9pPr>
           </a:lstStyle>
-          <a:p/>
+          <a:p>
+            <a:endParaRPr/>
+          </a:p>
         </p:txBody>
       </p:sp>
       <p:sp>
         <p:nvSpPr>
           <p:cNvPr id="19" name="Google Shape;19;p2"/>
-          <p:cNvSpPr txBox="1"/>
+          <p:cNvSpPr txBox="1">
+            <a:spLocks noGrp="1"/>
+          </p:cNvSpPr>
           <p:nvPr>
-            <p:ph idx="1" type="subTitle"/>
+            <p:ph type="subTitle" idx="1"/>
           </p:nvPr>
         </p:nvSpPr>
         <p:spPr>
@@ -1745,7 +1696,7 @@
           </a:prstGeom>
         </p:spPr>
         <p:txBody>
-          <a:bodyPr anchorCtr="0" anchor="t" bIns="91425" lIns="91425" spcFirstLastPara="1" rIns="91425" wrap="square" tIns="91425">
+          <a:bodyPr spcFirstLastPara="1" wrap="square" lIns="91425" tIns="91425" rIns="91425" bIns="91425" anchor="t" anchorCtr="0">
             <a:normAutofit/>
           </a:bodyPr>
           <a:lstStyle>
@@ -1876,15 +1827,19 @@
               <a:defRPr sz="2400"/>
             </a:lvl9pPr>
           </a:lstStyle>
-          <a:p/>
+          <a:p>
+            <a:endParaRPr/>
+          </a:p>
         </p:txBody>
       </p:sp>
       <p:sp>
         <p:nvSpPr>
           <p:cNvPr id="20" name="Google Shape;20;p2"/>
-          <p:cNvSpPr txBox="1"/>
+          <p:cNvSpPr txBox="1">
+            <a:spLocks noGrp="1"/>
+          </p:cNvSpPr>
           <p:nvPr>
-            <p:ph idx="12" type="sldNum"/>
+            <p:ph type="sldNum" idx="12"/>
           </p:nvPr>
         </p:nvSpPr>
         <p:spPr>
@@ -1897,7 +1852,7 @@
           </a:prstGeom>
         </p:spPr>
         <p:txBody>
-          <a:bodyPr anchorCtr="0" anchor="ctr" bIns="91425" lIns="91425" spcFirstLastPara="1" rIns="91425" wrap="square" tIns="91425">
+          <a:bodyPr spcFirstLastPara="1" wrap="square" lIns="91425" tIns="91425" rIns="91425" bIns="91425" anchor="ctr" anchorCtr="0">
             <a:normAutofit/>
           </a:bodyPr>
           <a:lstStyle>
@@ -1939,7 +1894,7 @@
             </a:lvl9pPr>
           </a:lstStyle>
           <a:p>
-            <a:pPr indent="0" lvl="0" marL="0" rtl="0" algn="r">
+            <a:pPr marL="0" lvl="0" indent="0" algn="r" rtl="0">
               <a:spcBef>
                 <a:spcPts val="0"/>
               </a:spcBef>
@@ -1965,11 +1920,11 @@
 </file>
 
 <file path=ppt/slideLayouts/slideLayout10.xml><?xml version="1.0" encoding="utf-8"?>
-<p:sldLayout xmlns:a="http://schemas.openxmlformats.org/drawingml/2006/main" xmlns:r="http://schemas.openxmlformats.org/officeDocument/2006/relationships" xmlns:mc="http://schemas.openxmlformats.org/markup-compatibility/2006" xmlns:mv="urn:schemas-microsoft-com:mac:vml" xmlns:p="http://schemas.openxmlformats.org/presentationml/2006/main" xmlns:c="http://schemas.openxmlformats.org/drawingml/2006/chart" xmlns:dgm="http://schemas.openxmlformats.org/drawingml/2006/diagram" xmlns:o="urn:schemas-microsoft-com:office:office" xmlns:v="urn:schemas-microsoft-com:vml" xmlns:pvml="urn:schemas-microsoft-com:office:powerpoint" xmlns:com="http://schemas.openxmlformats.org/drawingml/2006/compatibility" xmlns:p14="http://schemas.microsoft.com/office/powerpoint/2010/main" xmlns:p15="http://schemas.microsoft.com/office/powerpoint/2012/main" xmlns:ahyp="http://schemas.microsoft.com/office/drawing/2018/hyperlinkcolor" matchingName="Big number">
+<p:sldLayout xmlns:a="http://schemas.openxmlformats.org/drawingml/2006/main" xmlns:r="http://schemas.openxmlformats.org/officeDocument/2006/relationships" xmlns:p="http://schemas.openxmlformats.org/presentationml/2006/main" matchingName="Big number">
   <p:cSld name="BIG_NUMBER">
     <p:spTree>
       <p:nvGrpSpPr>
-        <p:cNvPr id="55" name="Shape 55"/>
+        <p:cNvPr id="1" name="Shape 55"/>
         <p:cNvGrpSpPr/>
         <p:nvPr/>
       </p:nvGrpSpPr>
@@ -2003,12 +1958,12 @@
           </a:ln>
         </p:spPr>
         <p:txBody>
-          <a:bodyPr anchorCtr="0" anchor="ctr" bIns="91425" lIns="91425" spcFirstLastPara="1" rIns="91425" wrap="square" tIns="91425">
+          <a:bodyPr spcFirstLastPara="1" wrap="square" lIns="91425" tIns="91425" rIns="91425" bIns="91425" anchor="ctr" anchorCtr="0">
             <a:noAutofit/>
           </a:bodyPr>
           <a:lstStyle/>
           <a:p>
-            <a:pPr indent="0" lvl="0" marL="0" rtl="0" algn="l">
+            <a:pPr marL="0" lvl="0" indent="0" algn="l" rtl="0">
               <a:spcBef>
                 <a:spcPts val="0"/>
               </a:spcBef>
@@ -2017,9 +1972,6 @@
               </a:spcAft>
               <a:buNone/>
             </a:pPr>
-            <a:r>
-              <a:t/>
-            </a:r>
             <a:endParaRPr/>
           </a:p>
         </p:txBody>
@@ -2027,9 +1979,11 @@
       <p:sp>
         <p:nvSpPr>
           <p:cNvPr id="57" name="Google Shape;57;p11"/>
-          <p:cNvSpPr txBox="1"/>
+          <p:cNvSpPr txBox="1">
+            <a:spLocks noGrp="1"/>
+          </p:cNvSpPr>
           <p:nvPr>
-            <p:ph hasCustomPrompt="1" type="title"/>
+            <p:ph type="title" hasCustomPrompt="1"/>
           </p:nvPr>
         </p:nvSpPr>
         <p:spPr>
@@ -2042,7 +1996,7 @@
           </a:prstGeom>
         </p:spPr>
         <p:txBody>
-          <a:bodyPr anchorCtr="0" anchor="ctr" bIns="91425" lIns="91425" spcFirstLastPara="1" rIns="91425" wrap="square" tIns="91425">
+          <a:bodyPr spcFirstLastPara="1" wrap="square" lIns="91425" tIns="91425" rIns="91425" bIns="91425" anchor="ctr" anchorCtr="0">
             <a:normAutofit/>
           </a:bodyPr>
           <a:lstStyle>
@@ -2219,9 +2173,11 @@
       <p:sp>
         <p:nvSpPr>
           <p:cNvPr id="58" name="Google Shape;58;p11"/>
-          <p:cNvSpPr txBox="1"/>
+          <p:cNvSpPr txBox="1">
+            <a:spLocks noGrp="1"/>
+          </p:cNvSpPr>
           <p:nvPr>
-            <p:ph idx="1" type="body"/>
+            <p:ph type="body" idx="1"/>
           </p:nvPr>
         </p:nvSpPr>
         <p:spPr>
@@ -2234,11 +2190,11 @@
           </a:prstGeom>
         </p:spPr>
         <p:txBody>
-          <a:bodyPr anchorCtr="0" anchor="t" bIns="91425" lIns="91425" spcFirstLastPara="1" rIns="91425" wrap="square" tIns="91425">
+          <a:bodyPr spcFirstLastPara="1" wrap="square" lIns="91425" tIns="91425" rIns="91425" bIns="91425" anchor="t" anchorCtr="0">
             <a:normAutofit/>
           </a:bodyPr>
           <a:lstStyle>
-            <a:lvl1pPr indent="-342900" lvl="0" marL="457200" algn="ctr">
+            <a:lvl1pPr marL="457200" lvl="0" indent="-342900" algn="ctr">
               <a:spcBef>
                 <a:spcPts val="0"/>
               </a:spcBef>
@@ -2249,7 +2205,7 @@
               <a:buChar char="●"/>
               <a:defRPr/>
             </a:lvl1pPr>
-            <a:lvl2pPr indent="-317500" lvl="1" marL="914400" algn="ctr">
+            <a:lvl2pPr marL="914400" lvl="1" indent="-317500" algn="ctr">
               <a:spcBef>
                 <a:spcPts val="0"/>
               </a:spcBef>
@@ -2260,7 +2216,7 @@
               <a:buChar char="○"/>
               <a:defRPr/>
             </a:lvl2pPr>
-            <a:lvl3pPr indent="-317500" lvl="2" marL="1371600" algn="ctr">
+            <a:lvl3pPr marL="1371600" lvl="2" indent="-317500" algn="ctr">
               <a:spcBef>
                 <a:spcPts val="0"/>
               </a:spcBef>
@@ -2271,7 +2227,7 @@
               <a:buChar char="■"/>
               <a:defRPr/>
             </a:lvl3pPr>
-            <a:lvl4pPr indent="-317500" lvl="3" marL="1828800" algn="ctr">
+            <a:lvl4pPr marL="1828800" lvl="3" indent="-317500" algn="ctr">
               <a:spcBef>
                 <a:spcPts val="0"/>
               </a:spcBef>
@@ -2282,7 +2238,7 @@
               <a:buChar char="●"/>
               <a:defRPr/>
             </a:lvl4pPr>
-            <a:lvl5pPr indent="-317500" lvl="4" marL="2286000" algn="ctr">
+            <a:lvl5pPr marL="2286000" lvl="4" indent="-317500" algn="ctr">
               <a:spcBef>
                 <a:spcPts val="0"/>
               </a:spcBef>
@@ -2293,7 +2249,7 @@
               <a:buChar char="○"/>
               <a:defRPr/>
             </a:lvl5pPr>
-            <a:lvl6pPr indent="-317500" lvl="5" marL="2743200" algn="ctr">
+            <a:lvl6pPr marL="2743200" lvl="5" indent="-317500" algn="ctr">
               <a:spcBef>
                 <a:spcPts val="0"/>
               </a:spcBef>
@@ -2304,7 +2260,7 @@
               <a:buChar char="■"/>
               <a:defRPr/>
             </a:lvl6pPr>
-            <a:lvl7pPr indent="-317500" lvl="6" marL="3200400" algn="ctr">
+            <a:lvl7pPr marL="3200400" lvl="6" indent="-317500" algn="ctr">
               <a:spcBef>
                 <a:spcPts val="0"/>
               </a:spcBef>
@@ -2315,7 +2271,7 @@
               <a:buChar char="●"/>
               <a:defRPr/>
             </a:lvl7pPr>
-            <a:lvl8pPr indent="-317500" lvl="7" marL="3657600" algn="ctr">
+            <a:lvl8pPr marL="3657600" lvl="7" indent="-317500" algn="ctr">
               <a:spcBef>
                 <a:spcPts val="0"/>
               </a:spcBef>
@@ -2326,7 +2282,7 @@
               <a:buChar char="○"/>
               <a:defRPr/>
             </a:lvl8pPr>
-            <a:lvl9pPr indent="-317500" lvl="8" marL="4114800" algn="ctr">
+            <a:lvl9pPr marL="4114800" lvl="8" indent="-317500" algn="ctr">
               <a:spcBef>
                 <a:spcPts val="0"/>
               </a:spcBef>
@@ -2338,15 +2294,19 @@
               <a:defRPr/>
             </a:lvl9pPr>
           </a:lstStyle>
-          <a:p/>
+          <a:p>
+            <a:endParaRPr/>
+          </a:p>
         </p:txBody>
       </p:sp>
       <p:sp>
         <p:nvSpPr>
           <p:cNvPr id="59" name="Google Shape;59;p11"/>
-          <p:cNvSpPr txBox="1"/>
+          <p:cNvSpPr txBox="1">
+            <a:spLocks noGrp="1"/>
+          </p:cNvSpPr>
           <p:nvPr>
-            <p:ph idx="12" type="sldNum"/>
+            <p:ph type="sldNum" idx="12"/>
           </p:nvPr>
         </p:nvSpPr>
         <p:spPr>
@@ -2359,7 +2319,7 @@
           </a:prstGeom>
         </p:spPr>
         <p:txBody>
-          <a:bodyPr anchorCtr="0" anchor="ctr" bIns="91425" lIns="91425" spcFirstLastPara="1" rIns="91425" wrap="square" tIns="91425">
+          <a:bodyPr spcFirstLastPara="1" wrap="square" lIns="91425" tIns="91425" rIns="91425" bIns="91425" anchor="ctr" anchorCtr="0">
             <a:normAutofit/>
           </a:bodyPr>
           <a:lstStyle>
@@ -2401,7 +2361,7 @@
             </a:lvl9pPr>
           </a:lstStyle>
           <a:p>
-            <a:pPr indent="0" lvl="0" marL="0" rtl="0" algn="r">
+            <a:pPr marL="0" lvl="0" indent="0" algn="r" rtl="0">
               <a:spcBef>
                 <a:spcPts val="0"/>
               </a:spcBef>
@@ -2427,11 +2387,11 @@
 </file>
 
 <file path=ppt/slideLayouts/slideLayout11.xml><?xml version="1.0" encoding="utf-8"?>
-<p:sldLayout xmlns:a="http://schemas.openxmlformats.org/drawingml/2006/main" xmlns:r="http://schemas.openxmlformats.org/officeDocument/2006/relationships" xmlns:mc="http://schemas.openxmlformats.org/markup-compatibility/2006" xmlns:mv="urn:schemas-microsoft-com:mac:vml" xmlns:p="http://schemas.openxmlformats.org/presentationml/2006/main" xmlns:c="http://schemas.openxmlformats.org/drawingml/2006/chart" xmlns:dgm="http://schemas.openxmlformats.org/drawingml/2006/diagram" xmlns:o="urn:schemas-microsoft-com:office:office" xmlns:v="urn:schemas-microsoft-com:vml" xmlns:pvml="urn:schemas-microsoft-com:office:powerpoint" xmlns:com="http://schemas.openxmlformats.org/drawingml/2006/compatibility" xmlns:p14="http://schemas.microsoft.com/office/powerpoint/2010/main" xmlns:p15="http://schemas.microsoft.com/office/powerpoint/2012/main" xmlns:ahyp="http://schemas.microsoft.com/office/drawing/2018/hyperlinkcolor" matchingName="Blank" type="blank">
+<p:sldLayout xmlns:a="http://schemas.openxmlformats.org/drawingml/2006/main" xmlns:r="http://schemas.openxmlformats.org/officeDocument/2006/relationships" xmlns:p="http://schemas.openxmlformats.org/presentationml/2006/main" matchingName="Blank" type="blank">
   <p:cSld name="BLANK">
     <p:spTree>
       <p:nvGrpSpPr>
-        <p:cNvPr id="60" name="Shape 60"/>
+        <p:cNvPr id="1" name="Shape 60"/>
         <p:cNvGrpSpPr/>
         <p:nvPr/>
       </p:nvGrpSpPr>
@@ -2446,9 +2406,11 @@
       <p:sp>
         <p:nvSpPr>
           <p:cNvPr id="61" name="Google Shape;61;p12"/>
-          <p:cNvSpPr txBox="1"/>
+          <p:cNvSpPr txBox="1">
+            <a:spLocks noGrp="1"/>
+          </p:cNvSpPr>
           <p:nvPr>
-            <p:ph idx="12" type="sldNum"/>
+            <p:ph type="sldNum" idx="12"/>
           </p:nvPr>
         </p:nvSpPr>
         <p:spPr>
@@ -2461,7 +2423,7 @@
           </a:prstGeom>
         </p:spPr>
         <p:txBody>
-          <a:bodyPr anchorCtr="0" anchor="ctr" bIns="91425" lIns="91425" spcFirstLastPara="1" rIns="91425" wrap="square" tIns="91425">
+          <a:bodyPr spcFirstLastPara="1" wrap="square" lIns="91425" tIns="91425" rIns="91425" bIns="91425" anchor="ctr" anchorCtr="0">
             <a:normAutofit/>
           </a:bodyPr>
           <a:lstStyle>
@@ -2503,7 +2465,7 @@
             </a:lvl9pPr>
           </a:lstStyle>
           <a:p>
-            <a:pPr indent="0" lvl="0" marL="0" rtl="0" algn="r">
+            <a:pPr marL="0" lvl="0" indent="0" algn="r" rtl="0">
               <a:spcBef>
                 <a:spcPts val="0"/>
               </a:spcBef>
@@ -2529,11 +2491,11 @@
 </file>
 
 <file path=ppt/slideLayouts/slideLayout2.xml><?xml version="1.0" encoding="utf-8"?>
-<p:sldLayout xmlns:a="http://schemas.openxmlformats.org/drawingml/2006/main" xmlns:r="http://schemas.openxmlformats.org/officeDocument/2006/relationships" xmlns:mc="http://schemas.openxmlformats.org/markup-compatibility/2006" xmlns:mv="urn:schemas-microsoft-com:mac:vml" xmlns:p="http://schemas.openxmlformats.org/presentationml/2006/main" xmlns:c="http://schemas.openxmlformats.org/drawingml/2006/chart" xmlns:dgm="http://schemas.openxmlformats.org/drawingml/2006/diagram" xmlns:o="urn:schemas-microsoft-com:office:office" xmlns:v="urn:schemas-microsoft-com:vml" xmlns:pvml="urn:schemas-microsoft-com:office:powerpoint" xmlns:com="http://schemas.openxmlformats.org/drawingml/2006/compatibility" xmlns:p14="http://schemas.microsoft.com/office/powerpoint/2010/main" xmlns:p15="http://schemas.microsoft.com/office/powerpoint/2012/main" xmlns:ahyp="http://schemas.microsoft.com/office/drawing/2018/hyperlinkcolor" matchingName="Section header" type="secHead">
+<p:sldLayout xmlns:a="http://schemas.openxmlformats.org/drawingml/2006/main" xmlns:r="http://schemas.openxmlformats.org/officeDocument/2006/relationships" xmlns:p="http://schemas.openxmlformats.org/presentationml/2006/main" matchingName="Section header" type="secHead">
   <p:cSld name="SECTION_HEADER">
     <p:spTree>
       <p:nvGrpSpPr>
-        <p:cNvPr id="21" name="Shape 21"/>
+        <p:cNvPr id="1" name="Shape 21"/>
         <p:cNvGrpSpPr/>
         <p:nvPr/>
       </p:nvGrpSpPr>
@@ -2567,12 +2529,12 @@
           </a:ln>
         </p:spPr>
         <p:txBody>
-          <a:bodyPr anchorCtr="0" anchor="ctr" bIns="91425" lIns="91425" spcFirstLastPara="1" rIns="91425" wrap="square" tIns="91425">
+          <a:bodyPr spcFirstLastPara="1" wrap="square" lIns="91425" tIns="91425" rIns="91425" bIns="91425" anchor="ctr" anchorCtr="0">
             <a:noAutofit/>
           </a:bodyPr>
           <a:lstStyle/>
           <a:p>
-            <a:pPr indent="0" lvl="0" marL="0" rtl="0" algn="l">
+            <a:pPr marL="0" lvl="0" indent="0" algn="l" rtl="0">
               <a:spcBef>
                 <a:spcPts val="0"/>
               </a:spcBef>
@@ -2581,9 +2543,6 @@
               </a:spcAft>
               <a:buNone/>
             </a:pPr>
-            <a:r>
-              <a:t/>
-            </a:r>
             <a:endParaRPr/>
           </a:p>
         </p:txBody>
@@ -2591,7 +2550,9 @@
       <p:sp>
         <p:nvSpPr>
           <p:cNvPr id="23" name="Google Shape;23;p3"/>
-          <p:cNvSpPr txBox="1"/>
+          <p:cNvSpPr txBox="1">
+            <a:spLocks noGrp="1"/>
+          </p:cNvSpPr>
           <p:nvPr>
             <p:ph type="title"/>
           </p:nvPr>
@@ -2606,7 +2567,7 @@
           </a:prstGeom>
         </p:spPr>
         <p:txBody>
-          <a:bodyPr anchorCtr="0" anchor="ctr" bIns="91425" lIns="91425" spcFirstLastPara="1" rIns="91425" wrap="square" tIns="91425">
+          <a:bodyPr spcFirstLastPara="1" wrap="square" lIns="91425" tIns="91425" rIns="91425" bIns="91425" anchor="ctr" anchorCtr="0">
             <a:normAutofit/>
           </a:bodyPr>
           <a:lstStyle>
@@ -2710,15 +2671,19 @@
               <a:defRPr/>
             </a:lvl9pPr>
           </a:lstStyle>
-          <a:p/>
+          <a:p>
+            <a:endParaRPr/>
+          </a:p>
         </p:txBody>
       </p:sp>
       <p:sp>
         <p:nvSpPr>
           <p:cNvPr id="24" name="Google Shape;24;p3"/>
-          <p:cNvSpPr txBox="1"/>
+          <p:cNvSpPr txBox="1">
+            <a:spLocks noGrp="1"/>
+          </p:cNvSpPr>
           <p:nvPr>
-            <p:ph idx="12" type="sldNum"/>
+            <p:ph type="sldNum" idx="12"/>
           </p:nvPr>
         </p:nvSpPr>
         <p:spPr>
@@ -2731,7 +2696,7 @@
           </a:prstGeom>
         </p:spPr>
         <p:txBody>
-          <a:bodyPr anchorCtr="0" anchor="ctr" bIns="91425" lIns="91425" spcFirstLastPara="1" rIns="91425" wrap="square" tIns="91425">
+          <a:bodyPr spcFirstLastPara="1" wrap="square" lIns="91425" tIns="91425" rIns="91425" bIns="91425" anchor="ctr" anchorCtr="0">
             <a:normAutofit/>
           </a:bodyPr>
           <a:lstStyle>
@@ -2809,7 +2774,7 @@
             </a:lvl9pPr>
           </a:lstStyle>
           <a:p>
-            <a:pPr indent="0" lvl="0" marL="0" rtl="0" algn="r">
+            <a:pPr marL="0" lvl="0" indent="0" algn="r" rtl="0">
               <a:spcBef>
                 <a:spcPts val="0"/>
               </a:spcBef>
@@ -2835,11 +2800,11 @@
 </file>
 
 <file path=ppt/slideLayouts/slideLayout3.xml><?xml version="1.0" encoding="utf-8"?>
-<p:sldLayout xmlns:a="http://schemas.openxmlformats.org/drawingml/2006/main" xmlns:r="http://schemas.openxmlformats.org/officeDocument/2006/relationships" xmlns:mc="http://schemas.openxmlformats.org/markup-compatibility/2006" xmlns:mv="urn:schemas-microsoft-com:mac:vml" xmlns:p="http://schemas.openxmlformats.org/presentationml/2006/main" xmlns:c="http://schemas.openxmlformats.org/drawingml/2006/chart" xmlns:dgm="http://schemas.openxmlformats.org/drawingml/2006/diagram" xmlns:o="urn:schemas-microsoft-com:office:office" xmlns:v="urn:schemas-microsoft-com:vml" xmlns:pvml="urn:schemas-microsoft-com:office:powerpoint" xmlns:com="http://schemas.openxmlformats.org/drawingml/2006/compatibility" xmlns:p14="http://schemas.microsoft.com/office/powerpoint/2010/main" xmlns:p15="http://schemas.microsoft.com/office/powerpoint/2012/main" xmlns:ahyp="http://schemas.microsoft.com/office/drawing/2018/hyperlinkcolor" matchingName="Title and body" type="tx">
+<p:sldLayout xmlns:a="http://schemas.openxmlformats.org/drawingml/2006/main" xmlns:r="http://schemas.openxmlformats.org/officeDocument/2006/relationships" xmlns:p="http://schemas.openxmlformats.org/presentationml/2006/main" matchingName="Title and body" type="tx">
   <p:cSld name="TITLE_AND_BODY">
     <p:spTree>
       <p:nvGrpSpPr>
-        <p:cNvPr id="25" name="Shape 25"/>
+        <p:cNvPr id="1" name="Shape 25"/>
         <p:cNvGrpSpPr/>
         <p:nvPr/>
       </p:nvGrpSpPr>
@@ -2873,12 +2838,12 @@
           </a:ln>
         </p:spPr>
         <p:txBody>
-          <a:bodyPr anchorCtr="0" anchor="ctr" bIns="91425" lIns="91425" spcFirstLastPara="1" rIns="91425" wrap="square" tIns="91425">
+          <a:bodyPr spcFirstLastPara="1" wrap="square" lIns="91425" tIns="91425" rIns="91425" bIns="91425" anchor="ctr" anchorCtr="0">
             <a:noAutofit/>
           </a:bodyPr>
           <a:lstStyle/>
           <a:p>
-            <a:pPr indent="0" lvl="0" marL="0" rtl="0" algn="l">
+            <a:pPr marL="0" lvl="0" indent="0" algn="l" rtl="0">
               <a:spcBef>
                 <a:spcPts val="0"/>
               </a:spcBef>
@@ -2887,9 +2852,6 @@
               </a:spcAft>
               <a:buNone/>
             </a:pPr>
-            <a:r>
-              <a:t/>
-            </a:r>
             <a:endParaRPr/>
           </a:p>
         </p:txBody>
@@ -2897,7 +2859,9 @@
       <p:sp>
         <p:nvSpPr>
           <p:cNvPr id="27" name="Google Shape;27;p4"/>
-          <p:cNvSpPr txBox="1"/>
+          <p:cNvSpPr txBox="1">
+            <a:spLocks noGrp="1"/>
+          </p:cNvSpPr>
           <p:nvPr>
             <p:ph type="title"/>
           </p:nvPr>
@@ -2912,7 +2876,7 @@
           </a:prstGeom>
         </p:spPr>
         <p:txBody>
-          <a:bodyPr anchorCtr="0" anchor="t" bIns="91425" lIns="91425" spcFirstLastPara="1" rIns="91425" wrap="square" tIns="91425">
+          <a:bodyPr spcFirstLastPara="1" wrap="square" lIns="91425" tIns="91425" rIns="91425" bIns="91425" anchor="t" anchorCtr="0">
             <a:normAutofit/>
           </a:bodyPr>
           <a:lstStyle>
@@ -3016,15 +2980,19 @@
               <a:defRPr/>
             </a:lvl9pPr>
           </a:lstStyle>
-          <a:p/>
+          <a:p>
+            <a:endParaRPr/>
+          </a:p>
         </p:txBody>
       </p:sp>
       <p:sp>
         <p:nvSpPr>
           <p:cNvPr id="28" name="Google Shape;28;p4"/>
-          <p:cNvSpPr txBox="1"/>
+          <p:cNvSpPr txBox="1">
+            <a:spLocks noGrp="1"/>
+          </p:cNvSpPr>
           <p:nvPr>
-            <p:ph idx="1" type="body"/>
+            <p:ph type="body" idx="1"/>
           </p:nvPr>
         </p:nvSpPr>
         <p:spPr>
@@ -3037,11 +3005,11 @@
           </a:prstGeom>
         </p:spPr>
         <p:txBody>
-          <a:bodyPr anchorCtr="0" anchor="t" bIns="91425" lIns="91425" spcFirstLastPara="1" rIns="91425" wrap="square" tIns="91425">
+          <a:bodyPr spcFirstLastPara="1" wrap="square" lIns="91425" tIns="91425" rIns="91425" bIns="91425" anchor="t" anchorCtr="0">
             <a:normAutofit/>
           </a:bodyPr>
           <a:lstStyle>
-            <a:lvl1pPr indent="-342900" lvl="0" marL="457200">
+            <a:lvl1pPr marL="457200" lvl="0" indent="-342900">
               <a:spcBef>
                 <a:spcPts val="0"/>
               </a:spcBef>
@@ -3052,7 +3020,7 @@
               <a:buChar char="●"/>
               <a:defRPr/>
             </a:lvl1pPr>
-            <a:lvl2pPr indent="-317500" lvl="1" marL="914400">
+            <a:lvl2pPr marL="914400" lvl="1" indent="-317500">
               <a:spcBef>
                 <a:spcPts val="0"/>
               </a:spcBef>
@@ -3063,7 +3031,7 @@
               <a:buChar char="○"/>
               <a:defRPr/>
             </a:lvl2pPr>
-            <a:lvl3pPr indent="-317500" lvl="2" marL="1371600">
+            <a:lvl3pPr marL="1371600" lvl="2" indent="-317500">
               <a:spcBef>
                 <a:spcPts val="0"/>
               </a:spcBef>
@@ -3074,7 +3042,7 @@
               <a:buChar char="■"/>
               <a:defRPr/>
             </a:lvl3pPr>
-            <a:lvl4pPr indent="-317500" lvl="3" marL="1828800">
+            <a:lvl4pPr marL="1828800" lvl="3" indent="-317500">
               <a:spcBef>
                 <a:spcPts val="0"/>
               </a:spcBef>
@@ -3085,7 +3053,7 @@
               <a:buChar char="●"/>
               <a:defRPr/>
             </a:lvl4pPr>
-            <a:lvl5pPr indent="-317500" lvl="4" marL="2286000">
+            <a:lvl5pPr marL="2286000" lvl="4" indent="-317500">
               <a:spcBef>
                 <a:spcPts val="0"/>
               </a:spcBef>
@@ -3096,7 +3064,7 @@
               <a:buChar char="○"/>
               <a:defRPr/>
             </a:lvl5pPr>
-            <a:lvl6pPr indent="-317500" lvl="5" marL="2743200">
+            <a:lvl6pPr marL="2743200" lvl="5" indent="-317500">
               <a:spcBef>
                 <a:spcPts val="0"/>
               </a:spcBef>
@@ -3107,7 +3075,7 @@
               <a:buChar char="■"/>
               <a:defRPr/>
             </a:lvl6pPr>
-            <a:lvl7pPr indent="-317500" lvl="6" marL="3200400">
+            <a:lvl7pPr marL="3200400" lvl="6" indent="-317500">
               <a:spcBef>
                 <a:spcPts val="0"/>
               </a:spcBef>
@@ -3118,7 +3086,7 @@
               <a:buChar char="●"/>
               <a:defRPr/>
             </a:lvl7pPr>
-            <a:lvl8pPr indent="-317500" lvl="7" marL="3657600">
+            <a:lvl8pPr marL="3657600" lvl="7" indent="-317500">
               <a:spcBef>
                 <a:spcPts val="0"/>
               </a:spcBef>
@@ -3129,7 +3097,7 @@
               <a:buChar char="○"/>
               <a:defRPr/>
             </a:lvl8pPr>
-            <a:lvl9pPr indent="-317500" lvl="8" marL="4114800">
+            <a:lvl9pPr marL="4114800" lvl="8" indent="-317500">
               <a:spcBef>
                 <a:spcPts val="0"/>
               </a:spcBef>
@@ -3141,15 +3109,19 @@
               <a:defRPr/>
             </a:lvl9pPr>
           </a:lstStyle>
-          <a:p/>
+          <a:p>
+            <a:endParaRPr/>
+          </a:p>
         </p:txBody>
       </p:sp>
       <p:sp>
         <p:nvSpPr>
           <p:cNvPr id="29" name="Google Shape;29;p4"/>
-          <p:cNvSpPr txBox="1"/>
+          <p:cNvSpPr txBox="1">
+            <a:spLocks noGrp="1"/>
+          </p:cNvSpPr>
           <p:nvPr>
-            <p:ph idx="12" type="sldNum"/>
+            <p:ph type="sldNum" idx="12"/>
           </p:nvPr>
         </p:nvSpPr>
         <p:spPr>
@@ -3162,7 +3134,7 @@
           </a:prstGeom>
         </p:spPr>
         <p:txBody>
-          <a:bodyPr anchorCtr="0" anchor="ctr" bIns="91425" lIns="91425" spcFirstLastPara="1" rIns="91425" wrap="square" tIns="91425">
+          <a:bodyPr spcFirstLastPara="1" wrap="square" lIns="91425" tIns="91425" rIns="91425" bIns="91425" anchor="ctr" anchorCtr="0">
             <a:normAutofit/>
           </a:bodyPr>
           <a:lstStyle>
@@ -3204,7 +3176,7 @@
             </a:lvl9pPr>
           </a:lstStyle>
           <a:p>
-            <a:pPr indent="0" lvl="0" marL="0" rtl="0" algn="r">
+            <a:pPr marL="0" lvl="0" indent="0" algn="r" rtl="0">
               <a:spcBef>
                 <a:spcPts val="0"/>
               </a:spcBef>
@@ -3230,11 +3202,11 @@
 </file>
 
 <file path=ppt/slideLayouts/slideLayout4.xml><?xml version="1.0" encoding="utf-8"?>
-<p:sldLayout xmlns:a="http://schemas.openxmlformats.org/drawingml/2006/main" xmlns:r="http://schemas.openxmlformats.org/officeDocument/2006/relationships" xmlns:mc="http://schemas.openxmlformats.org/markup-compatibility/2006" xmlns:mv="urn:schemas-microsoft-com:mac:vml" xmlns:p="http://schemas.openxmlformats.org/presentationml/2006/main" xmlns:c="http://schemas.openxmlformats.org/drawingml/2006/chart" xmlns:dgm="http://schemas.openxmlformats.org/drawingml/2006/diagram" xmlns:o="urn:schemas-microsoft-com:office:office" xmlns:v="urn:schemas-microsoft-com:vml" xmlns:pvml="urn:schemas-microsoft-com:office:powerpoint" xmlns:com="http://schemas.openxmlformats.org/drawingml/2006/compatibility" xmlns:p14="http://schemas.microsoft.com/office/powerpoint/2010/main" xmlns:p15="http://schemas.microsoft.com/office/powerpoint/2012/main" xmlns:ahyp="http://schemas.microsoft.com/office/drawing/2018/hyperlinkcolor" matchingName="Title and two columns" type="twoColTx">
+<p:sldLayout xmlns:a="http://schemas.openxmlformats.org/drawingml/2006/main" xmlns:r="http://schemas.openxmlformats.org/officeDocument/2006/relationships" xmlns:p="http://schemas.openxmlformats.org/presentationml/2006/main" matchingName="Title and two columns" type="twoColTx">
   <p:cSld name="TITLE_AND_TWO_COLUMNS">
     <p:spTree>
       <p:nvGrpSpPr>
-        <p:cNvPr id="30" name="Shape 30"/>
+        <p:cNvPr id="1" name="Shape 30"/>
         <p:cNvGrpSpPr/>
         <p:nvPr/>
       </p:nvGrpSpPr>
@@ -3249,7 +3221,9 @@
       <p:sp>
         <p:nvSpPr>
           <p:cNvPr id="31" name="Google Shape;31;p5"/>
-          <p:cNvSpPr txBox="1"/>
+          <p:cNvSpPr txBox="1">
+            <a:spLocks noGrp="1"/>
+          </p:cNvSpPr>
           <p:nvPr>
             <p:ph type="title"/>
           </p:nvPr>
@@ -3264,7 +3238,7 @@
           </a:prstGeom>
         </p:spPr>
         <p:txBody>
-          <a:bodyPr anchorCtr="0" anchor="t" bIns="91425" lIns="91425" spcFirstLastPara="1" rIns="91425" wrap="square" tIns="91425">
+          <a:bodyPr spcFirstLastPara="1" wrap="square" lIns="91425" tIns="91425" rIns="91425" bIns="91425" anchor="t" anchorCtr="0">
             <a:normAutofit/>
           </a:bodyPr>
           <a:lstStyle>
@@ -3368,15 +3342,19 @@
               <a:defRPr/>
             </a:lvl9pPr>
           </a:lstStyle>
-          <a:p/>
+          <a:p>
+            <a:endParaRPr/>
+          </a:p>
         </p:txBody>
       </p:sp>
       <p:sp>
         <p:nvSpPr>
           <p:cNvPr id="32" name="Google Shape;32;p5"/>
-          <p:cNvSpPr txBox="1"/>
+          <p:cNvSpPr txBox="1">
+            <a:spLocks noGrp="1"/>
+          </p:cNvSpPr>
           <p:nvPr>
-            <p:ph idx="1" type="body"/>
+            <p:ph type="body" idx="1"/>
           </p:nvPr>
         </p:nvSpPr>
         <p:spPr>
@@ -3389,11 +3367,11 @@
           </a:prstGeom>
         </p:spPr>
         <p:txBody>
-          <a:bodyPr anchorCtr="0" anchor="t" bIns="91425" lIns="91425" spcFirstLastPara="1" rIns="91425" wrap="square" tIns="91425">
+          <a:bodyPr spcFirstLastPara="1" wrap="square" lIns="91425" tIns="91425" rIns="91425" bIns="91425" anchor="t" anchorCtr="0">
             <a:normAutofit/>
           </a:bodyPr>
           <a:lstStyle>
-            <a:lvl1pPr indent="-317500" lvl="0" marL="457200">
+            <a:lvl1pPr marL="457200" lvl="0" indent="-317500">
               <a:spcBef>
                 <a:spcPts val="0"/>
               </a:spcBef>
@@ -3404,7 +3382,7 @@
               <a:buChar char="●"/>
               <a:defRPr sz="1400"/>
             </a:lvl1pPr>
-            <a:lvl2pPr indent="-304800" lvl="1" marL="914400">
+            <a:lvl2pPr marL="914400" lvl="1" indent="-304800">
               <a:spcBef>
                 <a:spcPts val="0"/>
               </a:spcBef>
@@ -3415,7 +3393,7 @@
               <a:buChar char="○"/>
               <a:defRPr sz="1200"/>
             </a:lvl2pPr>
-            <a:lvl3pPr indent="-304800" lvl="2" marL="1371600">
+            <a:lvl3pPr marL="1371600" lvl="2" indent="-304800">
               <a:spcBef>
                 <a:spcPts val="0"/>
               </a:spcBef>
@@ -3426,7 +3404,7 @@
               <a:buChar char="■"/>
               <a:defRPr sz="1200"/>
             </a:lvl3pPr>
-            <a:lvl4pPr indent="-304800" lvl="3" marL="1828800">
+            <a:lvl4pPr marL="1828800" lvl="3" indent="-304800">
               <a:spcBef>
                 <a:spcPts val="0"/>
               </a:spcBef>
@@ -3437,7 +3415,7 @@
               <a:buChar char="●"/>
               <a:defRPr sz="1200"/>
             </a:lvl4pPr>
-            <a:lvl5pPr indent="-304800" lvl="4" marL="2286000">
+            <a:lvl5pPr marL="2286000" lvl="4" indent="-304800">
               <a:spcBef>
                 <a:spcPts val="0"/>
               </a:spcBef>
@@ -3448,7 +3426,7 @@
               <a:buChar char="○"/>
               <a:defRPr sz="1200"/>
             </a:lvl5pPr>
-            <a:lvl6pPr indent="-304800" lvl="5" marL="2743200">
+            <a:lvl6pPr marL="2743200" lvl="5" indent="-304800">
               <a:spcBef>
                 <a:spcPts val="0"/>
               </a:spcBef>
@@ -3459,7 +3437,7 @@
               <a:buChar char="■"/>
               <a:defRPr sz="1200"/>
             </a:lvl6pPr>
-            <a:lvl7pPr indent="-304800" lvl="6" marL="3200400">
+            <a:lvl7pPr marL="3200400" lvl="6" indent="-304800">
               <a:spcBef>
                 <a:spcPts val="0"/>
               </a:spcBef>
@@ -3470,7 +3448,7 @@
               <a:buChar char="●"/>
               <a:defRPr sz="1200"/>
             </a:lvl7pPr>
-            <a:lvl8pPr indent="-304800" lvl="7" marL="3657600">
+            <a:lvl8pPr marL="3657600" lvl="7" indent="-304800">
               <a:spcBef>
                 <a:spcPts val="0"/>
               </a:spcBef>
@@ -3481,7 +3459,7 @@
               <a:buChar char="○"/>
               <a:defRPr sz="1200"/>
             </a:lvl8pPr>
-            <a:lvl9pPr indent="-304800" lvl="8" marL="4114800">
+            <a:lvl9pPr marL="4114800" lvl="8" indent="-304800">
               <a:spcBef>
                 <a:spcPts val="0"/>
               </a:spcBef>
@@ -3493,15 +3471,19 @@
               <a:defRPr sz="1200"/>
             </a:lvl9pPr>
           </a:lstStyle>
-          <a:p/>
+          <a:p>
+            <a:endParaRPr/>
+          </a:p>
         </p:txBody>
       </p:sp>
       <p:sp>
         <p:nvSpPr>
           <p:cNvPr id="33" name="Google Shape;33;p5"/>
-          <p:cNvSpPr txBox="1"/>
+          <p:cNvSpPr txBox="1">
+            <a:spLocks noGrp="1"/>
+          </p:cNvSpPr>
           <p:nvPr>
-            <p:ph idx="2" type="body"/>
+            <p:ph type="body" idx="2"/>
           </p:nvPr>
         </p:nvSpPr>
         <p:spPr>
@@ -3514,11 +3496,11 @@
           </a:prstGeom>
         </p:spPr>
         <p:txBody>
-          <a:bodyPr anchorCtr="0" anchor="t" bIns="91425" lIns="91425" spcFirstLastPara="1" rIns="91425" wrap="square" tIns="91425">
+          <a:bodyPr spcFirstLastPara="1" wrap="square" lIns="91425" tIns="91425" rIns="91425" bIns="91425" anchor="t" anchorCtr="0">
             <a:normAutofit/>
           </a:bodyPr>
           <a:lstStyle>
-            <a:lvl1pPr indent="-317500" lvl="0" marL="457200">
+            <a:lvl1pPr marL="457200" lvl="0" indent="-317500">
               <a:spcBef>
                 <a:spcPts val="0"/>
               </a:spcBef>
@@ -3529,7 +3511,7 @@
               <a:buChar char="●"/>
               <a:defRPr sz="1400"/>
             </a:lvl1pPr>
-            <a:lvl2pPr indent="-304800" lvl="1" marL="914400">
+            <a:lvl2pPr marL="914400" lvl="1" indent="-304800">
               <a:spcBef>
                 <a:spcPts val="0"/>
               </a:spcBef>
@@ -3540,7 +3522,7 @@
               <a:buChar char="○"/>
               <a:defRPr sz="1200"/>
             </a:lvl2pPr>
-            <a:lvl3pPr indent="-304800" lvl="2" marL="1371600">
+            <a:lvl3pPr marL="1371600" lvl="2" indent="-304800">
               <a:spcBef>
                 <a:spcPts val="0"/>
               </a:spcBef>
@@ -3551,7 +3533,7 @@
               <a:buChar char="■"/>
               <a:defRPr sz="1200"/>
             </a:lvl3pPr>
-            <a:lvl4pPr indent="-304800" lvl="3" marL="1828800">
+            <a:lvl4pPr marL="1828800" lvl="3" indent="-304800">
               <a:spcBef>
                 <a:spcPts val="0"/>
               </a:spcBef>
@@ -3562,7 +3544,7 @@
               <a:buChar char="●"/>
               <a:defRPr sz="1200"/>
             </a:lvl4pPr>
-            <a:lvl5pPr indent="-304800" lvl="4" marL="2286000">
+            <a:lvl5pPr marL="2286000" lvl="4" indent="-304800">
               <a:spcBef>
                 <a:spcPts val="0"/>
               </a:spcBef>
@@ -3573,7 +3555,7 @@
               <a:buChar char="○"/>
               <a:defRPr sz="1200"/>
             </a:lvl5pPr>
-            <a:lvl6pPr indent="-304800" lvl="5" marL="2743200">
+            <a:lvl6pPr marL="2743200" lvl="5" indent="-304800">
               <a:spcBef>
                 <a:spcPts val="0"/>
               </a:spcBef>
@@ -3584,7 +3566,7 @@
               <a:buChar char="■"/>
               <a:defRPr sz="1200"/>
             </a:lvl6pPr>
-            <a:lvl7pPr indent="-304800" lvl="6" marL="3200400">
+            <a:lvl7pPr marL="3200400" lvl="6" indent="-304800">
               <a:spcBef>
                 <a:spcPts val="0"/>
               </a:spcBef>
@@ -3595,7 +3577,7 @@
               <a:buChar char="●"/>
               <a:defRPr sz="1200"/>
             </a:lvl7pPr>
-            <a:lvl8pPr indent="-304800" lvl="7" marL="3657600">
+            <a:lvl8pPr marL="3657600" lvl="7" indent="-304800">
               <a:spcBef>
                 <a:spcPts val="0"/>
               </a:spcBef>
@@ -3606,7 +3588,7 @@
               <a:buChar char="○"/>
               <a:defRPr sz="1200"/>
             </a:lvl8pPr>
-            <a:lvl9pPr indent="-304800" lvl="8" marL="4114800">
+            <a:lvl9pPr marL="4114800" lvl="8" indent="-304800">
               <a:spcBef>
                 <a:spcPts val="0"/>
               </a:spcBef>
@@ -3618,15 +3600,19 @@
               <a:defRPr sz="1200"/>
             </a:lvl9pPr>
           </a:lstStyle>
-          <a:p/>
+          <a:p>
+            <a:endParaRPr/>
+          </a:p>
         </p:txBody>
       </p:sp>
       <p:sp>
         <p:nvSpPr>
           <p:cNvPr id="34" name="Google Shape;34;p5"/>
-          <p:cNvSpPr txBox="1"/>
+          <p:cNvSpPr txBox="1">
+            <a:spLocks noGrp="1"/>
+          </p:cNvSpPr>
           <p:nvPr>
-            <p:ph idx="12" type="sldNum"/>
+            <p:ph type="sldNum" idx="12"/>
           </p:nvPr>
         </p:nvSpPr>
         <p:spPr>
@@ -3639,7 +3625,7 @@
           </a:prstGeom>
         </p:spPr>
         <p:txBody>
-          <a:bodyPr anchorCtr="0" anchor="ctr" bIns="91425" lIns="91425" spcFirstLastPara="1" rIns="91425" wrap="square" tIns="91425">
+          <a:bodyPr spcFirstLastPara="1" wrap="square" lIns="91425" tIns="91425" rIns="91425" bIns="91425" anchor="ctr" anchorCtr="0">
             <a:normAutofit/>
           </a:bodyPr>
           <a:lstStyle>
@@ -3681,7 +3667,7 @@
             </a:lvl9pPr>
           </a:lstStyle>
           <a:p>
-            <a:pPr indent="0" lvl="0" marL="0" rtl="0" algn="r">
+            <a:pPr marL="0" lvl="0" indent="0" algn="r" rtl="0">
               <a:spcBef>
                 <a:spcPts val="0"/>
               </a:spcBef>
@@ -3707,11 +3693,11 @@
 </file>
 
 <file path=ppt/slideLayouts/slideLayout5.xml><?xml version="1.0" encoding="utf-8"?>
-<p:sldLayout xmlns:a="http://schemas.openxmlformats.org/drawingml/2006/main" xmlns:r="http://schemas.openxmlformats.org/officeDocument/2006/relationships" xmlns:mc="http://schemas.openxmlformats.org/markup-compatibility/2006" xmlns:mv="urn:schemas-microsoft-com:mac:vml" xmlns:p="http://schemas.openxmlformats.org/presentationml/2006/main" xmlns:c="http://schemas.openxmlformats.org/drawingml/2006/chart" xmlns:dgm="http://schemas.openxmlformats.org/drawingml/2006/diagram" xmlns:o="urn:schemas-microsoft-com:office:office" xmlns:v="urn:schemas-microsoft-com:vml" xmlns:pvml="urn:schemas-microsoft-com:office:powerpoint" xmlns:com="http://schemas.openxmlformats.org/drawingml/2006/compatibility" xmlns:p14="http://schemas.microsoft.com/office/powerpoint/2010/main" xmlns:p15="http://schemas.microsoft.com/office/powerpoint/2012/main" xmlns:ahyp="http://schemas.microsoft.com/office/drawing/2018/hyperlinkcolor" matchingName="Title only" type="titleOnly">
+<p:sldLayout xmlns:a="http://schemas.openxmlformats.org/drawingml/2006/main" xmlns:r="http://schemas.openxmlformats.org/officeDocument/2006/relationships" xmlns:p="http://schemas.openxmlformats.org/presentationml/2006/main" matchingName="Title only" type="titleOnly">
   <p:cSld name="TITLE_ONLY">
     <p:spTree>
       <p:nvGrpSpPr>
-        <p:cNvPr id="35" name="Shape 35"/>
+        <p:cNvPr id="1" name="Shape 35"/>
         <p:cNvGrpSpPr/>
         <p:nvPr/>
       </p:nvGrpSpPr>
@@ -3726,7 +3712,9 @@
       <p:sp>
         <p:nvSpPr>
           <p:cNvPr id="36" name="Google Shape;36;p6"/>
-          <p:cNvSpPr txBox="1"/>
+          <p:cNvSpPr txBox="1">
+            <a:spLocks noGrp="1"/>
+          </p:cNvSpPr>
           <p:nvPr>
             <p:ph type="title"/>
           </p:nvPr>
@@ -3741,7 +3729,7 @@
           </a:prstGeom>
         </p:spPr>
         <p:txBody>
-          <a:bodyPr anchorCtr="0" anchor="t" bIns="91425" lIns="91425" spcFirstLastPara="1" rIns="91425" wrap="square" tIns="91425">
+          <a:bodyPr spcFirstLastPara="1" wrap="square" lIns="91425" tIns="91425" rIns="91425" bIns="91425" anchor="t" anchorCtr="0">
             <a:normAutofit/>
           </a:bodyPr>
           <a:lstStyle>
@@ -3845,15 +3833,19 @@
               <a:defRPr/>
             </a:lvl9pPr>
           </a:lstStyle>
-          <a:p/>
+          <a:p>
+            <a:endParaRPr/>
+          </a:p>
         </p:txBody>
       </p:sp>
       <p:sp>
         <p:nvSpPr>
           <p:cNvPr id="37" name="Google Shape;37;p6"/>
-          <p:cNvSpPr txBox="1"/>
+          <p:cNvSpPr txBox="1">
+            <a:spLocks noGrp="1"/>
+          </p:cNvSpPr>
           <p:nvPr>
-            <p:ph idx="12" type="sldNum"/>
+            <p:ph type="sldNum" idx="12"/>
           </p:nvPr>
         </p:nvSpPr>
         <p:spPr>
@@ -3866,7 +3858,7 @@
           </a:prstGeom>
         </p:spPr>
         <p:txBody>
-          <a:bodyPr anchorCtr="0" anchor="ctr" bIns="91425" lIns="91425" spcFirstLastPara="1" rIns="91425" wrap="square" tIns="91425">
+          <a:bodyPr spcFirstLastPara="1" wrap="square" lIns="91425" tIns="91425" rIns="91425" bIns="91425" anchor="ctr" anchorCtr="0">
             <a:normAutofit/>
           </a:bodyPr>
           <a:lstStyle>
@@ -3908,7 +3900,7 @@
             </a:lvl9pPr>
           </a:lstStyle>
           <a:p>
-            <a:pPr indent="0" lvl="0" marL="0" rtl="0" algn="r">
+            <a:pPr marL="0" lvl="0" indent="0" algn="r" rtl="0">
               <a:spcBef>
                 <a:spcPts val="0"/>
               </a:spcBef>
@@ -3934,11 +3926,11 @@
 </file>
 
 <file path=ppt/slideLayouts/slideLayout6.xml><?xml version="1.0" encoding="utf-8"?>
-<p:sldLayout xmlns:a="http://schemas.openxmlformats.org/drawingml/2006/main" xmlns:r="http://schemas.openxmlformats.org/officeDocument/2006/relationships" xmlns:mc="http://schemas.openxmlformats.org/markup-compatibility/2006" xmlns:mv="urn:schemas-microsoft-com:mac:vml" xmlns:p="http://schemas.openxmlformats.org/presentationml/2006/main" xmlns:c="http://schemas.openxmlformats.org/drawingml/2006/chart" xmlns:dgm="http://schemas.openxmlformats.org/drawingml/2006/diagram" xmlns:o="urn:schemas-microsoft-com:office:office" xmlns:v="urn:schemas-microsoft-com:vml" xmlns:pvml="urn:schemas-microsoft-com:office:powerpoint" xmlns:com="http://schemas.openxmlformats.org/drawingml/2006/compatibility" xmlns:p14="http://schemas.microsoft.com/office/powerpoint/2010/main" xmlns:p15="http://schemas.microsoft.com/office/powerpoint/2012/main" xmlns:ahyp="http://schemas.microsoft.com/office/drawing/2018/hyperlinkcolor" matchingName="One column text">
+<p:sldLayout xmlns:a="http://schemas.openxmlformats.org/drawingml/2006/main" xmlns:r="http://schemas.openxmlformats.org/officeDocument/2006/relationships" xmlns:p="http://schemas.openxmlformats.org/presentationml/2006/main" matchingName="One column text">
   <p:cSld name="ONE_COLUMN_TEXT">
     <p:spTree>
       <p:nvGrpSpPr>
-        <p:cNvPr id="38" name="Shape 38"/>
+        <p:cNvPr id="1" name="Shape 38"/>
         <p:cNvGrpSpPr/>
         <p:nvPr/>
       </p:nvGrpSpPr>
@@ -3953,7 +3945,9 @@
       <p:sp>
         <p:nvSpPr>
           <p:cNvPr id="39" name="Google Shape;39;p7"/>
-          <p:cNvSpPr txBox="1"/>
+          <p:cNvSpPr txBox="1">
+            <a:spLocks noGrp="1"/>
+          </p:cNvSpPr>
           <p:nvPr>
             <p:ph type="title"/>
           </p:nvPr>
@@ -3968,7 +3962,7 @@
           </a:prstGeom>
         </p:spPr>
         <p:txBody>
-          <a:bodyPr anchorCtr="0" anchor="b" bIns="91425" lIns="91425" spcFirstLastPara="1" rIns="91425" wrap="square" tIns="91425">
+          <a:bodyPr spcFirstLastPara="1" wrap="square" lIns="91425" tIns="91425" rIns="91425" bIns="91425" anchor="b" anchorCtr="0">
             <a:normAutofit/>
           </a:bodyPr>
           <a:lstStyle>
@@ -4072,15 +4066,19 @@
               <a:defRPr sz="2400"/>
             </a:lvl9pPr>
           </a:lstStyle>
-          <a:p/>
+          <a:p>
+            <a:endParaRPr/>
+          </a:p>
         </p:txBody>
       </p:sp>
       <p:sp>
         <p:nvSpPr>
           <p:cNvPr id="40" name="Google Shape;40;p7"/>
-          <p:cNvSpPr txBox="1"/>
+          <p:cNvSpPr txBox="1">
+            <a:spLocks noGrp="1"/>
+          </p:cNvSpPr>
           <p:nvPr>
-            <p:ph idx="1" type="body"/>
+            <p:ph type="body" idx="1"/>
           </p:nvPr>
         </p:nvSpPr>
         <p:spPr>
@@ -4093,11 +4091,11 @@
           </a:prstGeom>
         </p:spPr>
         <p:txBody>
-          <a:bodyPr anchorCtr="0" anchor="t" bIns="91425" lIns="91425" spcFirstLastPara="1" rIns="91425" wrap="square" tIns="91425">
+          <a:bodyPr spcFirstLastPara="1" wrap="square" lIns="91425" tIns="91425" rIns="91425" bIns="91425" anchor="t" anchorCtr="0">
             <a:normAutofit/>
           </a:bodyPr>
           <a:lstStyle>
-            <a:lvl1pPr indent="-304800" lvl="0" marL="457200">
+            <a:lvl1pPr marL="457200" lvl="0" indent="-304800">
               <a:spcBef>
                 <a:spcPts val="0"/>
               </a:spcBef>
@@ -4108,7 +4106,7 @@
               <a:buChar char="●"/>
               <a:defRPr sz="1200"/>
             </a:lvl1pPr>
-            <a:lvl2pPr indent="-304800" lvl="1" marL="914400">
+            <a:lvl2pPr marL="914400" lvl="1" indent="-304800">
               <a:spcBef>
                 <a:spcPts val="0"/>
               </a:spcBef>
@@ -4119,7 +4117,7 @@
               <a:buChar char="○"/>
               <a:defRPr sz="1200"/>
             </a:lvl2pPr>
-            <a:lvl3pPr indent="-304800" lvl="2" marL="1371600">
+            <a:lvl3pPr marL="1371600" lvl="2" indent="-304800">
               <a:spcBef>
                 <a:spcPts val="0"/>
               </a:spcBef>
@@ -4130,7 +4128,7 @@
               <a:buChar char="■"/>
               <a:defRPr sz="1200"/>
             </a:lvl3pPr>
-            <a:lvl4pPr indent="-304800" lvl="3" marL="1828800">
+            <a:lvl4pPr marL="1828800" lvl="3" indent="-304800">
               <a:spcBef>
                 <a:spcPts val="0"/>
               </a:spcBef>
@@ -4141,7 +4139,7 @@
               <a:buChar char="●"/>
               <a:defRPr sz="1200"/>
             </a:lvl4pPr>
-            <a:lvl5pPr indent="-304800" lvl="4" marL="2286000">
+            <a:lvl5pPr marL="2286000" lvl="4" indent="-304800">
               <a:spcBef>
                 <a:spcPts val="0"/>
               </a:spcBef>
@@ -4152,7 +4150,7 @@
               <a:buChar char="○"/>
               <a:defRPr sz="1200"/>
             </a:lvl5pPr>
-            <a:lvl6pPr indent="-304800" lvl="5" marL="2743200">
+            <a:lvl6pPr marL="2743200" lvl="5" indent="-304800">
               <a:spcBef>
                 <a:spcPts val="0"/>
               </a:spcBef>
@@ -4163,7 +4161,7 @@
               <a:buChar char="■"/>
               <a:defRPr sz="1200"/>
             </a:lvl6pPr>
-            <a:lvl7pPr indent="-304800" lvl="6" marL="3200400">
+            <a:lvl7pPr marL="3200400" lvl="6" indent="-304800">
               <a:spcBef>
                 <a:spcPts val="0"/>
               </a:spcBef>
@@ -4174,7 +4172,7 @@
               <a:buChar char="●"/>
               <a:defRPr sz="1200"/>
             </a:lvl7pPr>
-            <a:lvl8pPr indent="-304800" lvl="7" marL="3657600">
+            <a:lvl8pPr marL="3657600" lvl="7" indent="-304800">
               <a:spcBef>
                 <a:spcPts val="0"/>
               </a:spcBef>
@@ -4185,7 +4183,7 @@
               <a:buChar char="○"/>
               <a:defRPr sz="1200"/>
             </a:lvl8pPr>
-            <a:lvl9pPr indent="-304800" lvl="8" marL="4114800">
+            <a:lvl9pPr marL="4114800" lvl="8" indent="-304800">
               <a:spcBef>
                 <a:spcPts val="0"/>
               </a:spcBef>
@@ -4197,15 +4195,19 @@
               <a:defRPr sz="1200"/>
             </a:lvl9pPr>
           </a:lstStyle>
-          <a:p/>
+          <a:p>
+            <a:endParaRPr/>
+          </a:p>
         </p:txBody>
       </p:sp>
       <p:sp>
         <p:nvSpPr>
           <p:cNvPr id="41" name="Google Shape;41;p7"/>
-          <p:cNvSpPr txBox="1"/>
+          <p:cNvSpPr txBox="1">
+            <a:spLocks noGrp="1"/>
+          </p:cNvSpPr>
           <p:nvPr>
-            <p:ph idx="12" type="sldNum"/>
+            <p:ph type="sldNum" idx="12"/>
           </p:nvPr>
         </p:nvSpPr>
         <p:spPr>
@@ -4218,7 +4220,7 @@
           </a:prstGeom>
         </p:spPr>
         <p:txBody>
-          <a:bodyPr anchorCtr="0" anchor="ctr" bIns="91425" lIns="91425" spcFirstLastPara="1" rIns="91425" wrap="square" tIns="91425">
+          <a:bodyPr spcFirstLastPara="1" wrap="square" lIns="91425" tIns="91425" rIns="91425" bIns="91425" anchor="ctr" anchorCtr="0">
             <a:normAutofit/>
           </a:bodyPr>
           <a:lstStyle>
@@ -4260,7 +4262,7 @@
             </a:lvl9pPr>
           </a:lstStyle>
           <a:p>
-            <a:pPr indent="0" lvl="0" marL="0" rtl="0" algn="r">
+            <a:pPr marL="0" lvl="0" indent="0" algn="r" rtl="0">
               <a:spcBef>
                 <a:spcPts val="0"/>
               </a:spcBef>
@@ -4286,18 +4288,19 @@
 </file>
 
 <file path=ppt/slideLayouts/slideLayout7.xml><?xml version="1.0" encoding="utf-8"?>
-<p:sldLayout xmlns:a="http://schemas.openxmlformats.org/drawingml/2006/main" xmlns:r="http://schemas.openxmlformats.org/officeDocument/2006/relationships" xmlns:mc="http://schemas.openxmlformats.org/markup-compatibility/2006" xmlns:mv="urn:schemas-microsoft-com:mac:vml" xmlns:p="http://schemas.openxmlformats.org/presentationml/2006/main" xmlns:c="http://schemas.openxmlformats.org/drawingml/2006/chart" xmlns:dgm="http://schemas.openxmlformats.org/drawingml/2006/diagram" xmlns:o="urn:schemas-microsoft-com:office:office" xmlns:v="urn:schemas-microsoft-com:vml" xmlns:pvml="urn:schemas-microsoft-com:office:powerpoint" xmlns:com="http://schemas.openxmlformats.org/drawingml/2006/compatibility" xmlns:p14="http://schemas.microsoft.com/office/powerpoint/2010/main" xmlns:p15="http://schemas.microsoft.com/office/powerpoint/2012/main" xmlns:ahyp="http://schemas.microsoft.com/office/drawing/2018/hyperlinkcolor" matchingName="Main point">
+<p:sldLayout xmlns:a="http://schemas.openxmlformats.org/drawingml/2006/main" xmlns:r="http://schemas.openxmlformats.org/officeDocument/2006/relationships" xmlns:p="http://schemas.openxmlformats.org/presentationml/2006/main" matchingName="Main point">
   <p:cSld name="MAIN_POINT">
     <p:bg>
       <p:bgPr>
         <a:solidFill>
           <a:schemeClr val="accent6"/>
         </a:solidFill>
+        <a:effectLst/>
       </p:bgPr>
     </p:bg>
     <p:spTree>
       <p:nvGrpSpPr>
-        <p:cNvPr id="42" name="Shape 42"/>
+        <p:cNvPr id="1" name="Shape 42"/>
         <p:cNvGrpSpPr/>
         <p:nvPr/>
       </p:nvGrpSpPr>
@@ -4312,7 +4315,9 @@
       <p:sp>
         <p:nvSpPr>
           <p:cNvPr id="43" name="Google Shape;43;p8"/>
-          <p:cNvSpPr txBox="1"/>
+          <p:cNvSpPr txBox="1">
+            <a:spLocks noGrp="1"/>
+          </p:cNvSpPr>
           <p:nvPr>
             <p:ph type="title"/>
           </p:nvPr>
@@ -4327,7 +4332,7 @@
           </a:prstGeom>
         </p:spPr>
         <p:txBody>
-          <a:bodyPr anchorCtr="0" anchor="ctr" bIns="91425" lIns="91425" spcFirstLastPara="1" rIns="91425" wrap="square" tIns="91425">
+          <a:bodyPr spcFirstLastPara="1" wrap="square" lIns="91425" tIns="91425" rIns="91425" bIns="91425" anchor="ctr" anchorCtr="0">
             <a:normAutofit/>
           </a:bodyPr>
           <a:lstStyle>
@@ -4343,7 +4348,7 @@
               </a:buClr>
               <a:buSzPts val="5400"/>
               <a:buNone/>
-              <a:defRPr b="0" sz="5400">
+              <a:defRPr sz="5400" b="0">
                 <a:solidFill>
                   <a:schemeClr val="dk2"/>
                 </a:solidFill>
@@ -4361,7 +4366,7 @@
               </a:buClr>
               <a:buSzPts val="5400"/>
               <a:buNone/>
-              <a:defRPr b="0" sz="5400">
+              <a:defRPr sz="5400" b="0">
                 <a:solidFill>
                   <a:schemeClr val="dk2"/>
                 </a:solidFill>
@@ -4379,7 +4384,7 @@
               </a:buClr>
               <a:buSzPts val="5400"/>
               <a:buNone/>
-              <a:defRPr b="0" sz="5400">
+              <a:defRPr sz="5400" b="0">
                 <a:solidFill>
                   <a:schemeClr val="dk2"/>
                 </a:solidFill>
@@ -4397,7 +4402,7 @@
               </a:buClr>
               <a:buSzPts val="5400"/>
               <a:buNone/>
-              <a:defRPr b="0" sz="5400">
+              <a:defRPr sz="5400" b="0">
                 <a:solidFill>
                   <a:schemeClr val="dk2"/>
                 </a:solidFill>
@@ -4415,7 +4420,7 @@
               </a:buClr>
               <a:buSzPts val="5400"/>
               <a:buNone/>
-              <a:defRPr b="0" sz="5400">
+              <a:defRPr sz="5400" b="0">
                 <a:solidFill>
                   <a:schemeClr val="dk2"/>
                 </a:solidFill>
@@ -4433,7 +4438,7 @@
               </a:buClr>
               <a:buSzPts val="5400"/>
               <a:buNone/>
-              <a:defRPr b="0" sz="5400">
+              <a:defRPr sz="5400" b="0">
                 <a:solidFill>
                   <a:schemeClr val="dk2"/>
                 </a:solidFill>
@@ -4451,7 +4456,7 @@
               </a:buClr>
               <a:buSzPts val="5400"/>
               <a:buNone/>
-              <a:defRPr b="0" sz="5400">
+              <a:defRPr sz="5400" b="0">
                 <a:solidFill>
                   <a:schemeClr val="dk2"/>
                 </a:solidFill>
@@ -4469,7 +4474,7 @@
               </a:buClr>
               <a:buSzPts val="5400"/>
               <a:buNone/>
-              <a:defRPr b="0" sz="5400">
+              <a:defRPr sz="5400" b="0">
                 <a:solidFill>
                   <a:schemeClr val="dk2"/>
                 </a:solidFill>
@@ -4487,22 +4492,26 @@
               </a:buClr>
               <a:buSzPts val="5400"/>
               <a:buNone/>
-              <a:defRPr b="0" sz="5400">
+              <a:defRPr sz="5400" b="0">
                 <a:solidFill>
                   <a:schemeClr val="dk2"/>
                 </a:solidFill>
               </a:defRPr>
             </a:lvl9pPr>
           </a:lstStyle>
-          <a:p/>
+          <a:p>
+            <a:endParaRPr/>
+          </a:p>
         </p:txBody>
       </p:sp>
       <p:sp>
         <p:nvSpPr>
           <p:cNvPr id="44" name="Google Shape;44;p8"/>
-          <p:cNvSpPr txBox="1"/>
+          <p:cNvSpPr txBox="1">
+            <a:spLocks noGrp="1"/>
+          </p:cNvSpPr>
           <p:nvPr>
-            <p:ph idx="12" type="sldNum"/>
+            <p:ph type="sldNum" idx="12"/>
           </p:nvPr>
         </p:nvSpPr>
         <p:spPr>
@@ -4515,7 +4524,7 @@
           </a:prstGeom>
         </p:spPr>
         <p:txBody>
-          <a:bodyPr anchorCtr="0" anchor="ctr" bIns="91425" lIns="91425" spcFirstLastPara="1" rIns="91425" wrap="square" tIns="91425">
+          <a:bodyPr spcFirstLastPara="1" wrap="square" lIns="91425" tIns="91425" rIns="91425" bIns="91425" anchor="ctr" anchorCtr="0">
             <a:normAutofit/>
           </a:bodyPr>
           <a:lstStyle>
@@ -4557,7 +4566,7 @@
             </a:lvl9pPr>
           </a:lstStyle>
           <a:p>
-            <a:pPr indent="0" lvl="0" marL="0" rtl="0" algn="r">
+            <a:pPr marL="0" lvl="0" indent="0" algn="r" rtl="0">
               <a:spcBef>
                 <a:spcPts val="0"/>
               </a:spcBef>
@@ -4583,11 +4592,11 @@
 </file>
 
 <file path=ppt/slideLayouts/slideLayout8.xml><?xml version="1.0" encoding="utf-8"?>
-<p:sldLayout xmlns:a="http://schemas.openxmlformats.org/drawingml/2006/main" xmlns:r="http://schemas.openxmlformats.org/officeDocument/2006/relationships" xmlns:mc="http://schemas.openxmlformats.org/markup-compatibility/2006" xmlns:mv="urn:schemas-microsoft-com:mac:vml" xmlns:p="http://schemas.openxmlformats.org/presentationml/2006/main" xmlns:c="http://schemas.openxmlformats.org/drawingml/2006/chart" xmlns:dgm="http://schemas.openxmlformats.org/drawingml/2006/diagram" xmlns:o="urn:schemas-microsoft-com:office:office" xmlns:v="urn:schemas-microsoft-com:vml" xmlns:pvml="urn:schemas-microsoft-com:office:powerpoint" xmlns:com="http://schemas.openxmlformats.org/drawingml/2006/compatibility" xmlns:p14="http://schemas.microsoft.com/office/powerpoint/2010/main" xmlns:p15="http://schemas.microsoft.com/office/powerpoint/2012/main" xmlns:ahyp="http://schemas.microsoft.com/office/drawing/2018/hyperlinkcolor" matchingName="Section title and description">
+<p:sldLayout xmlns:a="http://schemas.openxmlformats.org/drawingml/2006/main" xmlns:r="http://schemas.openxmlformats.org/officeDocument/2006/relationships" xmlns:p="http://schemas.openxmlformats.org/presentationml/2006/main" matchingName="Section title and description">
   <p:cSld name="SECTION_TITLE_AND_DESCRIPTION">
     <p:spTree>
       <p:nvGrpSpPr>
-        <p:cNvPr id="45" name="Shape 45"/>
+        <p:cNvPr id="1" name="Shape 45"/>
         <p:cNvGrpSpPr/>
         <p:nvPr/>
       </p:nvGrpSpPr>
@@ -4621,12 +4630,12 @@
           </a:ln>
         </p:spPr>
         <p:txBody>
-          <a:bodyPr anchorCtr="0" anchor="ctr" bIns="91425" lIns="91425" spcFirstLastPara="1" rIns="91425" wrap="square" tIns="91425">
+          <a:bodyPr spcFirstLastPara="1" wrap="square" lIns="91425" tIns="91425" rIns="91425" bIns="91425" anchor="ctr" anchorCtr="0">
             <a:noAutofit/>
           </a:bodyPr>
           <a:lstStyle/>
           <a:p>
-            <a:pPr indent="0" lvl="0" marL="0" rtl="0" algn="l">
+            <a:pPr marL="0" lvl="0" indent="0" algn="l" rtl="0">
               <a:spcBef>
                 <a:spcPts val="0"/>
               </a:spcBef>
@@ -4635,9 +4644,6 @@
               </a:spcAft>
               <a:buNone/>
             </a:pPr>
-            <a:r>
-              <a:t/>
-            </a:r>
             <a:endParaRPr/>
           </a:p>
         </p:txBody>
@@ -4657,21 +4663,23 @@
             <a:avLst/>
           </a:prstGeom>
           <a:noFill/>
-          <a:ln cap="flat" cmpd="sng" w="19050">
+          <a:ln w="19050" cap="flat" cmpd="sng">
             <a:solidFill>
               <a:schemeClr val="lt1"/>
             </a:solidFill>
             <a:prstDash val="solid"/>
             <a:round/>
-            <a:headEnd len="sm" w="sm" type="none"/>
-            <a:tailEnd len="sm" w="sm" type="none"/>
+            <a:headEnd type="none" w="sm" len="sm"/>
+            <a:tailEnd type="none" w="sm" len="sm"/>
           </a:ln>
         </p:spPr>
       </p:cxnSp>
       <p:sp>
         <p:nvSpPr>
           <p:cNvPr id="48" name="Google Shape;48;p9"/>
-          <p:cNvSpPr txBox="1"/>
+          <p:cNvSpPr txBox="1">
+            <a:spLocks noGrp="1"/>
+          </p:cNvSpPr>
           <p:nvPr>
             <p:ph type="title"/>
           </p:nvPr>
@@ -4686,7 +4694,7 @@
           </a:prstGeom>
         </p:spPr>
         <p:txBody>
-          <a:bodyPr anchorCtr="0" anchor="b" bIns="91425" lIns="91425" spcFirstLastPara="1" rIns="91425" wrap="square" tIns="91425">
+          <a:bodyPr spcFirstLastPara="1" wrap="square" lIns="91425" tIns="91425" rIns="91425" bIns="91425" anchor="b" anchorCtr="0">
             <a:normAutofit/>
           </a:bodyPr>
           <a:lstStyle>
@@ -4790,15 +4798,19 @@
               <a:defRPr sz="4200"/>
             </a:lvl9pPr>
           </a:lstStyle>
-          <a:p/>
+          <a:p>
+            <a:endParaRPr/>
+          </a:p>
         </p:txBody>
       </p:sp>
       <p:sp>
         <p:nvSpPr>
           <p:cNvPr id="49" name="Google Shape;49;p9"/>
-          <p:cNvSpPr txBox="1"/>
+          <p:cNvSpPr txBox="1">
+            <a:spLocks noGrp="1"/>
+          </p:cNvSpPr>
           <p:nvPr>
-            <p:ph idx="1" type="subTitle"/>
+            <p:ph type="subTitle" idx="1"/>
           </p:nvPr>
         </p:nvSpPr>
         <p:spPr>
@@ -4811,7 +4823,7 @@
           </a:prstGeom>
         </p:spPr>
         <p:txBody>
-          <a:bodyPr anchorCtr="0" anchor="t" bIns="91425" lIns="91425" spcFirstLastPara="1" rIns="91425" wrap="square" tIns="91425">
+          <a:bodyPr spcFirstLastPara="1" wrap="square" lIns="91425" tIns="91425" rIns="91425" bIns="91425" anchor="t" anchorCtr="0">
             <a:normAutofit/>
           </a:bodyPr>
           <a:lstStyle>
@@ -4942,15 +4954,19 @@
               <a:defRPr sz="2100"/>
             </a:lvl9pPr>
           </a:lstStyle>
-          <a:p/>
+          <a:p>
+            <a:endParaRPr/>
+          </a:p>
         </p:txBody>
       </p:sp>
       <p:sp>
         <p:nvSpPr>
           <p:cNvPr id="50" name="Google Shape;50;p9"/>
-          <p:cNvSpPr txBox="1"/>
+          <p:cNvSpPr txBox="1">
+            <a:spLocks noGrp="1"/>
+          </p:cNvSpPr>
           <p:nvPr>
-            <p:ph idx="2" type="body"/>
+            <p:ph type="body" idx="2"/>
           </p:nvPr>
         </p:nvSpPr>
         <p:spPr>
@@ -4963,11 +4979,11 @@
           </a:prstGeom>
         </p:spPr>
         <p:txBody>
-          <a:bodyPr anchorCtr="0" anchor="ctr" bIns="91425" lIns="91425" spcFirstLastPara="1" rIns="91425" wrap="square" tIns="91425">
+          <a:bodyPr spcFirstLastPara="1" wrap="square" lIns="91425" tIns="91425" rIns="91425" bIns="91425" anchor="ctr" anchorCtr="0">
             <a:normAutofit/>
           </a:bodyPr>
           <a:lstStyle>
-            <a:lvl1pPr indent="-342900" lvl="0" marL="457200">
+            <a:lvl1pPr marL="457200" lvl="0" indent="-342900">
               <a:spcBef>
                 <a:spcPts val="0"/>
               </a:spcBef>
@@ -4985,7 +5001,7 @@
                 </a:solidFill>
               </a:defRPr>
             </a:lvl1pPr>
-            <a:lvl2pPr indent="-317500" lvl="1" marL="914400">
+            <a:lvl2pPr marL="914400" lvl="1" indent="-317500">
               <a:spcBef>
                 <a:spcPts val="0"/>
               </a:spcBef>
@@ -5003,7 +5019,7 @@
                 </a:solidFill>
               </a:defRPr>
             </a:lvl2pPr>
-            <a:lvl3pPr indent="-317500" lvl="2" marL="1371600">
+            <a:lvl3pPr marL="1371600" lvl="2" indent="-317500">
               <a:spcBef>
                 <a:spcPts val="0"/>
               </a:spcBef>
@@ -5021,7 +5037,7 @@
                 </a:solidFill>
               </a:defRPr>
             </a:lvl3pPr>
-            <a:lvl4pPr indent="-317500" lvl="3" marL="1828800">
+            <a:lvl4pPr marL="1828800" lvl="3" indent="-317500">
               <a:spcBef>
                 <a:spcPts val="0"/>
               </a:spcBef>
@@ -5039,7 +5055,7 @@
                 </a:solidFill>
               </a:defRPr>
             </a:lvl4pPr>
-            <a:lvl5pPr indent="-317500" lvl="4" marL="2286000">
+            <a:lvl5pPr marL="2286000" lvl="4" indent="-317500">
               <a:spcBef>
                 <a:spcPts val="0"/>
               </a:spcBef>
@@ -5057,7 +5073,7 @@
                 </a:solidFill>
               </a:defRPr>
             </a:lvl5pPr>
-            <a:lvl6pPr indent="-317500" lvl="5" marL="2743200">
+            <a:lvl6pPr marL="2743200" lvl="5" indent="-317500">
               <a:spcBef>
                 <a:spcPts val="0"/>
               </a:spcBef>
@@ -5075,7 +5091,7 @@
                 </a:solidFill>
               </a:defRPr>
             </a:lvl6pPr>
-            <a:lvl7pPr indent="-317500" lvl="6" marL="3200400">
+            <a:lvl7pPr marL="3200400" lvl="6" indent="-317500">
               <a:spcBef>
                 <a:spcPts val="0"/>
               </a:spcBef>
@@ -5093,7 +5109,7 @@
                 </a:solidFill>
               </a:defRPr>
             </a:lvl7pPr>
-            <a:lvl8pPr indent="-317500" lvl="7" marL="3657600">
+            <a:lvl8pPr marL="3657600" lvl="7" indent="-317500">
               <a:spcBef>
                 <a:spcPts val="0"/>
               </a:spcBef>
@@ -5111,7 +5127,7 @@
                 </a:solidFill>
               </a:defRPr>
             </a:lvl8pPr>
-            <a:lvl9pPr indent="-317500" lvl="8" marL="4114800">
+            <a:lvl9pPr marL="4114800" lvl="8" indent="-317500">
               <a:spcBef>
                 <a:spcPts val="0"/>
               </a:spcBef>
@@ -5130,15 +5146,19 @@
               </a:defRPr>
             </a:lvl9pPr>
           </a:lstStyle>
-          <a:p/>
+          <a:p>
+            <a:endParaRPr/>
+          </a:p>
         </p:txBody>
       </p:sp>
       <p:sp>
         <p:nvSpPr>
           <p:cNvPr id="51" name="Google Shape;51;p9"/>
-          <p:cNvSpPr txBox="1"/>
+          <p:cNvSpPr txBox="1">
+            <a:spLocks noGrp="1"/>
+          </p:cNvSpPr>
           <p:nvPr>
-            <p:ph idx="12" type="sldNum"/>
+            <p:ph type="sldNum" idx="12"/>
           </p:nvPr>
         </p:nvSpPr>
         <p:spPr>
@@ -5151,7 +5171,7 @@
           </a:prstGeom>
         </p:spPr>
         <p:txBody>
-          <a:bodyPr anchorCtr="0" anchor="ctr" bIns="91425" lIns="91425" spcFirstLastPara="1" rIns="91425" wrap="square" tIns="91425">
+          <a:bodyPr spcFirstLastPara="1" wrap="square" lIns="91425" tIns="91425" rIns="91425" bIns="91425" anchor="ctr" anchorCtr="0">
             <a:normAutofit/>
           </a:bodyPr>
           <a:lstStyle>
@@ -5229,7 +5249,7 @@
             </a:lvl9pPr>
           </a:lstStyle>
           <a:p>
-            <a:pPr indent="0" lvl="0" marL="0" rtl="0" algn="r">
+            <a:pPr marL="0" lvl="0" indent="0" algn="r" rtl="0">
               <a:spcBef>
                 <a:spcPts val="0"/>
               </a:spcBef>
@@ -5255,11 +5275,11 @@
 </file>
 
 <file path=ppt/slideLayouts/slideLayout9.xml><?xml version="1.0" encoding="utf-8"?>
-<p:sldLayout xmlns:a="http://schemas.openxmlformats.org/drawingml/2006/main" xmlns:r="http://schemas.openxmlformats.org/officeDocument/2006/relationships" xmlns:mc="http://schemas.openxmlformats.org/markup-compatibility/2006" xmlns:mv="urn:schemas-microsoft-com:mac:vml" xmlns:p="http://schemas.openxmlformats.org/presentationml/2006/main" xmlns:c="http://schemas.openxmlformats.org/drawingml/2006/chart" xmlns:dgm="http://schemas.openxmlformats.org/drawingml/2006/diagram" xmlns:o="urn:schemas-microsoft-com:office:office" xmlns:v="urn:schemas-microsoft-com:vml" xmlns:pvml="urn:schemas-microsoft-com:office:powerpoint" xmlns:com="http://schemas.openxmlformats.org/drawingml/2006/compatibility" xmlns:p14="http://schemas.microsoft.com/office/powerpoint/2010/main" xmlns:p15="http://schemas.microsoft.com/office/powerpoint/2012/main" xmlns:ahyp="http://schemas.microsoft.com/office/drawing/2018/hyperlinkcolor" matchingName="Caption">
+<p:sldLayout xmlns:a="http://schemas.openxmlformats.org/drawingml/2006/main" xmlns:r="http://schemas.openxmlformats.org/officeDocument/2006/relationships" xmlns:p="http://schemas.openxmlformats.org/presentationml/2006/main" matchingName="Caption">
   <p:cSld name="CAPTION_ONLY">
     <p:spTree>
       <p:nvGrpSpPr>
-        <p:cNvPr id="52" name="Shape 52"/>
+        <p:cNvPr id="1" name="Shape 52"/>
         <p:cNvGrpSpPr/>
         <p:nvPr/>
       </p:nvGrpSpPr>
@@ -5274,9 +5294,11 @@
       <p:sp>
         <p:nvSpPr>
           <p:cNvPr id="53" name="Google Shape;53;p10"/>
-          <p:cNvSpPr txBox="1"/>
+          <p:cNvSpPr txBox="1">
+            <a:spLocks noGrp="1"/>
+          </p:cNvSpPr>
           <p:nvPr>
-            <p:ph idx="1" type="body"/>
+            <p:ph type="body" idx="1"/>
           </p:nvPr>
         </p:nvSpPr>
         <p:spPr>
@@ -5289,11 +5311,11 @@
           </a:prstGeom>
         </p:spPr>
         <p:txBody>
-          <a:bodyPr anchorCtr="0" anchor="ctr" bIns="91425" lIns="91425" spcFirstLastPara="1" rIns="91425" wrap="square" tIns="91425">
+          <a:bodyPr spcFirstLastPara="1" wrap="square" lIns="91425" tIns="91425" rIns="91425" bIns="91425" anchor="ctr" anchorCtr="0">
             <a:normAutofit/>
           </a:bodyPr>
           <a:lstStyle>
-            <a:lvl1pPr indent="-228600" lvl="0" marL="457200">
+            <a:lvl1pPr marL="457200" lvl="0" indent="-228600">
               <a:lnSpc>
                 <a:spcPct val="100000"/>
               </a:lnSpc>
@@ -5314,15 +5336,19 @@
               </a:defRPr>
             </a:lvl1pPr>
           </a:lstStyle>
-          <a:p/>
+          <a:p>
+            <a:endParaRPr/>
+          </a:p>
         </p:txBody>
       </p:sp>
       <p:sp>
         <p:nvSpPr>
           <p:cNvPr id="54" name="Google Shape;54;p10"/>
-          <p:cNvSpPr txBox="1"/>
+          <p:cNvSpPr txBox="1">
+            <a:spLocks noGrp="1"/>
+          </p:cNvSpPr>
           <p:nvPr>
-            <p:ph idx="12" type="sldNum"/>
+            <p:ph type="sldNum" idx="12"/>
           </p:nvPr>
         </p:nvSpPr>
         <p:spPr>
@@ -5335,7 +5361,7 @@
           </a:prstGeom>
         </p:spPr>
         <p:txBody>
-          <a:bodyPr anchorCtr="0" anchor="ctr" bIns="91425" lIns="91425" spcFirstLastPara="1" rIns="91425" wrap="square" tIns="91425">
+          <a:bodyPr spcFirstLastPara="1" wrap="square" lIns="91425" tIns="91425" rIns="91425" bIns="91425" anchor="ctr" anchorCtr="0">
             <a:normAutofit/>
           </a:bodyPr>
           <a:lstStyle>
@@ -5377,7 +5403,7 @@
             </a:lvl9pPr>
           </a:lstStyle>
           <a:p>
-            <a:pPr indent="0" lvl="0" marL="0" rtl="0" algn="r">
+            <a:pPr marL="0" lvl="0" indent="0" algn="r" rtl="0">
               <a:spcBef>
                 <a:spcPts val="0"/>
               </a:spcBef>
@@ -5403,18 +5429,19 @@
 </file>
 
 <file path=ppt/slideMasters/slideMaster1.xml><?xml version="1.0" encoding="utf-8"?>
-<p:sldMaster xmlns:a="http://schemas.openxmlformats.org/drawingml/2006/main" xmlns:r="http://schemas.openxmlformats.org/officeDocument/2006/relationships" xmlns:mc="http://schemas.openxmlformats.org/markup-compatibility/2006" xmlns:mv="urn:schemas-microsoft-com:mac:vml" xmlns:p="http://schemas.openxmlformats.org/presentationml/2006/main" xmlns:c="http://schemas.openxmlformats.org/drawingml/2006/chart" xmlns:dgm="http://schemas.openxmlformats.org/drawingml/2006/diagram" xmlns:o="urn:schemas-microsoft-com:office:office" xmlns:v="urn:schemas-microsoft-com:vml" xmlns:pvml="urn:schemas-microsoft-com:office:powerpoint" xmlns:com="http://schemas.openxmlformats.org/drawingml/2006/compatibility" xmlns:p14="http://schemas.microsoft.com/office/powerpoint/2010/main" xmlns:p15="http://schemas.microsoft.com/office/powerpoint/2012/main" xmlns:ahyp="http://schemas.microsoft.com/office/drawing/2018/hyperlinkcolor">
+<p:sldMaster xmlns:a="http://schemas.openxmlformats.org/drawingml/2006/main" xmlns:r="http://schemas.openxmlformats.org/officeDocument/2006/relationships" xmlns:p="http://schemas.openxmlformats.org/presentationml/2006/main">
   <p:cSld name="tropic">
     <p:bg>
       <p:bgPr>
         <a:solidFill>
           <a:schemeClr val="lt1"/>
         </a:solidFill>
+        <a:effectLst/>
       </p:bgPr>
     </p:bg>
     <p:spTree>
       <p:nvGrpSpPr>
-        <p:cNvPr id="5" name="Shape 5"/>
+        <p:cNvPr id="1" name="Shape 5"/>
         <p:cNvGrpSpPr/>
         <p:nvPr/>
       </p:nvGrpSpPr>
@@ -5429,7 +5456,9 @@
       <p:sp>
         <p:nvSpPr>
           <p:cNvPr id="6" name="Google Shape;6;p1"/>
-          <p:cNvSpPr txBox="1"/>
+          <p:cNvSpPr txBox="1">
+            <a:spLocks noGrp="1"/>
+          </p:cNvSpPr>
           <p:nvPr>
             <p:ph type="title"/>
           </p:nvPr>
@@ -5448,7 +5477,7 @@
           </a:ln>
         </p:spPr>
         <p:txBody>
-          <a:bodyPr anchorCtr="0" anchor="t" bIns="91425" lIns="91425" spcFirstLastPara="1" rIns="91425" wrap="square" tIns="91425">
+          <a:bodyPr spcFirstLastPara="1" wrap="square" lIns="91425" tIns="91425" rIns="91425" bIns="91425" anchor="t" anchorCtr="0">
             <a:normAutofit/>
           </a:bodyPr>
           <a:lstStyle>
@@ -5465,7 +5494,7 @@
               <a:buSzPts val="3600"/>
               <a:buFont typeface="PT Sans Narrow"/>
               <a:buNone/>
-              <a:defRPr b="1" sz="3600">
+              <a:defRPr sz="3600" b="1">
                 <a:solidFill>
                   <a:schemeClr val="accent1"/>
                 </a:solidFill>
@@ -5488,7 +5517,7 @@
               <a:buSzPts val="3600"/>
               <a:buFont typeface="PT Sans Narrow"/>
               <a:buNone/>
-              <a:defRPr b="1" sz="3600">
+              <a:defRPr sz="3600" b="1">
                 <a:solidFill>
                   <a:schemeClr val="accent1"/>
                 </a:solidFill>
@@ -5511,7 +5540,7 @@
               <a:buSzPts val="3600"/>
               <a:buFont typeface="PT Sans Narrow"/>
               <a:buNone/>
-              <a:defRPr b="1" sz="3600">
+              <a:defRPr sz="3600" b="1">
                 <a:solidFill>
                   <a:schemeClr val="accent1"/>
                 </a:solidFill>
@@ -5534,7 +5563,7 @@
               <a:buSzPts val="3600"/>
               <a:buFont typeface="PT Sans Narrow"/>
               <a:buNone/>
-              <a:defRPr b="1" sz="3600">
+              <a:defRPr sz="3600" b="1">
                 <a:solidFill>
                   <a:schemeClr val="accent1"/>
                 </a:solidFill>
@@ -5557,7 +5586,7 @@
               <a:buSzPts val="3600"/>
               <a:buFont typeface="PT Sans Narrow"/>
               <a:buNone/>
-              <a:defRPr b="1" sz="3600">
+              <a:defRPr sz="3600" b="1">
                 <a:solidFill>
                   <a:schemeClr val="accent1"/>
                 </a:solidFill>
@@ -5580,7 +5609,7 @@
               <a:buSzPts val="3600"/>
               <a:buFont typeface="PT Sans Narrow"/>
               <a:buNone/>
-              <a:defRPr b="1" sz="3600">
+              <a:defRPr sz="3600" b="1">
                 <a:solidFill>
                   <a:schemeClr val="accent1"/>
                 </a:solidFill>
@@ -5603,7 +5632,7 @@
               <a:buSzPts val="3600"/>
               <a:buFont typeface="PT Sans Narrow"/>
               <a:buNone/>
-              <a:defRPr b="1" sz="3600">
+              <a:defRPr sz="3600" b="1">
                 <a:solidFill>
                   <a:schemeClr val="accent1"/>
                 </a:solidFill>
@@ -5626,7 +5655,7 @@
               <a:buSzPts val="3600"/>
               <a:buFont typeface="PT Sans Narrow"/>
               <a:buNone/>
-              <a:defRPr b="1" sz="3600">
+              <a:defRPr sz="3600" b="1">
                 <a:solidFill>
                   <a:schemeClr val="accent1"/>
                 </a:solidFill>
@@ -5649,7 +5678,7 @@
               <a:buSzPts val="3600"/>
               <a:buFont typeface="PT Sans Narrow"/>
               <a:buNone/>
-              <a:defRPr b="1" sz="3600">
+              <a:defRPr sz="3600" b="1">
                 <a:solidFill>
                   <a:schemeClr val="accent1"/>
                 </a:solidFill>
@@ -5660,15 +5689,19 @@
               </a:defRPr>
             </a:lvl9pPr>
           </a:lstStyle>
-          <a:p/>
+          <a:p>
+            <a:endParaRPr/>
+          </a:p>
         </p:txBody>
       </p:sp>
       <p:sp>
         <p:nvSpPr>
           <p:cNvPr id="7" name="Google Shape;7;p1"/>
-          <p:cNvSpPr txBox="1"/>
+          <p:cNvSpPr txBox="1">
+            <a:spLocks noGrp="1"/>
+          </p:cNvSpPr>
           <p:nvPr>
-            <p:ph idx="1" type="body"/>
+            <p:ph type="body" idx="1"/>
           </p:nvPr>
         </p:nvSpPr>
         <p:spPr>
@@ -5685,11 +5718,11 @@
           </a:ln>
         </p:spPr>
         <p:txBody>
-          <a:bodyPr anchorCtr="0" anchor="t" bIns="91425" lIns="91425" spcFirstLastPara="1" rIns="91425" wrap="square" tIns="91425">
+          <a:bodyPr spcFirstLastPara="1" wrap="square" lIns="91425" tIns="91425" rIns="91425" bIns="91425" anchor="t" anchorCtr="0">
             <a:normAutofit/>
           </a:bodyPr>
           <a:lstStyle>
-            <a:lvl1pPr indent="-342900" lvl="0" marL="457200">
+            <a:lvl1pPr marL="457200" lvl="0" indent="-342900">
               <a:lnSpc>
                 <a:spcPct val="115000"/>
               </a:lnSpc>
@@ -5715,7 +5748,7 @@
                 <a:sym typeface="Open Sans"/>
               </a:defRPr>
             </a:lvl1pPr>
-            <a:lvl2pPr indent="-317500" lvl="1" marL="914400">
+            <a:lvl2pPr marL="914400" lvl="1" indent="-317500">
               <a:lnSpc>
                 <a:spcPct val="115000"/>
               </a:lnSpc>
@@ -5741,7 +5774,7 @@
                 <a:sym typeface="Open Sans"/>
               </a:defRPr>
             </a:lvl2pPr>
-            <a:lvl3pPr indent="-317500" lvl="2" marL="1371600">
+            <a:lvl3pPr marL="1371600" lvl="2" indent="-317500">
               <a:lnSpc>
                 <a:spcPct val="115000"/>
               </a:lnSpc>
@@ -5767,7 +5800,7 @@
                 <a:sym typeface="Open Sans"/>
               </a:defRPr>
             </a:lvl3pPr>
-            <a:lvl4pPr indent="-317500" lvl="3" marL="1828800">
+            <a:lvl4pPr marL="1828800" lvl="3" indent="-317500">
               <a:lnSpc>
                 <a:spcPct val="115000"/>
               </a:lnSpc>
@@ -5793,7 +5826,7 @@
                 <a:sym typeface="Open Sans"/>
               </a:defRPr>
             </a:lvl4pPr>
-            <a:lvl5pPr indent="-317500" lvl="4" marL="2286000">
+            <a:lvl5pPr marL="2286000" lvl="4" indent="-317500">
               <a:lnSpc>
                 <a:spcPct val="115000"/>
               </a:lnSpc>
@@ -5819,7 +5852,7 @@
                 <a:sym typeface="Open Sans"/>
               </a:defRPr>
             </a:lvl5pPr>
-            <a:lvl6pPr indent="-317500" lvl="5" marL="2743200">
+            <a:lvl6pPr marL="2743200" lvl="5" indent="-317500">
               <a:lnSpc>
                 <a:spcPct val="115000"/>
               </a:lnSpc>
@@ -5845,7 +5878,7 @@
                 <a:sym typeface="Open Sans"/>
               </a:defRPr>
             </a:lvl6pPr>
-            <a:lvl7pPr indent="-317500" lvl="6" marL="3200400">
+            <a:lvl7pPr marL="3200400" lvl="6" indent="-317500">
               <a:lnSpc>
                 <a:spcPct val="115000"/>
               </a:lnSpc>
@@ -5871,7 +5904,7 @@
                 <a:sym typeface="Open Sans"/>
               </a:defRPr>
             </a:lvl7pPr>
-            <a:lvl8pPr indent="-317500" lvl="7" marL="3657600">
+            <a:lvl8pPr marL="3657600" lvl="7" indent="-317500">
               <a:lnSpc>
                 <a:spcPct val="115000"/>
               </a:lnSpc>
@@ -5897,7 +5930,7 @@
                 <a:sym typeface="Open Sans"/>
               </a:defRPr>
             </a:lvl8pPr>
-            <a:lvl9pPr indent="-317500" lvl="8" marL="4114800">
+            <a:lvl9pPr marL="4114800" lvl="8" indent="-317500">
               <a:lnSpc>
                 <a:spcPct val="115000"/>
               </a:lnSpc>
@@ -5924,15 +5957,19 @@
               </a:defRPr>
             </a:lvl9pPr>
           </a:lstStyle>
-          <a:p/>
+          <a:p>
+            <a:endParaRPr/>
+          </a:p>
         </p:txBody>
       </p:sp>
       <p:sp>
         <p:nvSpPr>
           <p:cNvPr id="8" name="Google Shape;8;p1"/>
-          <p:cNvSpPr txBox="1"/>
+          <p:cNvSpPr txBox="1">
+            <a:spLocks noGrp="1"/>
+          </p:cNvSpPr>
           <p:nvPr>
-            <p:ph idx="12" type="sldNum"/>
+            <p:ph type="sldNum" idx="12"/>
           </p:nvPr>
         </p:nvSpPr>
         <p:spPr>
@@ -5949,7 +5986,7 @@
           </a:ln>
         </p:spPr>
         <p:txBody>
-          <a:bodyPr anchorCtr="0" anchor="ctr" bIns="91425" lIns="91425" spcFirstLastPara="1" rIns="91425" wrap="square" tIns="91425">
+          <a:bodyPr spcFirstLastPara="1" wrap="square" lIns="91425" tIns="91425" rIns="91425" bIns="91425" anchor="ctr" anchorCtr="0">
             <a:normAutofit/>
           </a:bodyPr>
           <a:lstStyle>
@@ -6063,7 +6100,7 @@
             </a:lvl9pPr>
           </a:lstStyle>
           <a:p>
-            <a:pPr indent="0" lvl="0" marL="0" rtl="0" algn="r">
+            <a:pPr marL="0" lvl="0" indent="0" algn="r" rtl="0">
               <a:spcBef>
                 <a:spcPts val="0"/>
               </a:spcBef>
@@ -6082,7 +6119,7 @@
       </p:sp>
     </p:spTree>
   </p:cSld>
-  <p:clrMap accent1="accent1" accent2="accent2" accent3="accent3" accent4="accent4" accent5="accent5" accent6="accent6" bg1="lt1" bg2="dk2" tx1="dk1" tx2="lt2" folHlink="folHlink" hlink="hlink"/>
+  <p:clrMap bg1="lt1" tx1="dk1" bg2="dk2" tx2="lt2" accent1="accent1" accent2="accent2" accent3="accent3" accent4="accent4" accent5="accent5" accent6="accent6" hlink="hlink" folHlink="folHlink"/>
   <p:sldLayoutIdLst>
     <p:sldLayoutId id="2147483648" r:id="rId1"/>
     <p:sldLayoutId id="2147483649" r:id="rId2"/>
@@ -6096,10 +6133,10 @@
     <p:sldLayoutId id="2147483657" r:id="rId10"/>
     <p:sldLayoutId id="2147483658" r:id="rId11"/>
   </p:sldLayoutIdLst>
-  <p:hf dt="0" ftr="0" hdr="0" sldNum="0"/>
+  <p:hf sldNum="0" hdr="0" ftr="0" dt="0"/>
   <p:txStyles>
     <p:titleStyle>
-      <a:defPPr lvl="0" marR="0" rtl="0" algn="l">
+      <a:defPPr marR="0" lvl="0" algn="l" rtl="0">
         <a:lnSpc>
           <a:spcPct val="100000"/>
         </a:lnSpc>
@@ -6110,7 +6147,7 @@
           <a:spcPts val="0"/>
         </a:spcAft>
       </a:defPPr>
-      <a:lvl1pPr lvl="0" marR="0" rtl="0" algn="l">
+      <a:lvl1pPr marR="0" lvl="0" algn="l" rtl="0">
         <a:lnSpc>
           <a:spcPct val="100000"/>
         </a:lnSpc>
@@ -6124,7 +6161,7 @@
           <a:srgbClr val="000000"/>
         </a:buClr>
         <a:buFont typeface="Arial"/>
-        <a:defRPr b="0" i="0" sz="1400" u="none" cap="none" strike="noStrike">
+        <a:defRPr sz="1400" b="0" i="0" u="none" strike="noStrike" cap="none">
           <a:solidFill>
             <a:srgbClr val="000000"/>
           </a:solidFill>
@@ -6134,7 +6171,7 @@
           <a:sym typeface="Arial"/>
         </a:defRPr>
       </a:lvl1pPr>
-      <a:lvl2pPr lvl="1" marR="0" rtl="0" algn="l">
+      <a:lvl2pPr marR="0" lvl="1" algn="l" rtl="0">
         <a:lnSpc>
           <a:spcPct val="100000"/>
         </a:lnSpc>
@@ -6148,7 +6185,7 @@
           <a:srgbClr val="000000"/>
         </a:buClr>
         <a:buFont typeface="Arial"/>
-        <a:defRPr b="0" i="0" sz="1400" u="none" cap="none" strike="noStrike">
+        <a:defRPr sz="1400" b="0" i="0" u="none" strike="noStrike" cap="none">
           <a:solidFill>
             <a:srgbClr val="000000"/>
           </a:solidFill>
@@ -6158,7 +6195,7 @@
           <a:sym typeface="Arial"/>
         </a:defRPr>
       </a:lvl2pPr>
-      <a:lvl3pPr lvl="2" marR="0" rtl="0" algn="l">
+      <a:lvl3pPr marR="0" lvl="2" algn="l" rtl="0">
         <a:lnSpc>
           <a:spcPct val="100000"/>
         </a:lnSpc>
@@ -6172,7 +6209,7 @@
           <a:srgbClr val="000000"/>
         </a:buClr>
         <a:buFont typeface="Arial"/>
-        <a:defRPr b="0" i="0" sz="1400" u="none" cap="none" strike="noStrike">
+        <a:defRPr sz="1400" b="0" i="0" u="none" strike="noStrike" cap="none">
           <a:solidFill>
             <a:srgbClr val="000000"/>
           </a:solidFill>
@@ -6182,7 +6219,7 @@
           <a:sym typeface="Arial"/>
         </a:defRPr>
       </a:lvl3pPr>
-      <a:lvl4pPr lvl="3" marR="0" rtl="0" algn="l">
+      <a:lvl4pPr marR="0" lvl="3" algn="l" rtl="0">
         <a:lnSpc>
           <a:spcPct val="100000"/>
         </a:lnSpc>
@@ -6196,7 +6233,7 @@
           <a:srgbClr val="000000"/>
         </a:buClr>
         <a:buFont typeface="Arial"/>
-        <a:defRPr b="0" i="0" sz="1400" u="none" cap="none" strike="noStrike">
+        <a:defRPr sz="1400" b="0" i="0" u="none" strike="noStrike" cap="none">
           <a:solidFill>
             <a:srgbClr val="000000"/>
           </a:solidFill>
@@ -6206,7 +6243,7 @@
           <a:sym typeface="Arial"/>
         </a:defRPr>
       </a:lvl4pPr>
-      <a:lvl5pPr lvl="4" marR="0" rtl="0" algn="l">
+      <a:lvl5pPr marR="0" lvl="4" algn="l" rtl="0">
         <a:lnSpc>
           <a:spcPct val="100000"/>
         </a:lnSpc>
@@ -6220,7 +6257,7 @@
           <a:srgbClr val="000000"/>
         </a:buClr>
         <a:buFont typeface="Arial"/>
-        <a:defRPr b="0" i="0" sz="1400" u="none" cap="none" strike="noStrike">
+        <a:defRPr sz="1400" b="0" i="0" u="none" strike="noStrike" cap="none">
           <a:solidFill>
             <a:srgbClr val="000000"/>
           </a:solidFill>
@@ -6230,7 +6267,7 @@
           <a:sym typeface="Arial"/>
         </a:defRPr>
       </a:lvl5pPr>
-      <a:lvl6pPr lvl="5" marR="0" rtl="0" algn="l">
+      <a:lvl6pPr marR="0" lvl="5" algn="l" rtl="0">
         <a:lnSpc>
           <a:spcPct val="100000"/>
         </a:lnSpc>
@@ -6244,7 +6281,7 @@
           <a:srgbClr val="000000"/>
         </a:buClr>
         <a:buFont typeface="Arial"/>
-        <a:defRPr b="0" i="0" sz="1400" u="none" cap="none" strike="noStrike">
+        <a:defRPr sz="1400" b="0" i="0" u="none" strike="noStrike" cap="none">
           <a:solidFill>
             <a:srgbClr val="000000"/>
           </a:solidFill>
@@ -6254,7 +6291,7 @@
           <a:sym typeface="Arial"/>
         </a:defRPr>
       </a:lvl6pPr>
-      <a:lvl7pPr lvl="6" marR="0" rtl="0" algn="l">
+      <a:lvl7pPr marR="0" lvl="6" algn="l" rtl="0">
         <a:lnSpc>
           <a:spcPct val="100000"/>
         </a:lnSpc>
@@ -6268,7 +6305,7 @@
           <a:srgbClr val="000000"/>
         </a:buClr>
         <a:buFont typeface="Arial"/>
-        <a:defRPr b="0" i="0" sz="1400" u="none" cap="none" strike="noStrike">
+        <a:defRPr sz="1400" b="0" i="0" u="none" strike="noStrike" cap="none">
           <a:solidFill>
             <a:srgbClr val="000000"/>
           </a:solidFill>
@@ -6278,7 +6315,7 @@
           <a:sym typeface="Arial"/>
         </a:defRPr>
       </a:lvl7pPr>
-      <a:lvl8pPr lvl="7" marR="0" rtl="0" algn="l">
+      <a:lvl8pPr marR="0" lvl="7" algn="l" rtl="0">
         <a:lnSpc>
           <a:spcPct val="100000"/>
         </a:lnSpc>
@@ -6292,7 +6329,7 @@
           <a:srgbClr val="000000"/>
         </a:buClr>
         <a:buFont typeface="Arial"/>
-        <a:defRPr b="0" i="0" sz="1400" u="none" cap="none" strike="noStrike">
+        <a:defRPr sz="1400" b="0" i="0" u="none" strike="noStrike" cap="none">
           <a:solidFill>
             <a:srgbClr val="000000"/>
           </a:solidFill>
@@ -6302,7 +6339,7 @@
           <a:sym typeface="Arial"/>
         </a:defRPr>
       </a:lvl8pPr>
-      <a:lvl9pPr lvl="8" marR="0" rtl="0" algn="l">
+      <a:lvl9pPr marR="0" lvl="8" algn="l" rtl="0">
         <a:lnSpc>
           <a:spcPct val="100000"/>
         </a:lnSpc>
@@ -6316,7 +6353,7 @@
           <a:srgbClr val="000000"/>
         </a:buClr>
         <a:buFont typeface="Arial"/>
-        <a:defRPr b="0" i="0" sz="1400" u="none" cap="none" strike="noStrike">
+        <a:defRPr sz="1400" b="0" i="0" u="none" strike="noStrike" cap="none">
           <a:solidFill>
             <a:srgbClr val="000000"/>
           </a:solidFill>
@@ -6328,7 +6365,7 @@
       </a:lvl9pPr>
     </p:titleStyle>
     <p:bodyStyle>
-      <a:defPPr lvl="0" marR="0" rtl="0" algn="l">
+      <a:defPPr marR="0" lvl="0" algn="l" rtl="0">
         <a:lnSpc>
           <a:spcPct val="100000"/>
         </a:lnSpc>
@@ -6339,7 +6376,7 @@
           <a:spcPts val="0"/>
         </a:spcAft>
       </a:defPPr>
-      <a:lvl1pPr lvl="0" marR="0" rtl="0" algn="l">
+      <a:lvl1pPr marR="0" lvl="0" algn="l" rtl="0">
         <a:lnSpc>
           <a:spcPct val="100000"/>
         </a:lnSpc>
@@ -6353,7 +6390,7 @@
           <a:srgbClr val="000000"/>
         </a:buClr>
         <a:buFont typeface="Arial"/>
-        <a:defRPr b="0" i="0" sz="1400" u="none" cap="none" strike="noStrike">
+        <a:defRPr sz="1400" b="0" i="0" u="none" strike="noStrike" cap="none">
           <a:solidFill>
             <a:srgbClr val="000000"/>
           </a:solidFill>
@@ -6363,7 +6400,7 @@
           <a:sym typeface="Arial"/>
         </a:defRPr>
       </a:lvl1pPr>
-      <a:lvl2pPr lvl="1" marR="0" rtl="0" algn="l">
+      <a:lvl2pPr marR="0" lvl="1" algn="l" rtl="0">
         <a:lnSpc>
           <a:spcPct val="100000"/>
         </a:lnSpc>
@@ -6377,7 +6414,7 @@
           <a:srgbClr val="000000"/>
         </a:buClr>
         <a:buFont typeface="Arial"/>
-        <a:defRPr b="0" i="0" sz="1400" u="none" cap="none" strike="noStrike">
+        <a:defRPr sz="1400" b="0" i="0" u="none" strike="noStrike" cap="none">
           <a:solidFill>
             <a:srgbClr val="000000"/>
           </a:solidFill>
@@ -6387,7 +6424,7 @@
           <a:sym typeface="Arial"/>
         </a:defRPr>
       </a:lvl2pPr>
-      <a:lvl3pPr lvl="2" marR="0" rtl="0" algn="l">
+      <a:lvl3pPr marR="0" lvl="2" algn="l" rtl="0">
         <a:lnSpc>
           <a:spcPct val="100000"/>
         </a:lnSpc>
@@ -6401,7 +6438,7 @@
           <a:srgbClr val="000000"/>
         </a:buClr>
         <a:buFont typeface="Arial"/>
-        <a:defRPr b="0" i="0" sz="1400" u="none" cap="none" strike="noStrike">
+        <a:defRPr sz="1400" b="0" i="0" u="none" strike="noStrike" cap="none">
           <a:solidFill>
             <a:srgbClr val="000000"/>
           </a:solidFill>
@@ -6411,7 +6448,7 @@
           <a:sym typeface="Arial"/>
         </a:defRPr>
       </a:lvl3pPr>
-      <a:lvl4pPr lvl="3" marR="0" rtl="0" algn="l">
+      <a:lvl4pPr marR="0" lvl="3" algn="l" rtl="0">
         <a:lnSpc>
           <a:spcPct val="100000"/>
         </a:lnSpc>
@@ -6425,7 +6462,7 @@
           <a:srgbClr val="000000"/>
         </a:buClr>
         <a:buFont typeface="Arial"/>
-        <a:defRPr b="0" i="0" sz="1400" u="none" cap="none" strike="noStrike">
+        <a:defRPr sz="1400" b="0" i="0" u="none" strike="noStrike" cap="none">
           <a:solidFill>
             <a:srgbClr val="000000"/>
           </a:solidFill>
@@ -6435,7 +6472,7 @@
           <a:sym typeface="Arial"/>
         </a:defRPr>
       </a:lvl4pPr>
-      <a:lvl5pPr lvl="4" marR="0" rtl="0" algn="l">
+      <a:lvl5pPr marR="0" lvl="4" algn="l" rtl="0">
         <a:lnSpc>
           <a:spcPct val="100000"/>
         </a:lnSpc>
@@ -6449,7 +6486,7 @@
           <a:srgbClr val="000000"/>
         </a:buClr>
         <a:buFont typeface="Arial"/>
-        <a:defRPr b="0" i="0" sz="1400" u="none" cap="none" strike="noStrike">
+        <a:defRPr sz="1400" b="0" i="0" u="none" strike="noStrike" cap="none">
           <a:solidFill>
             <a:srgbClr val="000000"/>
           </a:solidFill>
@@ -6459,7 +6496,7 @@
           <a:sym typeface="Arial"/>
         </a:defRPr>
       </a:lvl5pPr>
-      <a:lvl6pPr lvl="5" marR="0" rtl="0" algn="l">
+      <a:lvl6pPr marR="0" lvl="5" algn="l" rtl="0">
         <a:lnSpc>
           <a:spcPct val="100000"/>
         </a:lnSpc>
@@ -6473,7 +6510,7 @@
           <a:srgbClr val="000000"/>
         </a:buClr>
         <a:buFont typeface="Arial"/>
-        <a:defRPr b="0" i="0" sz="1400" u="none" cap="none" strike="noStrike">
+        <a:defRPr sz="1400" b="0" i="0" u="none" strike="noStrike" cap="none">
           <a:solidFill>
             <a:srgbClr val="000000"/>
           </a:solidFill>
@@ -6483,7 +6520,7 @@
           <a:sym typeface="Arial"/>
         </a:defRPr>
       </a:lvl6pPr>
-      <a:lvl7pPr lvl="6" marR="0" rtl="0" algn="l">
+      <a:lvl7pPr marR="0" lvl="6" algn="l" rtl="0">
         <a:lnSpc>
           <a:spcPct val="100000"/>
         </a:lnSpc>
@@ -6497,7 +6534,7 @@
           <a:srgbClr val="000000"/>
         </a:buClr>
         <a:buFont typeface="Arial"/>
-        <a:defRPr b="0" i="0" sz="1400" u="none" cap="none" strike="noStrike">
+        <a:defRPr sz="1400" b="0" i="0" u="none" strike="noStrike" cap="none">
           <a:solidFill>
             <a:srgbClr val="000000"/>
           </a:solidFill>
@@ -6507,7 +6544,7 @@
           <a:sym typeface="Arial"/>
         </a:defRPr>
       </a:lvl7pPr>
-      <a:lvl8pPr lvl="7" marR="0" rtl="0" algn="l">
+      <a:lvl8pPr marR="0" lvl="7" algn="l" rtl="0">
         <a:lnSpc>
           <a:spcPct val="100000"/>
         </a:lnSpc>
@@ -6521,7 +6558,7 @@
           <a:srgbClr val="000000"/>
         </a:buClr>
         <a:buFont typeface="Arial"/>
-        <a:defRPr b="0" i="0" sz="1400" u="none" cap="none" strike="noStrike">
+        <a:defRPr sz="1400" b="0" i="0" u="none" strike="noStrike" cap="none">
           <a:solidFill>
             <a:srgbClr val="000000"/>
           </a:solidFill>
@@ -6531,7 +6568,7 @@
           <a:sym typeface="Arial"/>
         </a:defRPr>
       </a:lvl8pPr>
-      <a:lvl9pPr lvl="8" marR="0" rtl="0" algn="l">
+      <a:lvl9pPr marR="0" lvl="8" algn="l" rtl="0">
         <a:lnSpc>
           <a:spcPct val="100000"/>
         </a:lnSpc>
@@ -6545,7 +6582,7 @@
           <a:srgbClr val="000000"/>
         </a:buClr>
         <a:buFont typeface="Arial"/>
-        <a:defRPr b="0" i="0" sz="1400" u="none" cap="none" strike="noStrike">
+        <a:defRPr sz="1400" b="0" i="0" u="none" strike="noStrike" cap="none">
           <a:solidFill>
             <a:srgbClr val="000000"/>
           </a:solidFill>
@@ -6557,7 +6594,7 @@
       </a:lvl9pPr>
     </p:bodyStyle>
     <p:otherStyle>
-      <a:defPPr lvl="0" marR="0" rtl="0" algn="l">
+      <a:defPPr marR="0" lvl="0" algn="l" rtl="0">
         <a:lnSpc>
           <a:spcPct val="100000"/>
         </a:lnSpc>
@@ -6568,7 +6605,7 @@
           <a:spcPts val="0"/>
         </a:spcAft>
       </a:defPPr>
-      <a:lvl1pPr lvl="0" marR="0" rtl="0" algn="l">
+      <a:lvl1pPr marR="0" lvl="0" algn="l" rtl="0">
         <a:lnSpc>
           <a:spcPct val="100000"/>
         </a:lnSpc>
@@ -6582,7 +6619,7 @@
           <a:srgbClr val="000000"/>
         </a:buClr>
         <a:buFont typeface="Arial"/>
-        <a:defRPr b="0" i="0" sz="1400" u="none" cap="none" strike="noStrike">
+        <a:defRPr sz="1400" b="0" i="0" u="none" strike="noStrike" cap="none">
           <a:solidFill>
             <a:srgbClr val="000000"/>
           </a:solidFill>
@@ -6592,7 +6629,7 @@
           <a:sym typeface="Arial"/>
         </a:defRPr>
       </a:lvl1pPr>
-      <a:lvl2pPr lvl="1" marR="0" rtl="0" algn="l">
+      <a:lvl2pPr marR="0" lvl="1" algn="l" rtl="0">
         <a:lnSpc>
           <a:spcPct val="100000"/>
         </a:lnSpc>
@@ -6606,7 +6643,7 @@
           <a:srgbClr val="000000"/>
         </a:buClr>
         <a:buFont typeface="Arial"/>
-        <a:defRPr b="0" i="0" sz="1400" u="none" cap="none" strike="noStrike">
+        <a:defRPr sz="1400" b="0" i="0" u="none" strike="noStrike" cap="none">
           <a:solidFill>
             <a:srgbClr val="000000"/>
           </a:solidFill>
@@ -6616,7 +6653,7 @@
           <a:sym typeface="Arial"/>
         </a:defRPr>
       </a:lvl2pPr>
-      <a:lvl3pPr lvl="2" marR="0" rtl="0" algn="l">
+      <a:lvl3pPr marR="0" lvl="2" algn="l" rtl="0">
         <a:lnSpc>
           <a:spcPct val="100000"/>
         </a:lnSpc>
@@ -6630,7 +6667,7 @@
           <a:srgbClr val="000000"/>
         </a:buClr>
         <a:buFont typeface="Arial"/>
-        <a:defRPr b="0" i="0" sz="1400" u="none" cap="none" strike="noStrike">
+        <a:defRPr sz="1400" b="0" i="0" u="none" strike="noStrike" cap="none">
           <a:solidFill>
             <a:srgbClr val="000000"/>
           </a:solidFill>
@@ -6640,7 +6677,7 @@
           <a:sym typeface="Arial"/>
         </a:defRPr>
       </a:lvl3pPr>
-      <a:lvl4pPr lvl="3" marR="0" rtl="0" algn="l">
+      <a:lvl4pPr marR="0" lvl="3" algn="l" rtl="0">
         <a:lnSpc>
           <a:spcPct val="100000"/>
         </a:lnSpc>
@@ -6654,7 +6691,7 @@
           <a:srgbClr val="000000"/>
         </a:buClr>
         <a:buFont typeface="Arial"/>
-        <a:defRPr b="0" i="0" sz="1400" u="none" cap="none" strike="noStrike">
+        <a:defRPr sz="1400" b="0" i="0" u="none" strike="noStrike" cap="none">
           <a:solidFill>
             <a:srgbClr val="000000"/>
           </a:solidFill>
@@ -6664,7 +6701,7 @@
           <a:sym typeface="Arial"/>
         </a:defRPr>
       </a:lvl4pPr>
-      <a:lvl5pPr lvl="4" marR="0" rtl="0" algn="l">
+      <a:lvl5pPr marR="0" lvl="4" algn="l" rtl="0">
         <a:lnSpc>
           <a:spcPct val="100000"/>
         </a:lnSpc>
@@ -6678,7 +6715,7 @@
           <a:srgbClr val="000000"/>
         </a:buClr>
         <a:buFont typeface="Arial"/>
-        <a:defRPr b="0" i="0" sz="1400" u="none" cap="none" strike="noStrike">
+        <a:defRPr sz="1400" b="0" i="0" u="none" strike="noStrike" cap="none">
           <a:solidFill>
             <a:srgbClr val="000000"/>
           </a:solidFill>
@@ -6688,7 +6725,7 @@
           <a:sym typeface="Arial"/>
         </a:defRPr>
       </a:lvl5pPr>
-      <a:lvl6pPr lvl="5" marR="0" rtl="0" algn="l">
+      <a:lvl6pPr marR="0" lvl="5" algn="l" rtl="0">
         <a:lnSpc>
           <a:spcPct val="100000"/>
         </a:lnSpc>
@@ -6702,7 +6739,7 @@
           <a:srgbClr val="000000"/>
         </a:buClr>
         <a:buFont typeface="Arial"/>
-        <a:defRPr b="0" i="0" sz="1400" u="none" cap="none" strike="noStrike">
+        <a:defRPr sz="1400" b="0" i="0" u="none" strike="noStrike" cap="none">
           <a:solidFill>
             <a:srgbClr val="000000"/>
           </a:solidFill>
@@ -6712,7 +6749,7 @@
           <a:sym typeface="Arial"/>
         </a:defRPr>
       </a:lvl6pPr>
-      <a:lvl7pPr lvl="6" marR="0" rtl="0" algn="l">
+      <a:lvl7pPr marR="0" lvl="6" algn="l" rtl="0">
         <a:lnSpc>
           <a:spcPct val="100000"/>
         </a:lnSpc>
@@ -6726,7 +6763,7 @@
           <a:srgbClr val="000000"/>
         </a:buClr>
         <a:buFont typeface="Arial"/>
-        <a:defRPr b="0" i="0" sz="1400" u="none" cap="none" strike="noStrike">
+        <a:defRPr sz="1400" b="0" i="0" u="none" strike="noStrike" cap="none">
           <a:solidFill>
             <a:srgbClr val="000000"/>
           </a:solidFill>
@@ -6736,7 +6773,7 @@
           <a:sym typeface="Arial"/>
         </a:defRPr>
       </a:lvl7pPr>
-      <a:lvl8pPr lvl="7" marR="0" rtl="0" algn="l">
+      <a:lvl8pPr marR="0" lvl="7" algn="l" rtl="0">
         <a:lnSpc>
           <a:spcPct val="100000"/>
         </a:lnSpc>
@@ -6750,7 +6787,7 @@
           <a:srgbClr val="000000"/>
         </a:buClr>
         <a:buFont typeface="Arial"/>
-        <a:defRPr b="0" i="0" sz="1400" u="none" cap="none" strike="noStrike">
+        <a:defRPr sz="1400" b="0" i="0" u="none" strike="noStrike" cap="none">
           <a:solidFill>
             <a:srgbClr val="000000"/>
           </a:solidFill>
@@ -6760,7 +6797,7 @@
           <a:sym typeface="Arial"/>
         </a:defRPr>
       </a:lvl8pPr>
-      <a:lvl9pPr lvl="8" marR="0" rtl="0" algn="l">
+      <a:lvl9pPr marR="0" lvl="8" algn="l" rtl="0">
         <a:lnSpc>
           <a:spcPct val="100000"/>
         </a:lnSpc>
@@ -6774,7 +6811,7 @@
           <a:srgbClr val="000000"/>
         </a:buClr>
         <a:buFont typeface="Arial"/>
-        <a:defRPr b="0" i="0" sz="1400" u="none" cap="none" strike="noStrike">
+        <a:defRPr sz="1400" b="0" i="0" u="none" strike="noStrike" cap="none">
           <a:solidFill>
             <a:srgbClr val="000000"/>
           </a:solidFill>
@@ -6790,11 +6827,11 @@
 </file>
 
 <file path=ppt/slides/slide1.xml><?xml version="1.0" encoding="utf-8"?>
-<p:sld xmlns:a="http://schemas.openxmlformats.org/drawingml/2006/main" xmlns:r="http://schemas.openxmlformats.org/officeDocument/2006/relationships" xmlns:mc="http://schemas.openxmlformats.org/markup-compatibility/2006" xmlns:mv="urn:schemas-microsoft-com:mac:vml" xmlns:p="http://schemas.openxmlformats.org/presentationml/2006/main" xmlns:c="http://schemas.openxmlformats.org/drawingml/2006/chart" xmlns:dgm="http://schemas.openxmlformats.org/drawingml/2006/diagram" xmlns:o="urn:schemas-microsoft-com:office:office" xmlns:v="urn:schemas-microsoft-com:vml" xmlns:pvml="urn:schemas-microsoft-com:office:powerpoint" xmlns:com="http://schemas.openxmlformats.org/drawingml/2006/compatibility" xmlns:p14="http://schemas.microsoft.com/office/powerpoint/2010/main" xmlns:p15="http://schemas.microsoft.com/office/powerpoint/2012/main" xmlns:ahyp="http://schemas.microsoft.com/office/drawing/2018/hyperlinkcolor">
+<p:sld xmlns:a="http://schemas.openxmlformats.org/drawingml/2006/main" xmlns:r="http://schemas.openxmlformats.org/officeDocument/2006/relationships" xmlns:p="http://schemas.openxmlformats.org/presentationml/2006/main">
   <p:cSld>
     <p:spTree>
       <p:nvGrpSpPr>
-        <p:cNvPr id="65" name="Shape 65"/>
+        <p:cNvPr id="1" name="Shape 65"/>
         <p:cNvGrpSpPr/>
         <p:nvPr/>
       </p:nvGrpSpPr>
@@ -6809,7 +6846,9 @@
       <p:sp>
         <p:nvSpPr>
           <p:cNvPr id="66" name="Google Shape;66;p13"/>
-          <p:cNvSpPr txBox="1"/>
+          <p:cNvSpPr txBox="1">
+            <a:spLocks noGrp="1"/>
+          </p:cNvSpPr>
           <p:nvPr>
             <p:ph type="ctrTitle"/>
           </p:nvPr>
@@ -6824,12 +6863,12 @@
           </a:prstGeom>
         </p:spPr>
         <p:txBody>
-          <a:bodyPr anchorCtr="0" anchor="b" bIns="91425" lIns="91425" spcFirstLastPara="1" rIns="91425" wrap="square" tIns="91425">
+          <a:bodyPr spcFirstLastPara="1" wrap="square" lIns="91425" tIns="91425" rIns="91425" bIns="91425" anchor="b" anchorCtr="0">
             <a:normAutofit fontScale="90000"/>
           </a:bodyPr>
           <a:lstStyle/>
           <a:p>
-            <a:pPr indent="0" lvl="0" marL="0" rtl="0" algn="l">
+            <a:pPr marL="0" lvl="0" indent="0" algn="l" rtl="0">
               <a:spcBef>
                 <a:spcPts val="0"/>
               </a:spcBef>
@@ -6838,13 +6877,10 @@
               </a:spcAft>
               <a:buNone/>
             </a:pPr>
-            <a:r>
-              <a:t/>
-            </a:r>
             <a:endParaRPr/>
           </a:p>
           <a:p>
-            <a:pPr indent="0" lvl="0" marL="0" rtl="0" algn="l">
+            <a:pPr marL="0" lvl="0" indent="0" algn="l" rtl="0">
               <a:spcBef>
                 <a:spcPts val="0"/>
               </a:spcBef>
@@ -6855,11 +6891,7 @@
             </a:pPr>
             <a:r>
               <a:rPr lang="en"/>
-              <a:t>H</a:t>
-            </a:r>
-            <a:r>
-              <a:rPr lang="en"/>
-              <a:t>ospital Management System </a:t>
+              <a:t>Hospital Management System </a:t>
             </a:r>
             <a:endParaRPr/>
           </a:p>
@@ -6868,9 +6900,11 @@
       <p:sp>
         <p:nvSpPr>
           <p:cNvPr id="67" name="Google Shape;67;p13"/>
-          <p:cNvSpPr txBox="1"/>
+          <p:cNvSpPr txBox="1">
+            <a:spLocks noGrp="1"/>
+          </p:cNvSpPr>
           <p:nvPr>
-            <p:ph idx="1" type="subTitle"/>
+            <p:ph type="subTitle" idx="1"/>
           </p:nvPr>
         </p:nvSpPr>
         <p:spPr>
@@ -6883,12 +6917,12 @@
           </a:prstGeom>
         </p:spPr>
         <p:txBody>
-          <a:bodyPr anchorCtr="0" anchor="ctr" bIns="91425" lIns="91425" spcFirstLastPara="1" rIns="91425" wrap="square" tIns="91425">
+          <a:bodyPr spcFirstLastPara="1" wrap="square" lIns="91425" tIns="91425" rIns="91425" bIns="91425" anchor="ctr" anchorCtr="0">
             <a:normAutofit/>
           </a:bodyPr>
           <a:lstStyle/>
           <a:p>
-            <a:pPr indent="0" lvl="0" marL="0" rtl="0" algn="ctr">
+            <a:pPr marL="0" lvl="0" indent="0" algn="ctr" rtl="0">
               <a:lnSpc>
                 <a:spcPct val="80000"/>
               </a:lnSpc>
@@ -6902,11 +6936,7 @@
             </a:pPr>
             <a:r>
               <a:rPr lang="en" sz="2300"/>
-              <a:t>Y</a:t>
-            </a:r>
-            <a:r>
-              <a:rPr lang="en" sz="2300"/>
-              <a:t>oan Palacios G &amp; Aayush Koirala</a:t>
+              <a:t>Yoan Palacios G &amp; Aayush Koirala</a:t>
             </a:r>
             <a:endParaRPr sz="2300"/>
           </a:p>
@@ -6921,11 +6951,11 @@
 </file>
 
 <file path=ppt/slides/slide2.xml><?xml version="1.0" encoding="utf-8"?>
-<p:sld xmlns:a="http://schemas.openxmlformats.org/drawingml/2006/main" xmlns:r="http://schemas.openxmlformats.org/officeDocument/2006/relationships" xmlns:mc="http://schemas.openxmlformats.org/markup-compatibility/2006" xmlns:mv="urn:schemas-microsoft-com:mac:vml" xmlns:p="http://schemas.openxmlformats.org/presentationml/2006/main" xmlns:c="http://schemas.openxmlformats.org/drawingml/2006/chart" xmlns:dgm="http://schemas.openxmlformats.org/drawingml/2006/diagram" xmlns:o="urn:schemas-microsoft-com:office:office" xmlns:v="urn:schemas-microsoft-com:vml" xmlns:pvml="urn:schemas-microsoft-com:office:powerpoint" xmlns:com="http://schemas.openxmlformats.org/drawingml/2006/compatibility" xmlns:p14="http://schemas.microsoft.com/office/powerpoint/2010/main" xmlns:p15="http://schemas.microsoft.com/office/powerpoint/2012/main" xmlns:ahyp="http://schemas.microsoft.com/office/drawing/2018/hyperlinkcolor">
+<p:sld xmlns:a="http://schemas.openxmlformats.org/drawingml/2006/main" xmlns:r="http://schemas.openxmlformats.org/officeDocument/2006/relationships" xmlns:p="http://schemas.openxmlformats.org/presentationml/2006/main">
   <p:cSld>
     <p:spTree>
       <p:nvGrpSpPr>
-        <p:cNvPr id="71" name="Shape 71"/>
+        <p:cNvPr id="1" name="Shape 71"/>
         <p:cNvGrpSpPr/>
         <p:nvPr/>
       </p:nvGrpSpPr>
@@ -6940,7 +6970,9 @@
       <p:sp>
         <p:nvSpPr>
           <p:cNvPr id="72" name="Google Shape;72;p14"/>
-          <p:cNvSpPr txBox="1"/>
+          <p:cNvSpPr txBox="1">
+            <a:spLocks noGrp="1"/>
+          </p:cNvSpPr>
           <p:nvPr>
             <p:ph type="title"/>
           </p:nvPr>
@@ -6955,12 +6987,12 @@
           </a:prstGeom>
         </p:spPr>
         <p:txBody>
-          <a:bodyPr anchorCtr="0" anchor="t" bIns="91425" lIns="91425" spcFirstLastPara="1" rIns="91425" wrap="square" tIns="91425">
+          <a:bodyPr spcFirstLastPara="1" wrap="square" lIns="91425" tIns="91425" rIns="91425" bIns="91425" anchor="t" anchorCtr="0">
             <a:normAutofit fontScale="90000"/>
           </a:bodyPr>
           <a:lstStyle/>
           <a:p>
-            <a:pPr indent="0" lvl="0" marL="0" rtl="0" algn="ctr">
+            <a:pPr marL="0" lvl="0" indent="0" algn="ctr" rtl="0">
               <a:spcBef>
                 <a:spcPts val="0"/>
               </a:spcBef>
@@ -6970,13 +7002,13 @@
               <a:buNone/>
             </a:pPr>
             <a:r>
-              <a:rPr lang="en"/>
+              <a:rPr lang="en" dirty="0"/>
               <a:t>SYSTEM DESCRIPTION</a:t>
             </a:r>
-            <a:endParaRPr/>
+            <a:endParaRPr dirty="0"/>
           </a:p>
           <a:p>
-            <a:pPr indent="0" lvl="0" marL="0" rtl="0" algn="ctr">
+            <a:pPr marL="0" lvl="0" indent="0" algn="ctr" rtl="0">
               <a:spcBef>
                 <a:spcPts val="0"/>
               </a:spcBef>
@@ -6985,19 +7017,18 @@
               </a:spcAft>
               <a:buNone/>
             </a:pPr>
-            <a:r>
-              <a:t/>
-            </a:r>
-            <a:endParaRPr/>
+            <a:endParaRPr dirty="0"/>
           </a:p>
         </p:txBody>
       </p:sp>
       <p:sp>
         <p:nvSpPr>
           <p:cNvPr id="73" name="Google Shape;73;p14"/>
-          <p:cNvSpPr txBox="1"/>
+          <p:cNvSpPr txBox="1">
+            <a:spLocks noGrp="1"/>
+          </p:cNvSpPr>
           <p:nvPr>
-            <p:ph idx="1" type="body"/>
+            <p:ph type="body" idx="1"/>
           </p:nvPr>
         </p:nvSpPr>
         <p:spPr>
@@ -7010,12 +7041,12 @@
           </a:prstGeom>
         </p:spPr>
         <p:txBody>
-          <a:bodyPr anchorCtr="0" anchor="t" bIns="91425" lIns="91425" spcFirstLastPara="1" rIns="91425" wrap="square" tIns="91425">
+          <a:bodyPr spcFirstLastPara="1" wrap="square" lIns="91425" tIns="91425" rIns="91425" bIns="91425" anchor="t" anchorCtr="0">
             <a:noAutofit/>
           </a:bodyPr>
           <a:lstStyle/>
           <a:p>
-            <a:pPr indent="0" lvl="0" marL="0" rtl="0" algn="l">
+            <a:pPr marL="0" lvl="0" indent="0" algn="l" rtl="0">
               <a:spcBef>
                 <a:spcPts val="0"/>
               </a:spcBef>
@@ -7025,7 +7056,7 @@
               <a:buNone/>
             </a:pPr>
             <a:r>
-              <a:rPr b="1" lang="en" sz="1200">
+              <a:rPr lang="en" sz="1200" b="1" dirty="0">
                 <a:solidFill>
                   <a:srgbClr val="000000"/>
                 </a:solidFill>
@@ -7034,21 +7065,9 @@
                 <a:cs typeface="Arial"/>
                 <a:sym typeface="Arial"/>
               </a:rPr>
-              <a:t>U</a:t>
+              <a:t>View, Update and Add the data of the following:</a:t>
             </a:r>
-            <a:r>
-              <a:rPr b="1" lang="en" sz="1200">
-                <a:solidFill>
-                  <a:srgbClr val="000000"/>
-                </a:solidFill>
-                <a:latin typeface="Arial"/>
-                <a:ea typeface="Arial"/>
-                <a:cs typeface="Arial"/>
-                <a:sym typeface="Arial"/>
-              </a:rPr>
-              <a:t>pdate the data of the following:</a:t>
-            </a:r>
-            <a:endParaRPr b="1" sz="1200">
+            <a:endParaRPr sz="1200" b="1" dirty="0">
               <a:solidFill>
                 <a:srgbClr val="000000"/>
               </a:solidFill>
@@ -7059,7 +7078,7 @@
             </a:endParaRPr>
           </a:p>
           <a:p>
-            <a:pPr indent="0" lvl="0" marL="457200" rtl="0" algn="l">
+            <a:pPr marL="457200" lvl="0" indent="0" algn="l" rtl="0">
               <a:spcBef>
                 <a:spcPts val="1200"/>
               </a:spcBef>
@@ -7069,7 +7088,7 @@
               <a:buNone/>
             </a:pPr>
             <a:r>
-              <a:rPr lang="en" sz="1200">
+              <a:rPr lang="en" sz="1200" dirty="0">
                 <a:solidFill>
                   <a:srgbClr val="000000"/>
                 </a:solidFill>
@@ -7080,7 +7099,7 @@
               </a:rPr>
               <a:t>a.    Nurse</a:t>
             </a:r>
-            <a:endParaRPr sz="1200">
+            <a:endParaRPr sz="1200" dirty="0">
               <a:solidFill>
                 <a:srgbClr val="000000"/>
               </a:solidFill>
@@ -7091,7 +7110,7 @@
             </a:endParaRPr>
           </a:p>
           <a:p>
-            <a:pPr indent="0" lvl="0" marL="457200" rtl="0" algn="l">
+            <a:pPr marL="457200" lvl="0" indent="0" algn="l" rtl="0">
               <a:spcBef>
                 <a:spcPts val="1200"/>
               </a:spcBef>
@@ -7101,7 +7120,7 @@
               <a:buNone/>
             </a:pPr>
             <a:r>
-              <a:rPr lang="en" sz="1200">
+              <a:rPr lang="en" sz="1200" dirty="0">
                 <a:solidFill>
                   <a:srgbClr val="000000"/>
                 </a:solidFill>
@@ -7112,7 +7131,7 @@
               </a:rPr>
               <a:t>b.    Doctor</a:t>
             </a:r>
-            <a:endParaRPr sz="1200">
+            <a:endParaRPr sz="1200" dirty="0">
               <a:solidFill>
                 <a:srgbClr val="000000"/>
               </a:solidFill>
@@ -7123,7 +7142,7 @@
             </a:endParaRPr>
           </a:p>
           <a:p>
-            <a:pPr indent="0" lvl="0" marL="457200" rtl="0" algn="l">
+            <a:pPr marL="457200" lvl="0" indent="0" algn="l" rtl="0">
               <a:spcBef>
                 <a:spcPts val="1200"/>
               </a:spcBef>
@@ -7133,7 +7152,7 @@
               <a:buNone/>
             </a:pPr>
             <a:r>
-              <a:rPr lang="en" sz="1200">
+              <a:rPr lang="en" sz="1200" dirty="0">
                 <a:solidFill>
                   <a:srgbClr val="000000"/>
                 </a:solidFill>
@@ -7144,7 +7163,7 @@
               </a:rPr>
               <a:t>c.    Hospital</a:t>
             </a:r>
-            <a:endParaRPr sz="1200">
+            <a:endParaRPr sz="1200" dirty="0">
               <a:solidFill>
                 <a:srgbClr val="000000"/>
               </a:solidFill>
@@ -7155,7 +7174,7 @@
             </a:endParaRPr>
           </a:p>
           <a:p>
-            <a:pPr indent="0" lvl="0" marL="457200" rtl="0" algn="l">
+            <a:pPr marL="457200" lvl="0" indent="0" algn="l" rtl="0">
               <a:spcBef>
                 <a:spcPts val="1200"/>
               </a:spcBef>
@@ -7165,7 +7184,7 @@
               <a:buNone/>
             </a:pPr>
             <a:r>
-              <a:rPr lang="en" sz="1200">
+              <a:rPr lang="en" sz="1200" dirty="0">
                 <a:solidFill>
                   <a:srgbClr val="000000"/>
                 </a:solidFill>
@@ -7176,7 +7195,7 @@
               </a:rPr>
               <a:t>d.    Rooms</a:t>
             </a:r>
-            <a:endParaRPr sz="1200">
+            <a:endParaRPr sz="1200" dirty="0">
               <a:solidFill>
                 <a:srgbClr val="000000"/>
               </a:solidFill>
@@ -7187,7 +7206,7 @@
             </a:endParaRPr>
           </a:p>
           <a:p>
-            <a:pPr indent="0" lvl="0" marL="457200" rtl="0" algn="l">
+            <a:pPr marL="457200" lvl="0" indent="0" algn="l" rtl="0">
               <a:spcBef>
                 <a:spcPts val="1200"/>
               </a:spcBef>
@@ -7197,7 +7216,7 @@
               <a:buNone/>
             </a:pPr>
             <a:r>
-              <a:rPr lang="en" sz="1200">
+              <a:rPr lang="en" sz="1200" dirty="0">
                 <a:solidFill>
                   <a:srgbClr val="000000"/>
                 </a:solidFill>
@@ -7208,7 +7227,7 @@
               </a:rPr>
               <a:t>e.    Workers (maintenance workers)</a:t>
             </a:r>
-            <a:endParaRPr sz="1200">
+            <a:endParaRPr sz="1200" dirty="0">
               <a:solidFill>
                 <a:srgbClr val="000000"/>
               </a:solidFill>
@@ -7219,7 +7238,7 @@
             </a:endParaRPr>
           </a:p>
           <a:p>
-            <a:pPr indent="0" lvl="0" marL="457200" rtl="0" algn="l">
+            <a:pPr marL="457200" lvl="0" indent="0" algn="l" rtl="0">
               <a:spcBef>
                 <a:spcPts val="1200"/>
               </a:spcBef>
@@ -7229,7 +7248,7 @@
               <a:buNone/>
             </a:pPr>
             <a:r>
-              <a:rPr lang="en" sz="1200">
+              <a:rPr lang="en" sz="1200" dirty="0">
                 <a:solidFill>
                   <a:srgbClr val="000000"/>
                 </a:solidFill>
@@ -7240,7 +7259,7 @@
               </a:rPr>
               <a:t>f.     Patients</a:t>
             </a:r>
-            <a:endParaRPr sz="1200">
+            <a:endParaRPr sz="1200" dirty="0">
               <a:solidFill>
                 <a:srgbClr val="000000"/>
               </a:solidFill>
@@ -7251,7 +7270,7 @@
             </a:endParaRPr>
           </a:p>
           <a:p>
-            <a:pPr indent="457200" lvl="0" marL="0" rtl="0" algn="l">
+            <a:pPr marL="0" lvl="0" indent="457200" algn="l" rtl="0">
               <a:spcBef>
                 <a:spcPts val="1200"/>
               </a:spcBef>
@@ -7261,7 +7280,7 @@
               <a:buNone/>
             </a:pPr>
             <a:r>
-              <a:rPr lang="en" sz="1200">
+              <a:rPr lang="en" sz="1200" dirty="0">
                 <a:solidFill>
                   <a:srgbClr val="000000"/>
                 </a:solidFill>
@@ -7272,7 +7291,38 @@
               </a:rPr>
               <a:t>g.    Medication</a:t>
             </a:r>
-            <a:endParaRPr sz="1200">
+          </a:p>
+          <a:p>
+            <a:pPr marL="0" indent="457200">
+              <a:spcBef>
+                <a:spcPts val="1200"/>
+              </a:spcBef>
+              <a:buNone/>
+            </a:pPr>
+            <a:r>
+              <a:rPr lang="en" sz="1200" dirty="0">
+                <a:solidFill>
+                  <a:srgbClr val="000000"/>
+                </a:solidFill>
+                <a:latin typeface="Arial"/>
+                <a:ea typeface="Arial"/>
+                <a:cs typeface="Arial"/>
+                <a:sym typeface="Arial"/>
+              </a:rPr>
+              <a:t>h.    Prescibed medicaition</a:t>
+            </a:r>
+          </a:p>
+          <a:p>
+            <a:pPr marL="0" lvl="0" indent="457200" algn="l" rtl="0">
+              <a:spcBef>
+                <a:spcPts val="1200"/>
+              </a:spcBef>
+              <a:spcAft>
+                <a:spcPts val="0"/>
+              </a:spcAft>
+              <a:buNone/>
+            </a:pPr>
+            <a:endParaRPr dirty="0">
               <a:solidFill>
                 <a:srgbClr val="000000"/>
               </a:solidFill>
@@ -7283,7 +7333,7 @@
             </a:endParaRPr>
           </a:p>
           <a:p>
-            <a:pPr indent="0" lvl="0" marL="0" rtl="0" algn="l">
+            <a:pPr marL="0" lvl="0" indent="0" algn="l" rtl="0">
               <a:spcBef>
                 <a:spcPts val="1200"/>
               </a:spcBef>
@@ -7292,10 +7342,7 @@
               </a:spcAft>
               <a:buNone/>
             </a:pPr>
-            <a:r>
-              <a:t/>
-            </a:r>
-            <a:endParaRPr sz="1200">
+            <a:endParaRPr sz="1200" dirty="0">
               <a:solidFill>
                 <a:srgbClr val="000000"/>
               </a:solidFill>
@@ -7306,7 +7353,7 @@
             </a:endParaRPr>
           </a:p>
           <a:p>
-            <a:pPr indent="0" lvl="0" marL="457200" rtl="0" algn="l">
+            <a:pPr marL="457200" lvl="0" indent="0" algn="l" rtl="0">
               <a:spcBef>
                 <a:spcPts val="1200"/>
               </a:spcBef>
@@ -7315,10 +7362,7 @@
               </a:spcAft>
               <a:buNone/>
             </a:pPr>
-            <a:r>
-              <a:t/>
-            </a:r>
-            <a:endParaRPr sz="1200">
+            <a:endParaRPr sz="1200" dirty="0">
               <a:solidFill>
                 <a:srgbClr val="000000"/>
               </a:solidFill>
@@ -7329,7 +7373,7 @@
             </a:endParaRPr>
           </a:p>
           <a:p>
-            <a:pPr indent="0" lvl="0" marL="0" rtl="0" algn="l">
+            <a:pPr marL="0" lvl="0" indent="0" algn="l" rtl="0">
               <a:spcBef>
                 <a:spcPts val="1200"/>
               </a:spcBef>
@@ -7338,19 +7382,18 @@
               </a:spcAft>
               <a:buNone/>
             </a:pPr>
-            <a:r>
-              <a:t/>
-            </a:r>
-            <a:endParaRPr sz="1200"/>
+            <a:endParaRPr sz="1200" dirty="0"/>
           </a:p>
         </p:txBody>
       </p:sp>
       <p:sp>
         <p:nvSpPr>
           <p:cNvPr id="74" name="Google Shape;74;p14"/>
-          <p:cNvSpPr txBox="1"/>
+          <p:cNvSpPr txBox="1">
+            <a:spLocks noGrp="1"/>
+          </p:cNvSpPr>
           <p:nvPr>
-            <p:ph idx="2" type="body"/>
+            <p:ph type="body" idx="2"/>
           </p:nvPr>
         </p:nvSpPr>
         <p:spPr>
@@ -7363,12 +7406,12 @@
           </a:prstGeom>
         </p:spPr>
         <p:txBody>
-          <a:bodyPr anchorCtr="0" anchor="t" bIns="91425" lIns="91425" spcFirstLastPara="1" rIns="91425" wrap="square" tIns="91425">
+          <a:bodyPr spcFirstLastPara="1" wrap="square" lIns="91425" tIns="91425" rIns="91425" bIns="91425" anchor="t" anchorCtr="0">
             <a:normAutofit/>
           </a:bodyPr>
           <a:lstStyle/>
           <a:p>
-            <a:pPr indent="0" lvl="0" marL="0" rtl="0" algn="l">
+            <a:pPr marL="0" lvl="0" indent="0" algn="l" rtl="0">
               <a:spcBef>
                 <a:spcPts val="0"/>
               </a:spcBef>
@@ -7378,7 +7421,7 @@
               <a:buNone/>
             </a:pPr>
             <a:r>
-              <a:rPr b="1" lang="en" sz="1200">
+              <a:rPr lang="en-US" sz="1200" b="1" dirty="0">
                 <a:solidFill>
                   <a:srgbClr val="000000"/>
                 </a:solidFill>
@@ -7387,9 +7430,147 @@
                 <a:cs typeface="Arial"/>
                 <a:sym typeface="Arial"/>
               </a:rPr>
-              <a:t>View reports on the following:</a:t>
+              <a:t>In addition to View and Update:</a:t>
             </a:r>
-            <a:endParaRPr b="1" sz="1200">
+          </a:p>
+          <a:p>
+            <a:pPr marL="0" lvl="0" indent="0" algn="l" rtl="0">
+              <a:spcBef>
+                <a:spcPts val="0"/>
+              </a:spcBef>
+              <a:spcAft>
+                <a:spcPts val="0"/>
+              </a:spcAft>
+              <a:buNone/>
+            </a:pPr>
+            <a:r>
+              <a:rPr lang="en" sz="1200" dirty="0">
+                <a:solidFill>
+                  <a:srgbClr val="000000"/>
+                </a:solidFill>
+                <a:latin typeface="Arial"/>
+                <a:ea typeface="Arial"/>
+                <a:cs typeface="Arial"/>
+                <a:sym typeface="Arial"/>
+              </a:rPr>
+              <a:t>a.  Patients taking certain medication</a:t>
+            </a:r>
+          </a:p>
+          <a:p>
+            <a:pPr marL="228600" lvl="0" indent="-228600" algn="l" rtl="0">
+              <a:spcBef>
+                <a:spcPts val="1200"/>
+              </a:spcBef>
+              <a:spcAft>
+                <a:spcPts val="0"/>
+              </a:spcAft>
+              <a:buAutoNum type="alphaLcPeriod" startAt="2"/>
+            </a:pPr>
+            <a:r>
+              <a:rPr lang="en-US" sz="1200" dirty="0">
+                <a:solidFill>
+                  <a:srgbClr val="000000"/>
+                </a:solidFill>
+                <a:latin typeface="Arial"/>
+                <a:ea typeface="Arial"/>
+                <a:cs typeface="Arial"/>
+                <a:sym typeface="Arial"/>
+              </a:rPr>
+              <a:t>Maintenance maintaining hospitals</a:t>
+            </a:r>
+          </a:p>
+          <a:p>
+            <a:pPr marL="228600" lvl="0" indent="-228600" algn="l" rtl="0">
+              <a:spcBef>
+                <a:spcPts val="1200"/>
+              </a:spcBef>
+              <a:spcAft>
+                <a:spcPts val="0"/>
+              </a:spcAft>
+              <a:buAutoNum type="alphaLcPeriod" startAt="2"/>
+            </a:pPr>
+            <a:r>
+              <a:rPr lang="en-US" sz="1200" dirty="0">
+                <a:solidFill>
+                  <a:srgbClr val="000000"/>
+                </a:solidFill>
+                <a:latin typeface="Arial"/>
+                <a:ea typeface="Arial"/>
+                <a:cs typeface="Arial"/>
+                <a:sym typeface="Arial"/>
+              </a:rPr>
+              <a:t>Nurse monitoring rooms</a:t>
+            </a:r>
+          </a:p>
+          <a:p>
+            <a:pPr marL="228600" lvl="0" indent="-228600" algn="l" rtl="0">
+              <a:spcBef>
+                <a:spcPts val="1200"/>
+              </a:spcBef>
+              <a:spcAft>
+                <a:spcPts val="0"/>
+              </a:spcAft>
+              <a:buAutoNum type="alphaLcPeriod" startAt="2"/>
+            </a:pPr>
+            <a:r>
+              <a:rPr lang="en-US" sz="1200" dirty="0">
+                <a:solidFill>
+                  <a:srgbClr val="000000"/>
+                </a:solidFill>
+                <a:latin typeface="Arial"/>
+                <a:ea typeface="Arial"/>
+                <a:cs typeface="Arial"/>
+                <a:sym typeface="Arial"/>
+              </a:rPr>
+              <a:t>Room nurses are monitoring </a:t>
+            </a:r>
+          </a:p>
+          <a:p>
+            <a:pPr marL="228600" lvl="0" indent="-228600" algn="l" rtl="0">
+              <a:spcBef>
+                <a:spcPts val="1200"/>
+              </a:spcBef>
+              <a:spcAft>
+                <a:spcPts val="0"/>
+              </a:spcAft>
+              <a:buAutoNum type="alphaLcPeriod" startAt="2"/>
+            </a:pPr>
+            <a:r>
+              <a:rPr lang="en-US" sz="1200" dirty="0">
+                <a:solidFill>
+                  <a:srgbClr val="000000"/>
+                </a:solidFill>
+                <a:latin typeface="Arial"/>
+                <a:ea typeface="Arial"/>
+                <a:cs typeface="Arial"/>
+                <a:sym typeface="Arial"/>
+              </a:rPr>
+              <a:t>Patient in each room</a:t>
+            </a:r>
+          </a:p>
+          <a:p>
+            <a:pPr marL="228600" lvl="0" indent="-228600" algn="l" rtl="0">
+              <a:spcBef>
+                <a:spcPts val="1200"/>
+              </a:spcBef>
+              <a:spcAft>
+                <a:spcPts val="0"/>
+              </a:spcAft>
+              <a:buAutoNum type="alphaLcPeriod" startAt="2"/>
+            </a:pPr>
+            <a:r>
+              <a:rPr lang="en-US" sz="1200" dirty="0">
+                <a:solidFill>
+                  <a:srgbClr val="000000"/>
+                </a:solidFill>
+                <a:latin typeface="Arial"/>
+                <a:ea typeface="Arial"/>
+                <a:cs typeface="Arial"/>
+                <a:sym typeface="Arial"/>
+              </a:rPr>
+              <a:t>Doctor’s patients</a:t>
+            </a:r>
+            <a:endParaRPr sz="1200" dirty="0">
               <a:solidFill>
                 <a:srgbClr val="000000"/>
               </a:solidFill>
@@ -7400,179 +7581,16 @@
             </a:endParaRPr>
           </a:p>
           <a:p>
-            <a:pPr indent="457200" lvl="0" marL="0" rtl="0" algn="l">
+            <a:pPr marL="0" lvl="0" indent="0" algn="l" rtl="0">
               <a:spcBef>
                 <a:spcPts val="1200"/>
               </a:spcBef>
               <a:spcAft>
-                <a:spcPts val="0"/>
+                <a:spcPts val="1200"/>
               </a:spcAft>
               <a:buNone/>
             </a:pPr>
-            <a:r>
-              <a:rPr lang="en" sz="1200">
-                <a:solidFill>
-                  <a:srgbClr val="000000"/>
-                </a:solidFill>
-                <a:latin typeface="Arial"/>
-                <a:ea typeface="Arial"/>
-                <a:cs typeface="Arial"/>
-                <a:sym typeface="Arial"/>
-              </a:rPr>
-              <a:t>a.    Number of patients per Hospital</a:t>
-            </a:r>
-            <a:endParaRPr sz="1200">
-              <a:solidFill>
-                <a:srgbClr val="000000"/>
-              </a:solidFill>
-              <a:latin typeface="Arial"/>
-              <a:ea typeface="Arial"/>
-              <a:cs typeface="Arial"/>
-              <a:sym typeface="Arial"/>
-            </a:endParaRPr>
-          </a:p>
-          <a:p>
-            <a:pPr indent="457200" lvl="0" marL="0" rtl="0" algn="l">
-              <a:spcBef>
-                <a:spcPts val="1200"/>
-              </a:spcBef>
-              <a:spcAft>
-                <a:spcPts val="0"/>
-              </a:spcAft>
-              <a:buNone/>
-            </a:pPr>
-            <a:r>
-              <a:rPr lang="en" sz="1200">
-                <a:solidFill>
-                  <a:srgbClr val="000000"/>
-                </a:solidFill>
-                <a:latin typeface="Arial"/>
-                <a:ea typeface="Arial"/>
-                <a:cs typeface="Arial"/>
-                <a:sym typeface="Arial"/>
-              </a:rPr>
-              <a:t>b.    Avg stay in Hospital</a:t>
-            </a:r>
-            <a:endParaRPr sz="1200">
-              <a:solidFill>
-                <a:srgbClr val="000000"/>
-              </a:solidFill>
-              <a:latin typeface="Arial"/>
-              <a:ea typeface="Arial"/>
-              <a:cs typeface="Arial"/>
-              <a:sym typeface="Arial"/>
-            </a:endParaRPr>
-          </a:p>
-          <a:p>
-            <a:pPr indent="457200" lvl="0" marL="0" rtl="0" algn="l">
-              <a:spcBef>
-                <a:spcPts val="1200"/>
-              </a:spcBef>
-              <a:spcAft>
-                <a:spcPts val="0"/>
-              </a:spcAft>
-              <a:buNone/>
-            </a:pPr>
-            <a:r>
-              <a:rPr lang="en" sz="1200">
-                <a:solidFill>
-                  <a:srgbClr val="000000"/>
-                </a:solidFill>
-                <a:latin typeface="Arial"/>
-                <a:ea typeface="Arial"/>
-                <a:cs typeface="Arial"/>
-                <a:sym typeface="Arial"/>
-              </a:rPr>
-              <a:t>c.    Number of Nurses per Hospital</a:t>
-            </a:r>
-            <a:endParaRPr sz="1200">
-              <a:solidFill>
-                <a:srgbClr val="000000"/>
-              </a:solidFill>
-              <a:latin typeface="Arial"/>
-              <a:ea typeface="Arial"/>
-              <a:cs typeface="Arial"/>
-              <a:sym typeface="Arial"/>
-            </a:endParaRPr>
-          </a:p>
-          <a:p>
-            <a:pPr indent="457200" lvl="0" marL="0" rtl="0" algn="l">
-              <a:spcBef>
-                <a:spcPts val="1200"/>
-              </a:spcBef>
-              <a:spcAft>
-                <a:spcPts val="0"/>
-              </a:spcAft>
-              <a:buNone/>
-            </a:pPr>
-            <a:r>
-              <a:rPr lang="en" sz="1200">
-                <a:solidFill>
-                  <a:srgbClr val="000000"/>
-                </a:solidFill>
-                <a:latin typeface="Arial"/>
-                <a:ea typeface="Arial"/>
-                <a:cs typeface="Arial"/>
-                <a:sym typeface="Arial"/>
-              </a:rPr>
-              <a:t>d.    Number of Doctors per Hospital</a:t>
-            </a:r>
-            <a:endParaRPr sz="1200">
-              <a:solidFill>
-                <a:srgbClr val="000000"/>
-              </a:solidFill>
-              <a:latin typeface="Arial"/>
-              <a:ea typeface="Arial"/>
-              <a:cs typeface="Arial"/>
-              <a:sym typeface="Arial"/>
-            </a:endParaRPr>
-          </a:p>
-          <a:p>
-            <a:pPr indent="0" lvl="0" marL="0" rtl="0" algn="l">
-              <a:spcBef>
-                <a:spcPts val="1200"/>
-              </a:spcBef>
-              <a:spcAft>
-                <a:spcPts val="0"/>
-              </a:spcAft>
-              <a:buNone/>
-            </a:pPr>
-            <a:r>
-              <a:rPr lang="en" sz="1200">
-                <a:solidFill>
-                  <a:srgbClr val="000000"/>
-                </a:solidFill>
-                <a:latin typeface="Arial"/>
-                <a:ea typeface="Arial"/>
-                <a:cs typeface="Arial"/>
-                <a:sym typeface="Arial"/>
-              </a:rPr>
-              <a:t>	e.     Most used medication per Hospital</a:t>
-            </a:r>
-            <a:endParaRPr sz="1200">
-              <a:solidFill>
-                <a:srgbClr val="000000"/>
-              </a:solidFill>
-              <a:latin typeface="Arial"/>
-              <a:ea typeface="Arial"/>
-              <a:cs typeface="Arial"/>
-              <a:sym typeface="Arial"/>
-            </a:endParaRPr>
-          </a:p>
-          <a:p>
-            <a:pPr indent="0" lvl="0" marL="0" rtl="0" algn="l">
-              <a:spcBef>
-                <a:spcPts val="1200"/>
-              </a:spcBef>
-              <a:spcAft>
-                <a:spcPts val="1200"/>
-              </a:spcAft>
-              <a:buNone/>
-            </a:pPr>
-            <a:r>
-              <a:t/>
-            </a:r>
-            <a:endParaRPr sz="1200"/>
+            <a:endParaRPr sz="1200" dirty="0"/>
           </a:p>
         </p:txBody>
       </p:sp>
@@ -7585,7 +7603,7 @@
         <p:spPr>
           <a:xfrm>
             <a:off x="311700" y="830200"/>
-            <a:ext cx="8334900" cy="932100"/>
+            <a:ext cx="8334900" cy="1129510"/>
           </a:xfrm>
           <a:prstGeom prst="rect">
             <a:avLst/>
@@ -7596,12 +7614,12 @@
           </a:ln>
         </p:spPr>
         <p:txBody>
-          <a:bodyPr anchorCtr="0" anchor="t" bIns="91425" lIns="91425" spcFirstLastPara="1" rIns="91425" wrap="square" tIns="91425">
+          <a:bodyPr spcFirstLastPara="1" wrap="square" lIns="91425" tIns="91425" rIns="91425" bIns="91425" anchor="t" anchorCtr="0">
             <a:spAutoFit/>
           </a:bodyPr>
           <a:lstStyle/>
           <a:p>
-            <a:pPr indent="0" lvl="0" marL="0" rtl="0" algn="l">
+            <a:pPr marL="0" lvl="0" indent="0" algn="l" rtl="0">
               <a:lnSpc>
                 <a:spcPct val="115000"/>
               </a:lnSpc>
@@ -7614,13 +7632,25 @@
               <a:buNone/>
             </a:pPr>
             <a:r>
-              <a:rPr lang="en" sz="1700"/>
-              <a:t>Our project is a simple web app hospital management system. </a:t>
+              <a:rPr lang="en" sz="1700" dirty="0"/>
+              <a:t>Our project is a simple web app </a:t>
             </a:r>
-            <a:endParaRPr sz="1700"/>
+            <a:r>
+              <a:rPr lang="en" sz="1700" b="1" dirty="0">
+                <a:solidFill>
+                  <a:srgbClr val="FF0000"/>
+                </a:solidFill>
+              </a:rPr>
+              <a:t>hospital management system</a:t>
+            </a:r>
+            <a:r>
+              <a:rPr lang="en" sz="1700" dirty="0"/>
+              <a:t>. </a:t>
+            </a:r>
+            <a:endParaRPr sz="1700" dirty="0"/>
           </a:p>
           <a:p>
-            <a:pPr indent="0" lvl="0" marL="0" rtl="0" algn="l">
+            <a:pPr marL="0" lvl="0" indent="0" algn="l" rtl="0">
               <a:lnSpc>
                 <a:spcPct val="115000"/>
               </a:lnSpc>
@@ -7633,15 +7663,15 @@
               <a:buNone/>
             </a:pPr>
             <a:r>
-              <a:rPr b="1" lang="en" sz="1700"/>
+              <a:rPr lang="en" sz="1700" b="1" dirty="0"/>
               <a:t>Super Admin</a:t>
             </a:r>
             <a:r>
-              <a:rPr lang="en" sz="1700"/>
+              <a:rPr lang="en" sz="1700" dirty="0"/>
               <a:t> can:</a:t>
             </a:r>
             <a:r>
-              <a:rPr lang="en" sz="1900">
+              <a:rPr lang="en" sz="1900" dirty="0">
                 <a:latin typeface="Open Sans"/>
                 <a:ea typeface="Open Sans"/>
                 <a:cs typeface="Open Sans"/>
@@ -7649,7 +7679,7 @@
               </a:rPr>
               <a:t>	</a:t>
             </a:r>
-            <a:endParaRPr sz="1900">
+            <a:endParaRPr sz="1900" dirty="0">
               <a:latin typeface="Open Sans"/>
               <a:ea typeface="Open Sans"/>
               <a:cs typeface="Open Sans"/>
@@ -7667,11 +7697,11 @@
 </file>
 
 <file path=ppt/slides/slide3.xml><?xml version="1.0" encoding="utf-8"?>
-<p:sld xmlns:a="http://schemas.openxmlformats.org/drawingml/2006/main" xmlns:r="http://schemas.openxmlformats.org/officeDocument/2006/relationships" xmlns:mc="http://schemas.openxmlformats.org/markup-compatibility/2006" xmlns:mv="urn:schemas-microsoft-com:mac:vml" xmlns:p="http://schemas.openxmlformats.org/presentationml/2006/main" xmlns:c="http://schemas.openxmlformats.org/drawingml/2006/chart" xmlns:dgm="http://schemas.openxmlformats.org/drawingml/2006/diagram" xmlns:o="urn:schemas-microsoft-com:office:office" xmlns:v="urn:schemas-microsoft-com:vml" xmlns:pvml="urn:schemas-microsoft-com:office:powerpoint" xmlns:com="http://schemas.openxmlformats.org/drawingml/2006/compatibility" xmlns:p14="http://schemas.microsoft.com/office/powerpoint/2010/main" xmlns:p15="http://schemas.microsoft.com/office/powerpoint/2012/main" xmlns:ahyp="http://schemas.microsoft.com/office/drawing/2018/hyperlinkcolor">
+<p:sld xmlns:a="http://schemas.openxmlformats.org/drawingml/2006/main" xmlns:r="http://schemas.openxmlformats.org/officeDocument/2006/relationships" xmlns:p="http://schemas.openxmlformats.org/presentationml/2006/main">
   <p:cSld>
     <p:spTree>
       <p:nvGrpSpPr>
-        <p:cNvPr id="79" name="Shape 79"/>
+        <p:cNvPr id="1" name="Shape 79"/>
         <p:cNvGrpSpPr/>
         <p:nvPr/>
       </p:nvGrpSpPr>
@@ -7686,7 +7716,9 @@
       <p:sp>
         <p:nvSpPr>
           <p:cNvPr id="80" name="Google Shape;80;p15"/>
-          <p:cNvSpPr txBox="1"/>
+          <p:cNvSpPr txBox="1">
+            <a:spLocks noGrp="1"/>
+          </p:cNvSpPr>
           <p:nvPr>
             <p:ph type="title"/>
           </p:nvPr>
@@ -7701,12 +7733,12 @@
           </a:prstGeom>
         </p:spPr>
         <p:txBody>
-          <a:bodyPr anchorCtr="0" anchor="t" bIns="91425" lIns="91425" spcFirstLastPara="1" rIns="91425" wrap="square" tIns="91425">
+          <a:bodyPr spcFirstLastPara="1" wrap="square" lIns="91425" tIns="91425" rIns="91425" bIns="91425" anchor="t" anchorCtr="0">
             <a:normAutofit fontScale="90000"/>
           </a:bodyPr>
           <a:lstStyle/>
           <a:p>
-            <a:pPr indent="0" lvl="0" marL="0" rtl="0" algn="ctr">
+            <a:pPr marL="0" lvl="0" indent="0" algn="ctr" rtl="0">
               <a:spcBef>
                 <a:spcPts val="0"/>
               </a:spcBef>
@@ -7733,7 +7765,7 @@
           <a:blip r:embed="rId3">
             <a:alphaModFix/>
           </a:blip>
-          <a:srcRect b="1792" l="1573" r="3658" t="1840"/>
+          <a:srcRect l="1573" t="1840" r="3658" b="1792"/>
           <a:stretch/>
         </p:blipFill>
         <p:spPr>
@@ -7759,11 +7791,11 @@
 </file>
 
 <file path=ppt/slides/slide4.xml><?xml version="1.0" encoding="utf-8"?>
-<p:sld xmlns:a="http://schemas.openxmlformats.org/drawingml/2006/main" xmlns:r="http://schemas.openxmlformats.org/officeDocument/2006/relationships" xmlns:mc="http://schemas.openxmlformats.org/markup-compatibility/2006" xmlns:mv="urn:schemas-microsoft-com:mac:vml" xmlns:p="http://schemas.openxmlformats.org/presentationml/2006/main" xmlns:c="http://schemas.openxmlformats.org/drawingml/2006/chart" xmlns:dgm="http://schemas.openxmlformats.org/drawingml/2006/diagram" xmlns:o="urn:schemas-microsoft-com:office:office" xmlns:v="urn:schemas-microsoft-com:vml" xmlns:pvml="urn:schemas-microsoft-com:office:powerpoint" xmlns:com="http://schemas.openxmlformats.org/drawingml/2006/compatibility" xmlns:p14="http://schemas.microsoft.com/office/powerpoint/2010/main" xmlns:p15="http://schemas.microsoft.com/office/powerpoint/2012/main" xmlns:ahyp="http://schemas.microsoft.com/office/drawing/2018/hyperlinkcolor">
+<p:sld xmlns:a="http://schemas.openxmlformats.org/drawingml/2006/main" xmlns:r="http://schemas.openxmlformats.org/officeDocument/2006/relationships" xmlns:p="http://schemas.openxmlformats.org/presentationml/2006/main">
   <p:cSld>
     <p:spTree>
       <p:nvGrpSpPr>
-        <p:cNvPr id="85" name="Shape 85"/>
+        <p:cNvPr id="1" name="Shape 85"/>
         <p:cNvGrpSpPr/>
         <p:nvPr/>
       </p:nvGrpSpPr>
@@ -7778,7 +7810,9 @@
       <p:sp>
         <p:nvSpPr>
           <p:cNvPr id="86" name="Google Shape;86;p16"/>
-          <p:cNvSpPr txBox="1"/>
+          <p:cNvSpPr txBox="1">
+            <a:spLocks noGrp="1"/>
+          </p:cNvSpPr>
           <p:nvPr>
             <p:ph type="title"/>
           </p:nvPr>
@@ -7793,12 +7827,12 @@
           </a:prstGeom>
         </p:spPr>
         <p:txBody>
-          <a:bodyPr anchorCtr="0" anchor="t" bIns="91425" lIns="91425" spcFirstLastPara="1" rIns="91425" wrap="square" tIns="91425">
+          <a:bodyPr spcFirstLastPara="1" wrap="square" lIns="91425" tIns="91425" rIns="91425" bIns="91425" anchor="t" anchorCtr="0">
             <a:normAutofit fontScale="90000"/>
           </a:bodyPr>
           <a:lstStyle/>
           <a:p>
-            <a:pPr indent="0" lvl="0" marL="0" rtl="0" algn="ctr">
+            <a:pPr marL="0" lvl="0" indent="0" algn="ctr" rtl="0">
               <a:spcBef>
                 <a:spcPts val="0"/>
               </a:spcBef>
@@ -7852,11 +7886,11 @@
 </file>
 
 <file path=ppt/slides/slide5.xml><?xml version="1.0" encoding="utf-8"?>
-<p:sld xmlns:a="http://schemas.openxmlformats.org/drawingml/2006/main" xmlns:r="http://schemas.openxmlformats.org/officeDocument/2006/relationships" xmlns:mc="http://schemas.openxmlformats.org/markup-compatibility/2006" xmlns:mv="urn:schemas-microsoft-com:mac:vml" xmlns:p="http://schemas.openxmlformats.org/presentationml/2006/main" xmlns:c="http://schemas.openxmlformats.org/drawingml/2006/chart" xmlns:dgm="http://schemas.openxmlformats.org/drawingml/2006/diagram" xmlns:o="urn:schemas-microsoft-com:office:office" xmlns:v="urn:schemas-microsoft-com:vml" xmlns:pvml="urn:schemas-microsoft-com:office:powerpoint" xmlns:com="http://schemas.openxmlformats.org/drawingml/2006/compatibility" xmlns:p14="http://schemas.microsoft.com/office/powerpoint/2010/main" xmlns:p15="http://schemas.microsoft.com/office/powerpoint/2012/main" xmlns:ahyp="http://schemas.microsoft.com/office/drawing/2018/hyperlinkcolor">
+<p:sld xmlns:a="http://schemas.openxmlformats.org/drawingml/2006/main" xmlns:r="http://schemas.openxmlformats.org/officeDocument/2006/relationships" xmlns:p="http://schemas.openxmlformats.org/presentationml/2006/main">
   <p:cSld>
     <p:spTree>
       <p:nvGrpSpPr>
-        <p:cNvPr id="91" name="Shape 91"/>
+        <p:cNvPr id="1" name="Shape 91"/>
         <p:cNvGrpSpPr/>
         <p:nvPr/>
       </p:nvGrpSpPr>
@@ -7871,7 +7905,9 @@
       <p:sp>
         <p:nvSpPr>
           <p:cNvPr id="92" name="Google Shape;92;p17"/>
-          <p:cNvSpPr txBox="1"/>
+          <p:cNvSpPr txBox="1">
+            <a:spLocks noGrp="1"/>
+          </p:cNvSpPr>
           <p:nvPr>
             <p:ph type="title"/>
           </p:nvPr>
@@ -7886,12 +7922,12 @@
           </a:prstGeom>
         </p:spPr>
         <p:txBody>
-          <a:bodyPr anchorCtr="0" anchor="t" bIns="91425" lIns="91425" spcFirstLastPara="1" rIns="91425" wrap="square" tIns="91425">
+          <a:bodyPr spcFirstLastPara="1" wrap="square" lIns="91425" tIns="91425" rIns="91425" bIns="91425" anchor="t" anchorCtr="0">
             <a:normAutofit fontScale="90000"/>
           </a:bodyPr>
           <a:lstStyle/>
           <a:p>
-            <a:pPr indent="0" lvl="0" marL="0" rtl="0" algn="ctr">
+            <a:pPr marL="0" lvl="0" indent="0" algn="ctr" rtl="0">
               <a:spcBef>
                 <a:spcPts val="0"/>
               </a:spcBef>
@@ -7910,30 +7946,32 @@
       </p:sp>
       <p:pic>
         <p:nvPicPr>
-          <p:cNvPr id="93" name="Google Shape;93;p17"/>
-          <p:cNvPicPr preferRelativeResize="0"/>
+          <p:cNvPr id="5" name="Picture 4">
+            <a:extLst>
+              <a:ext uri="{FF2B5EF4-FFF2-40B4-BE49-F238E27FC236}">
+                <a16:creationId xmlns:a16="http://schemas.microsoft.com/office/drawing/2014/main" id="{CF54BAC9-3E38-488B-85F6-FBB50D6BAB78}"/>
+              </a:ext>
+            </a:extLst>
+          </p:cNvPr>
+          <p:cNvPicPr>
+            <a:picLocks noChangeAspect="1"/>
+          </p:cNvPicPr>
           <p:nvPr/>
         </p:nvPicPr>
         <p:blipFill>
-          <a:blip r:embed="rId3">
-            <a:alphaModFix/>
-          </a:blip>
+          <a:blip r:embed="rId3"/>
           <a:stretch>
             <a:fillRect/>
           </a:stretch>
         </p:blipFill>
         <p:spPr>
           <a:xfrm>
-            <a:off x="152400" y="994875"/>
-            <a:ext cx="8578903" cy="3996227"/>
+            <a:off x="453813" y="916982"/>
+            <a:ext cx="8466667" cy="3819474"/>
           </a:xfrm>
           <a:prstGeom prst="rect">
             <a:avLst/>
           </a:prstGeom>
-          <a:noFill/>
-          <a:ln>
-            <a:noFill/>
-          </a:ln>
         </p:spPr>
       </p:pic>
     </p:spTree>
@@ -7945,11 +7983,11 @@
 </file>
 
 <file path=ppt/slides/slide6.xml><?xml version="1.0" encoding="utf-8"?>
-<p:sld xmlns:a="http://schemas.openxmlformats.org/drawingml/2006/main" xmlns:r="http://schemas.openxmlformats.org/officeDocument/2006/relationships" xmlns:mc="http://schemas.openxmlformats.org/markup-compatibility/2006" xmlns:mv="urn:schemas-microsoft-com:mac:vml" xmlns:p="http://schemas.openxmlformats.org/presentationml/2006/main" xmlns:c="http://schemas.openxmlformats.org/drawingml/2006/chart" xmlns:dgm="http://schemas.openxmlformats.org/drawingml/2006/diagram" xmlns:o="urn:schemas-microsoft-com:office:office" xmlns:v="urn:schemas-microsoft-com:vml" xmlns:pvml="urn:schemas-microsoft-com:office:powerpoint" xmlns:com="http://schemas.openxmlformats.org/drawingml/2006/compatibility" xmlns:p14="http://schemas.microsoft.com/office/powerpoint/2010/main" xmlns:p15="http://schemas.microsoft.com/office/powerpoint/2012/main" xmlns:ahyp="http://schemas.microsoft.com/office/drawing/2018/hyperlinkcolor">
+<p:sld xmlns:a="http://schemas.openxmlformats.org/drawingml/2006/main" xmlns:r="http://schemas.openxmlformats.org/officeDocument/2006/relationships" xmlns:p="http://schemas.openxmlformats.org/presentationml/2006/main">
   <p:cSld>
     <p:spTree>
       <p:nvGrpSpPr>
-        <p:cNvPr id="97" name="Shape 97"/>
+        <p:cNvPr id="1" name="Shape 97"/>
         <p:cNvGrpSpPr/>
         <p:nvPr/>
       </p:nvGrpSpPr>
@@ -7964,7 +8002,9 @@
       <p:sp>
         <p:nvSpPr>
           <p:cNvPr id="98" name="Google Shape;98;p18"/>
-          <p:cNvSpPr txBox="1"/>
+          <p:cNvSpPr txBox="1">
+            <a:spLocks noGrp="1"/>
+          </p:cNvSpPr>
           <p:nvPr>
             <p:ph type="title"/>
           </p:nvPr>
@@ -7979,12 +8019,12 @@
           </a:prstGeom>
         </p:spPr>
         <p:txBody>
-          <a:bodyPr anchorCtr="0" anchor="t" bIns="91425" lIns="91425" spcFirstLastPara="1" rIns="91425" wrap="square" tIns="91425">
+          <a:bodyPr spcFirstLastPara="1" wrap="square" lIns="91425" tIns="91425" rIns="91425" bIns="91425" anchor="t" anchorCtr="0">
             <a:normAutofit fontScale="90000"/>
           </a:bodyPr>
           <a:lstStyle/>
           <a:p>
-            <a:pPr indent="0" lvl="0" marL="0" rtl="0" algn="ctr">
+            <a:pPr marL="0" lvl="0" indent="0" algn="ctr" rtl="0">
               <a:spcBef>
                 <a:spcPts val="0"/>
               </a:spcBef>
@@ -8000,7 +8040,7 @@
             <a:endParaRPr/>
           </a:p>
           <a:p>
-            <a:pPr indent="0" lvl="0" marL="0" rtl="0" algn="ctr">
+            <a:pPr marL="0" lvl="0" indent="0" algn="ctr" rtl="0">
               <a:spcBef>
                 <a:spcPts val="0"/>
               </a:spcBef>
@@ -8009,9 +8049,6 @@
               </a:spcAft>
               <a:buNone/>
             </a:pPr>
-            <a:r>
-              <a:t/>
-            </a:r>
             <a:endParaRPr/>
           </a:p>
         </p:txBody>
@@ -8025,7 +8062,7 @@
         <p:spPr>
           <a:xfrm>
             <a:off x="311700" y="1152425"/>
-            <a:ext cx="5304000" cy="2104800"/>
+            <a:ext cx="5304000" cy="2143633"/>
           </a:xfrm>
           <a:prstGeom prst="rect">
             <a:avLst/>
@@ -8036,12 +8073,12 @@
           </a:ln>
         </p:spPr>
         <p:txBody>
-          <a:bodyPr anchorCtr="0" anchor="t" bIns="91425" lIns="91425" spcFirstLastPara="1" rIns="91425" wrap="square" tIns="91425">
+          <a:bodyPr spcFirstLastPara="1" wrap="square" lIns="91425" tIns="91425" rIns="91425" bIns="91425" anchor="t" anchorCtr="0">
             <a:spAutoFit/>
           </a:bodyPr>
           <a:lstStyle/>
           <a:p>
-            <a:pPr indent="0" lvl="0" marL="0" rtl="0" algn="l">
+            <a:pPr marL="0" lvl="0" indent="0" algn="l" rtl="0">
               <a:lnSpc>
                 <a:spcPct val="115000"/>
               </a:lnSpc>
@@ -8054,13 +8091,13 @@
               <a:buNone/>
             </a:pPr>
             <a:r>
-              <a:rPr lang="en" sz="1700"/>
-              <a:t>We plan on using the following:</a:t>
+              <a:rPr lang="en" sz="1700" dirty="0"/>
+              <a:t>To build our system, we used the following:</a:t>
             </a:r>
-            <a:endParaRPr sz="1700"/>
+            <a:endParaRPr sz="1700" dirty="0"/>
           </a:p>
           <a:p>
-            <a:pPr indent="-336550" lvl="0" marL="457200" rtl="0" algn="l">
+            <a:pPr marL="457200" lvl="0" indent="-336550" algn="l" rtl="0">
               <a:lnSpc>
                 <a:spcPct val="115000"/>
               </a:lnSpc>
@@ -8074,13 +8111,17 @@
               <a:buChar char="●"/>
             </a:pPr>
             <a:r>
-              <a:rPr lang="en" sz="1700"/>
-              <a:t>Backend:</a:t>
+              <a:rPr lang="en" sz="1700" b="1" dirty="0"/>
+              <a:t>Backend</a:t>
             </a:r>
-            <a:endParaRPr sz="1700"/>
+            <a:r>
+              <a:rPr lang="en" sz="1700" dirty="0"/>
+              <a:t>:</a:t>
+            </a:r>
+            <a:endParaRPr sz="1700" dirty="0"/>
           </a:p>
           <a:p>
-            <a:pPr indent="-336550" lvl="1" marL="914400" rtl="0" algn="l">
+            <a:pPr marL="914400" lvl="1" indent="-336550" algn="l" rtl="0">
               <a:lnSpc>
                 <a:spcPct val="115000"/>
               </a:lnSpc>
@@ -8094,13 +8135,13 @@
               <a:buChar char="○"/>
             </a:pPr>
             <a:r>
-              <a:rPr lang="en" sz="1700"/>
+              <a:rPr lang="en" sz="1700" dirty="0"/>
               <a:t>Python: Pandas, Numpy, Flask, flask_resful</a:t>
             </a:r>
-            <a:endParaRPr sz="1700"/>
+            <a:endParaRPr sz="1700" dirty="0"/>
           </a:p>
           <a:p>
-            <a:pPr indent="-336550" lvl="1" marL="914400" rtl="0" algn="l">
+            <a:pPr marL="914400" lvl="1" indent="-336550" algn="l" rtl="0">
               <a:lnSpc>
                 <a:spcPct val="115000"/>
               </a:lnSpc>
@@ -8114,13 +8155,13 @@
               <a:buChar char="○"/>
             </a:pPr>
             <a:r>
-              <a:rPr lang="en" sz="1700"/>
-              <a:t>MySQL</a:t>
+              <a:rPr lang="en" sz="1700" dirty="0"/>
+              <a:t>SQLite</a:t>
             </a:r>
-            <a:endParaRPr sz="1700"/>
+            <a:endParaRPr sz="1700" dirty="0"/>
           </a:p>
           <a:p>
-            <a:pPr indent="-336550" lvl="0" marL="457200" rtl="0" algn="l">
+            <a:pPr marL="457200" lvl="0" indent="-336550" algn="l" rtl="0">
               <a:lnSpc>
                 <a:spcPct val="115000"/>
               </a:lnSpc>
@@ -8134,13 +8175,17 @@
               <a:buChar char="●"/>
             </a:pPr>
             <a:r>
-              <a:rPr lang="en" sz="1700"/>
-              <a:t>Frontend:</a:t>
+              <a:rPr lang="en" sz="1700" b="1" dirty="0"/>
+              <a:t>Frontend</a:t>
             </a:r>
-            <a:endParaRPr sz="1700"/>
+            <a:r>
+              <a:rPr lang="en" sz="1700" dirty="0"/>
+              <a:t>:</a:t>
+            </a:r>
+            <a:endParaRPr sz="1700" dirty="0"/>
           </a:p>
           <a:p>
-            <a:pPr indent="-336550" lvl="1" marL="914400" rtl="0" algn="l">
+            <a:pPr marL="914400" lvl="1" indent="-336550" algn="l" rtl="0">
               <a:lnSpc>
                 <a:spcPct val="115000"/>
               </a:lnSpc>
@@ -8154,16 +8199,16 @@
               <a:buChar char="○"/>
             </a:pPr>
             <a:r>
-              <a:rPr lang="en" sz="1700"/>
-              <a:t>React (HTML/CSS)</a:t>
+              <a:rPr lang="en" sz="1700" dirty="0"/>
+              <a:t>JS Library React (with HTML/CSS)</a:t>
             </a:r>
-            <a:endParaRPr sz="1700"/>
+            <a:endParaRPr sz="1700" dirty="0"/>
           </a:p>
         </p:txBody>
       </p:sp>
       <p:pic>
         <p:nvPicPr>
-          <p:cNvPr id="100" name="Google Shape;100;p18"/>
+          <p:cNvPr id="101" name="Google Shape;101;p18"/>
           <p:cNvPicPr preferRelativeResize="0"/>
           <p:nvPr/>
         </p:nvPicPr>
@@ -8177,35 +8222,7 @@
         </p:blipFill>
         <p:spPr>
           <a:xfrm>
-            <a:off x="126575" y="3558125"/>
-            <a:ext cx="2964900" cy="1534575"/>
-          </a:xfrm>
-          <a:prstGeom prst="rect">
-            <a:avLst/>
-          </a:prstGeom>
-          <a:noFill/>
-          <a:ln>
-            <a:noFill/>
-          </a:ln>
-        </p:spPr>
-      </p:pic>
-      <p:pic>
-        <p:nvPicPr>
-          <p:cNvPr id="101" name="Google Shape;101;p18"/>
-          <p:cNvPicPr preferRelativeResize="0"/>
-          <p:nvPr/>
-        </p:nvPicPr>
-        <p:blipFill>
-          <a:blip r:embed="rId4">
-            <a:alphaModFix/>
-          </a:blip>
-          <a:stretch>
-            <a:fillRect/>
-          </a:stretch>
-        </p:blipFill>
-        <p:spPr>
-          <a:xfrm>
-            <a:off x="6035275" y="1313525"/>
+            <a:off x="6410474" y="508841"/>
             <a:ext cx="1715400" cy="1715400"/>
           </a:xfrm>
           <a:prstGeom prst="rect">
@@ -8224,7 +8241,7 @@
           <p:nvPr/>
         </p:nvPicPr>
         <p:blipFill>
-          <a:blip r:embed="rId5">
+          <a:blip r:embed="rId4">
             <a:alphaModFix/>
           </a:blip>
           <a:stretch>
@@ -8233,8 +8250,8 @@
         </p:blipFill>
         <p:spPr>
           <a:xfrm>
-            <a:off x="4693325" y="3190025"/>
-            <a:ext cx="1879626" cy="1879626"/>
+            <a:off x="5244260" y="2765018"/>
+            <a:ext cx="2009144" cy="1869641"/>
           </a:xfrm>
           <a:prstGeom prst="rect">
             <a:avLst/>
@@ -8245,112 +8262,66 @@
           </a:ln>
         </p:spPr>
       </p:pic>
-    </p:spTree>
-  </p:cSld>
-  <p:clrMapOvr>
-    <a:masterClrMapping/>
-  </p:clrMapOvr>
-</p:sld>
-</file>
-
-<file path=ppt/slides/slide7.xml><?xml version="1.0" encoding="utf-8"?>
-<p:sld xmlns:a="http://schemas.openxmlformats.org/drawingml/2006/main" xmlns:r="http://schemas.openxmlformats.org/officeDocument/2006/relationships" xmlns:mc="http://schemas.openxmlformats.org/markup-compatibility/2006" xmlns:mv="urn:schemas-microsoft-com:mac:vml" xmlns:p="http://schemas.openxmlformats.org/presentationml/2006/main" xmlns:c="http://schemas.openxmlformats.org/drawingml/2006/chart" xmlns:dgm="http://schemas.openxmlformats.org/drawingml/2006/diagram" xmlns:o="urn:schemas-microsoft-com:office:office" xmlns:v="urn:schemas-microsoft-com:vml" xmlns:pvml="urn:schemas-microsoft-com:office:powerpoint" xmlns:com="http://schemas.openxmlformats.org/drawingml/2006/compatibility" xmlns:p14="http://schemas.microsoft.com/office/powerpoint/2010/main" xmlns:p15="http://schemas.microsoft.com/office/powerpoint/2012/main" xmlns:ahyp="http://schemas.microsoft.com/office/drawing/2018/hyperlinkcolor">
-  <p:cSld>
-    <p:spTree>
-      <p:nvGrpSpPr>
-        <p:cNvPr id="106" name="Shape 106"/>
-        <p:cNvGrpSpPr/>
-        <p:nvPr/>
-      </p:nvGrpSpPr>
-      <p:grpSpPr>
-        <a:xfrm>
-          <a:off x="0" y="0"/>
-          <a:ext cx="0" cy="0"/>
-          <a:chOff x="0" y="0"/>
-          <a:chExt cx="0" cy="0"/>
-        </a:xfrm>
-      </p:grpSpPr>
-      <p:sp>
-        <p:nvSpPr>
-          <p:cNvPr id="107" name="Google Shape;107;p19"/>
-          <p:cNvSpPr txBox="1"/>
-          <p:nvPr>
-            <p:ph type="title"/>
-          </p:nvPr>
-        </p:nvSpPr>
+      <p:pic>
+        <p:nvPicPr>
+          <p:cNvPr id="3" name="Picture 2">
+            <a:extLst>
+              <a:ext uri="{FF2B5EF4-FFF2-40B4-BE49-F238E27FC236}">
+                <a16:creationId xmlns:a16="http://schemas.microsoft.com/office/drawing/2014/main" id="{8D9634EA-3AA8-4D5E-BC99-F1891BFEFB81}"/>
+              </a:ext>
+            </a:extLst>
+          </p:cNvPr>
+          <p:cNvPicPr>
+            <a:picLocks noChangeAspect="1"/>
+          </p:cNvPicPr>
+          <p:nvPr/>
+        </p:nvPicPr>
+        <p:blipFill>
+          <a:blip r:embed="rId5"/>
+          <a:stretch>
+            <a:fillRect/>
+          </a:stretch>
+        </p:blipFill>
         <p:spPr>
           <a:xfrm>
-            <a:off x="311700" y="223650"/>
-            <a:ext cx="8520600" cy="707400"/>
+            <a:off x="311700" y="3681732"/>
+            <a:ext cx="1401988" cy="1164887"/>
           </a:xfrm>
           <a:prstGeom prst="rect">
             <a:avLst/>
           </a:prstGeom>
         </p:spPr>
-        <p:txBody>
-          <a:bodyPr anchorCtr="0" anchor="t" bIns="91425" lIns="91425" spcFirstLastPara="1" rIns="91425" wrap="square" tIns="91425">
-            <a:noAutofit/>
-          </a:bodyPr>
-          <a:lstStyle/>
-          <a:p>
-            <a:pPr indent="0" lvl="0" marL="0" rtl="0" algn="ctr">
-              <a:spcBef>
-                <a:spcPts val="0"/>
-              </a:spcBef>
-              <a:spcAft>
-                <a:spcPts val="0"/>
-              </a:spcAft>
-              <a:buSzPts val="990"/>
-              <a:buNone/>
-            </a:pPr>
-            <a:r>
-              <a:rPr lang="en" sz="6500"/>
-              <a:t>THANK YOU</a:t>
-            </a:r>
-            <a:endParaRPr sz="6500"/>
-          </a:p>
-        </p:txBody>
-      </p:sp>
-      <p:sp>
-        <p:nvSpPr>
-          <p:cNvPr id="108" name="Google Shape;108;p19"/>
-          <p:cNvSpPr txBox="1"/>
-          <p:nvPr>
-            <p:ph idx="1" type="body"/>
-          </p:nvPr>
-        </p:nvSpPr>
+      </p:pic>
+      <p:pic>
+        <p:nvPicPr>
+          <p:cNvPr id="5" name="Picture 4">
+            <a:extLst>
+              <a:ext uri="{FF2B5EF4-FFF2-40B4-BE49-F238E27FC236}">
+                <a16:creationId xmlns:a16="http://schemas.microsoft.com/office/drawing/2014/main" id="{D272CA7F-0927-4A39-BDE2-DEE1641DB818}"/>
+              </a:ext>
+            </a:extLst>
+          </p:cNvPr>
+          <p:cNvPicPr>
+            <a:picLocks noChangeAspect="1"/>
+          </p:cNvPicPr>
+          <p:nvPr/>
+        </p:nvPicPr>
+        <p:blipFill>
+          <a:blip r:embed="rId6"/>
+          <a:stretch>
+            <a:fillRect/>
+          </a:stretch>
+        </p:blipFill>
         <p:spPr>
           <a:xfrm>
-            <a:off x="341800" y="1354875"/>
-            <a:ext cx="8520600" cy="3302700"/>
+            <a:off x="2562856" y="3846471"/>
+            <a:ext cx="2009144" cy="852004"/>
           </a:xfrm>
           <a:prstGeom prst="rect">
             <a:avLst/>
           </a:prstGeom>
         </p:spPr>
-        <p:txBody>
-          <a:bodyPr anchorCtr="0" anchor="ctr" bIns="91425" lIns="91425" spcFirstLastPara="1" rIns="91425" wrap="square" tIns="91425">
-            <a:normAutofit/>
-          </a:bodyPr>
-          <a:lstStyle/>
-          <a:p>
-            <a:pPr indent="0" lvl="0" marL="457200" rtl="0" algn="ctr">
-              <a:spcBef>
-                <a:spcPts val="0"/>
-              </a:spcBef>
-              <a:spcAft>
-                <a:spcPts val="1200"/>
-              </a:spcAft>
-              <a:buNone/>
-            </a:pPr>
-            <a:r>
-              <a:rPr b="1" lang="en" sz="6500"/>
-              <a:t>ANY QUESTIONS?</a:t>
-            </a:r>
-            <a:endParaRPr b="1" sz="6500"/>
-          </a:p>
-        </p:txBody>
-      </p:sp>
+      </p:pic>
     </p:spTree>
   </p:cSld>
   <p:clrMapOvr>
@@ -8360,7 +8331,7 @@
 </file>
 
 <file path=ppt/theme/theme1.xml><?xml version="1.0" encoding="utf-8"?>
-<a:theme xmlns:a="http://schemas.openxmlformats.org/drawingml/2006/main" xmlns:r="http://schemas.openxmlformats.org/officeDocument/2006/relationships" name="Tropic">
+<a:theme xmlns:a="http://schemas.openxmlformats.org/drawingml/2006/main" name="Tropic">
   <a:themeElements>
     <a:clrScheme name="Tropic">
       <a:dk1>
@@ -8635,11 +8606,13 @@
       </a:bgFillStyleLst>
     </a:fmtScheme>
   </a:themeElements>
+  <a:objectDefaults/>
+  <a:extraClrSchemeLst/>
 </a:theme>
 </file>
 
 <file path=ppt/theme/theme2.xml><?xml version="1.0" encoding="utf-8"?>
-<a:theme xmlns:a="http://schemas.openxmlformats.org/drawingml/2006/main" xmlns:r="http://schemas.openxmlformats.org/officeDocument/2006/relationships">
+<a:theme xmlns:a="http://schemas.openxmlformats.org/drawingml/2006/main">
   <a:themeElements>
     <a:clrScheme name="Default">
       <a:dk1>
@@ -8914,5 +8887,7 @@
       </a:bgFillStyleLst>
     </a:fmtScheme>
   </a:themeElements>
+  <a:objectDefaults/>
+  <a:extraClrSchemeLst/>
 </a:theme>
 </file>
--- a/Phase_1/Phase1.pptx
+++ b/Phase_1/Phase1.pptx
@@ -6935,10 +6935,10 @@
               <a:buNone/>
             </a:pPr>
             <a:r>
-              <a:rPr lang="en" sz="2300"/>
+              <a:rPr lang="en" sz="2300" dirty="0"/>
               <a:t>Yoan Palacios G &amp; Aayush Koirala</a:t>
             </a:r>
-            <a:endParaRPr sz="2300"/>
+            <a:endParaRPr sz="2300" dirty="0"/>
           </a:p>
         </p:txBody>
       </p:sp>
@@ -7398,7 +7398,7 @@
         </p:nvSpPr>
         <p:spPr>
           <a:xfrm>
-            <a:off x="4728850" y="1762300"/>
+            <a:off x="4832400" y="1762300"/>
             <a:ext cx="3999900" cy="3302700"/>
           </a:xfrm>
           <a:prstGeom prst="rect">

--- a/Phase_1/Phase1.pptx
+++ b/Phase_1/Phase1.pptx
@@ -8062,7 +8062,7 @@
         <p:spPr>
           <a:xfrm>
             <a:off x="311700" y="1152425"/>
-            <a:ext cx="5304000" cy="2143633"/>
+            <a:ext cx="5304000" cy="2745337"/>
           </a:xfrm>
           <a:prstGeom prst="rect">
             <a:avLst/>
@@ -8091,6 +8091,29 @@
               <a:buNone/>
             </a:pPr>
             <a:r>
+              <a:rPr lang="en" sz="1700" b="1" dirty="0"/>
+              <a:t>Github: </a:t>
+            </a:r>
+            <a:r>
+              <a:rPr lang="en-US" sz="900" dirty="0"/>
+              <a:t>https://github.com/PalaciosYoan/Hospital_Management_System</a:t>
+            </a:r>
+            <a:endParaRPr lang="en" sz="900" dirty="0"/>
+          </a:p>
+          <a:p>
+            <a:pPr marL="0" lvl="0" indent="0" algn="l" rtl="0">
+              <a:lnSpc>
+                <a:spcPct val="115000"/>
+              </a:lnSpc>
+              <a:spcBef>
+                <a:spcPts val="0"/>
+              </a:spcBef>
+              <a:spcAft>
+                <a:spcPts val="0"/>
+              </a:spcAft>
+              <a:buNone/>
+            </a:pPr>
+            <a:r>
               <a:rPr lang="en" sz="1700" dirty="0"/>
               <a:t>To build our system, we used the following:</a:t>
             </a:r>
@@ -8202,7 +8225,15 @@
               <a:rPr lang="en" sz="1700" dirty="0"/>
               <a:t>JS Library React (with HTML/CSS)</a:t>
             </a:r>
-            <a:endParaRPr sz="1700" dirty="0"/>
+          </a:p>
+          <a:p>
+            <a:pPr marL="577850" lvl="3">
+              <a:lnSpc>
+                <a:spcPct val="115000"/>
+              </a:lnSpc>
+              <a:buSzPts val="1700"/>
+            </a:pPr>
+            <a:endParaRPr lang="en" sz="1700" dirty="0"/>
           </a:p>
         </p:txBody>
       </p:sp>
